--- a/ese/WS1920/02_PerformanceEng.pptx
+++ b/ese/WS1920/02_PerformanceEng.pptx
@@ -11890,11 +11890,19 @@
             <a:pPr lvl="1"/>
             <a:r>
               <a:rPr lang="en-US" dirty="0"/>
-              <a:t>SPEC (</a:t>
+              <a:t>SPEC </a:t>
+            </a:r>
+            <a:r>
+              <a:rPr lang="en-US" dirty="0" smtClean="0"/>
+              <a:t>(</a:t>
+            </a:r>
+            <a:r>
+              <a:rPr lang="de-DE" smtClean="0"/>
+              <a:t>Standard </a:t>
             </a:r>
             <a:r>
               <a:rPr lang="de-DE" dirty="0"/>
-              <a:t>System Performance Evaluation </a:t>
+              <a:t>Performance Evaluation </a:t>
             </a:r>
             <a:r>
               <a:rPr lang="de-DE" dirty="0" err="1"/>
@@ -15318,7 +15326,7 @@
           <a:graphicData uri="http://schemas.openxmlformats.org/presentationml/2006/ole">
             <mc:AlternateContent xmlns:mc="http://schemas.openxmlformats.org/markup-compatibility/2006">
               <mc:Choice xmlns:v="urn:schemas-microsoft-com:vml" Requires="v">
-                <p:oleObj spid="_x0000_s69717" name="Formel" r:id="rId3" imgW="2044440" imgH="431640" progId="Equation.3">
+                <p:oleObj spid="_x0000_s69721" name="Formel" r:id="rId3" imgW="2044440" imgH="431640" progId="Equation.3">
                   <p:embed/>
                 </p:oleObj>
               </mc:Choice>
@@ -19244,7 +19252,7 @@
           <a:graphicData uri="http://schemas.openxmlformats.org/presentationml/2006/ole">
             <mc:AlternateContent xmlns:mc="http://schemas.openxmlformats.org/markup-compatibility/2006">
               <mc:Choice xmlns:v="urn:schemas-microsoft-com:vml" Requires="v">
-                <p:oleObj spid="_x0000_s70703" name="Formel" r:id="rId3" imgW="3479760" imgH="482400" progId="Equation.3">
+                <p:oleObj spid="_x0000_s70707" name="Formel" r:id="rId3" imgW="3479760" imgH="482400" progId="Equation.3">
                   <p:embed/>
                 </p:oleObj>
               </mc:Choice>
@@ -19811,19 +19819,44 @@
           <a:lstStyle/>
           <a:p>
             <a:r>
-              <a:rPr lang="de-DE" dirty="0" smtClean="0"/>
-              <a:t>Bestimmen Sie die schnellste Sortierfunktion</a:t>
-            </a:r>
+              <a:rPr lang="de-DE" dirty="0" err="1" smtClean="0"/>
+              <a:t>Determine</a:t>
+            </a:r>
+            <a:r>
+              <a:rPr lang="de-DE" dirty="0" smtClean="0"/>
+              <a:t> </a:t>
+            </a:r>
+            <a:r>
+              <a:rPr lang="de-DE" dirty="0" err="1" smtClean="0"/>
+              <a:t>the</a:t>
+            </a:r>
+            <a:r>
+              <a:rPr lang="de-DE" dirty="0" smtClean="0"/>
+              <a:t> fastest </a:t>
+            </a:r>
+            <a:r>
+              <a:rPr lang="de-DE" dirty="0" err="1" smtClean="0"/>
+              <a:t>sorting</a:t>
+            </a:r>
+            <a:r>
+              <a:rPr lang="de-DE" dirty="0" smtClean="0"/>
+              <a:t> </a:t>
+            </a:r>
+            <a:r>
+              <a:rPr lang="de-DE" dirty="0" err="1" smtClean="0"/>
+              <a:t>algorithm</a:t>
+            </a:r>
+            <a:endParaRPr lang="de-DE" dirty="0" smtClean="0"/>
           </a:p>
           <a:p>
             <a:pPr lvl="1"/>
             <a:r>
-              <a:rPr lang="en-US" dirty="0" err="1" smtClean="0"/>
-              <a:t>Gruppe</a:t>
-            </a:r>
-            <a:r>
               <a:rPr lang="en-US" dirty="0" smtClean="0"/>
-              <a:t> 1: </a:t>
+              <a:t>Group </a:t>
+            </a:r>
+            <a:r>
+              <a:rPr lang="en-US" dirty="0" smtClean="0"/>
+              <a:t>1: </a:t>
             </a:r>
             <a:r>
               <a:rPr lang="en-US" dirty="0" smtClean="0"/>
@@ -19858,12 +19891,12 @@
           <a:p>
             <a:pPr lvl="1"/>
             <a:r>
-              <a:rPr lang="en-US" dirty="0" err="1" smtClean="0"/>
-              <a:t>Gruppe</a:t>
+              <a:rPr lang="en-US" dirty="0"/>
+              <a:t>Group </a:t>
             </a:r>
             <a:r>
               <a:rPr lang="en-US" dirty="0" smtClean="0"/>
-              <a:t> 2: </a:t>
+              <a:t>2: </a:t>
             </a:r>
             <a:r>
               <a:rPr lang="en-US" dirty="0" err="1"/>
@@ -19898,12 +19931,12 @@
           <a:p>
             <a:pPr lvl="1"/>
             <a:r>
-              <a:rPr lang="en-US" dirty="0" err="1" smtClean="0"/>
-              <a:t>Gruppe</a:t>
+              <a:rPr lang="en-US" dirty="0"/>
+              <a:t>Group </a:t>
             </a:r>
             <a:r>
               <a:rPr lang="en-US" dirty="0" smtClean="0"/>
-              <a:t> 3: </a:t>
+              <a:t>3: </a:t>
             </a:r>
             <a:r>
               <a:rPr lang="en-US" dirty="0" err="1"/>
@@ -19934,12 +19967,12 @@
           <a:p>
             <a:pPr lvl="1"/>
             <a:r>
-              <a:rPr lang="en-US" dirty="0" err="1" smtClean="0"/>
-              <a:t>Gruppe</a:t>
+              <a:rPr lang="en-US" dirty="0"/>
+              <a:t>Group </a:t>
             </a:r>
             <a:r>
               <a:rPr lang="en-US" dirty="0" smtClean="0"/>
-              <a:t> 4: </a:t>
+              <a:t>4: </a:t>
             </a:r>
             <a:r>
               <a:rPr lang="en-US" dirty="0" err="1"/>
@@ -20812,7 +20845,7 @@
           <a:graphicData uri="http://schemas.openxmlformats.org/presentationml/2006/ole">
             <mc:AlternateContent xmlns:mc="http://schemas.openxmlformats.org/markup-compatibility/2006">
               <mc:Choice xmlns:v="urn:schemas-microsoft-com:vml" Requires="v">
-                <p:oleObj spid="_x0000_s45554" name="Formel" r:id="rId3" imgW="1663560" imgH="431640" progId="Equation.3">
+                <p:oleObj spid="_x0000_s45562" name="Formel" r:id="rId3" imgW="1663560" imgH="431640" progId="Equation.3">
                   <p:embed/>
                 </p:oleObj>
               </mc:Choice>
@@ -20897,7 +20930,7 @@
           <a:graphicData uri="http://schemas.openxmlformats.org/presentationml/2006/ole">
             <mc:AlternateContent xmlns:mc="http://schemas.openxmlformats.org/markup-compatibility/2006">
               <mc:Choice xmlns:v="urn:schemas-microsoft-com:vml" Requires="v">
-                <p:oleObj spid="_x0000_s45555" name="Formel" r:id="rId5" imgW="126720" imgH="215640" progId="Equation.3">
+                <p:oleObj spid="_x0000_s45563" name="Formel" r:id="rId5" imgW="126720" imgH="215640" progId="Equation.3">
                   <p:embed/>
                 </p:oleObj>
               </mc:Choice>
@@ -23602,7 +23635,7 @@
           <a:graphicData uri="http://schemas.openxmlformats.org/presentationml/2006/ole">
             <mc:AlternateContent xmlns:mc="http://schemas.openxmlformats.org/markup-compatibility/2006">
               <mc:Choice xmlns:v="urn:schemas-microsoft-com:vml" Requires="v">
-                <p:oleObj spid="_x0000_s71744" name="Formel" r:id="rId3" imgW="723600" imgH="253800" progId="Equation.3">
+                <p:oleObj spid="_x0000_s71752" name="Formel" r:id="rId3" imgW="723600" imgH="253800" progId="Equation.3">
                   <p:embed/>
                 </p:oleObj>
               </mc:Choice>
@@ -23672,7 +23705,7 @@
           <a:graphicData uri="http://schemas.openxmlformats.org/presentationml/2006/ole">
             <mc:AlternateContent xmlns:mc="http://schemas.openxmlformats.org/markup-compatibility/2006">
               <mc:Choice xmlns:v="urn:schemas-microsoft-com:vml" Requires="v">
-                <p:oleObj spid="_x0000_s71745" name="Formel" r:id="rId5" imgW="711000" imgH="241200" progId="Equation.3">
+                <p:oleObj spid="_x0000_s71753" name="Formel" r:id="rId5" imgW="711000" imgH="241200" progId="Equation.3">
                   <p:embed/>
                 </p:oleObj>
               </mc:Choice>
@@ -25106,7 +25139,7 @@
           <a:graphicData uri="http://schemas.openxmlformats.org/presentationml/2006/ole">
             <mc:AlternateContent xmlns:mc="http://schemas.openxmlformats.org/markup-compatibility/2006">
               <mc:Choice xmlns:v="urn:schemas-microsoft-com:vml" Requires="v">
-                <p:oleObj spid="_x0000_s72764" name="Formel" r:id="rId3" imgW="672840" imgH="495000" progId="Equation.3">
+                <p:oleObj spid="_x0000_s72772" name="Formel" r:id="rId3" imgW="672840" imgH="495000" progId="Equation.3">
                   <p:embed/>
                 </p:oleObj>
               </mc:Choice>
@@ -25176,7 +25209,7 @@
           <a:graphicData uri="http://schemas.openxmlformats.org/presentationml/2006/ole">
             <mc:AlternateContent xmlns:mc="http://schemas.openxmlformats.org/markup-compatibility/2006">
               <mc:Choice xmlns:v="urn:schemas-microsoft-com:vml" Requires="v">
-                <p:oleObj spid="_x0000_s72765" name="Formel" r:id="rId5" imgW="3073320" imgH="698400" progId="Equation.3">
+                <p:oleObj spid="_x0000_s72773" name="Formel" r:id="rId5" imgW="3073320" imgH="698400" progId="Equation.3">
                   <p:embed/>
                 </p:oleObj>
               </mc:Choice>
@@ -25746,7 +25779,7 @@
           <a:graphicData uri="http://schemas.openxmlformats.org/presentationml/2006/ole">
             <mc:AlternateContent xmlns:mc="http://schemas.openxmlformats.org/markup-compatibility/2006">
               <mc:Choice xmlns:v="urn:schemas-microsoft-com:vml" Requires="v">
-                <p:oleObj spid="_x0000_s73784" name="Formel" r:id="rId3" imgW="977760" imgH="241200" progId="Equation.3">
+                <p:oleObj spid="_x0000_s73792" name="Formel" r:id="rId3" imgW="977760" imgH="241200" progId="Equation.3">
                   <p:embed/>
                 </p:oleObj>
               </mc:Choice>
@@ -25818,7 +25851,7 @@
           <a:graphicData uri="http://schemas.openxmlformats.org/presentationml/2006/ole">
             <mc:AlternateContent xmlns:mc="http://schemas.openxmlformats.org/markup-compatibility/2006">
               <mc:Choice xmlns:v="urn:schemas-microsoft-com:vml" Requires="v">
-                <p:oleObj spid="_x0000_s73785" name="Formel" r:id="rId5" imgW="482400" imgH="241200" progId="Equation.3">
+                <p:oleObj spid="_x0000_s73793" name="Formel" r:id="rId5" imgW="482400" imgH="241200" progId="Equation.3">
                   <p:embed/>
                 </p:oleObj>
               </mc:Choice>
@@ -26610,7 +26643,7 @@
           <a:graphicData uri="http://schemas.openxmlformats.org/presentationml/2006/ole">
             <mc:AlternateContent xmlns:mc="http://schemas.openxmlformats.org/markup-compatibility/2006">
               <mc:Choice xmlns:v="urn:schemas-microsoft-com:vml" Requires="v">
-                <p:oleObj spid="_x0000_s74781" name="Formel" r:id="rId3" imgW="888840" imgH="241200" progId="Equation.3">
+                <p:oleObj spid="_x0000_s74785" name="Formel" r:id="rId3" imgW="888840" imgH="241200" progId="Equation.3">
                   <p:embed/>
                 </p:oleObj>
               </mc:Choice>
@@ -29047,7 +29080,7 @@
           <a:graphicData uri="http://schemas.openxmlformats.org/presentationml/2006/ole">
             <mc:AlternateContent xmlns:mc="http://schemas.openxmlformats.org/markup-compatibility/2006">
               <mc:Choice xmlns:v="urn:schemas-microsoft-com:vml" Requires="v">
-                <p:oleObj spid="_x0000_s75830" name="Formel" r:id="rId3" imgW="1612800" imgH="393480" progId="Equation.3">
+                <p:oleObj spid="_x0000_s75838" name="Formel" r:id="rId3" imgW="1612800" imgH="393480" progId="Equation.3">
                   <p:embed/>
                 </p:oleObj>
               </mc:Choice>
@@ -29111,7 +29144,7 @@
           <a:graphicData uri="http://schemas.openxmlformats.org/presentationml/2006/ole">
             <mc:AlternateContent xmlns:mc="http://schemas.openxmlformats.org/markup-compatibility/2006">
               <mc:Choice xmlns:v="urn:schemas-microsoft-com:vml" Requires="v">
-                <p:oleObj spid="_x0000_s75831" name="Formel" r:id="rId5" imgW="558720" imgH="431640" progId="Equation.3">
+                <p:oleObj spid="_x0000_s75839" name="Formel" r:id="rId5" imgW="558720" imgH="431640" progId="Equation.3">
                   <p:embed/>
                 </p:oleObj>
               </mc:Choice>
@@ -30401,6 +30434,13 @@
   <p:clrMapOvr>
     <a:masterClrMapping/>
   </p:clrMapOvr>
+  <p:timing>
+    <p:tnLst>
+      <p:par>
+        <p:cTn id="1" dur="indefinite" restart="never" nodeType="tmRoot"/>
+      </p:par>
+    </p:tnLst>
+  </p:timing>
 </p:sld>
 </file>
 

--- a/ese/WS1920/02_PerformanceEng.pptx
+++ b/ese/WS1920/02_PerformanceEng.pptx
@@ -259,7 +259,7 @@
             <a:fld id="{BED9D175-6887-4AB8-843E-040B2684F070}" type="datetimeFigureOut">
               <a:rPr lang="de-DE" smtClean="0"/>
               <a:pPr/>
-              <a:t>22.10.2019</a:t>
+              <a:t>06.11.2019</a:t>
             </a:fld>
             <a:endParaRPr lang="en-US"/>
           </a:p>
@@ -1756,15 +1756,7 @@
           <a:p>
             <a:r>
               <a:rPr lang="de-DE" baseline="0" dirty="0" smtClean="0"/>
-              <a:t>Normalisierung</a:t>
-            </a:r>
-            <a:r>
-              <a:rPr lang="de-DE" baseline="0" dirty="0" smtClean="0"/>
-              <a:t>: </a:t>
-            </a:r>
-            <a:r>
-              <a:rPr lang="de-DE" baseline="0" dirty="0" smtClean="0"/>
-              <a:t> </a:t>
+              <a:t>Normalisierung:  </a:t>
             </a:r>
             <a:r>
               <a:rPr lang="de-DE" baseline="0" dirty="0" err="1" smtClean="0"/>
@@ -3115,7 +3107,7 @@
             <a:fld id="{1BCC276E-76C6-4264-ADA8-430C1E9AE626}" type="datetime1">
               <a:rPr lang="de-DE" smtClean="0"/>
               <a:pPr/>
-              <a:t>22.10.2019</a:t>
+              <a:t>06.11.2019</a:t>
             </a:fld>
             <a:endParaRPr lang="de-DE"/>
           </a:p>
@@ -3445,7 +3437,7 @@
             <a:fld id="{44C87097-FEC3-472A-ABCC-61E517642E41}" type="datetime1">
               <a:rPr lang="de-DE" smtClean="0"/>
               <a:pPr/>
-              <a:t>22.10.2019</a:t>
+              <a:t>06.11.2019</a:t>
             </a:fld>
             <a:endParaRPr lang="de-DE"/>
           </a:p>
@@ -3744,7 +3736,7 @@
             <a:fld id="{966F1707-C9EF-406C-BEA4-A8772732FE19}" type="datetime1">
               <a:rPr lang="de-DE" smtClean="0"/>
               <a:pPr/>
-              <a:t>22.10.2019</a:t>
+              <a:t>06.11.2019</a:t>
             </a:fld>
             <a:endParaRPr lang="de-DE"/>
           </a:p>
@@ -4125,7 +4117,7 @@
             <a:fld id="{15EA5CC1-578E-4250-B521-1CF45006C3F5}" type="datetime1">
               <a:rPr lang="de-DE" smtClean="0"/>
               <a:pPr/>
-              <a:t>22.10.2019</a:t>
+              <a:t>06.11.2019</a:t>
             </a:fld>
             <a:endParaRPr lang="de-DE"/>
           </a:p>
@@ -4487,7 +4479,7 @@
             <a:fld id="{9DF577C6-C45A-4A18-9A7E-C2A03F99BCF7}" type="datetime1">
               <a:rPr lang="de-DE" smtClean="0"/>
               <a:pPr/>
-              <a:t>22.10.2019</a:t>
+              <a:t>06.11.2019</a:t>
             </a:fld>
             <a:endParaRPr lang="de-DE"/>
           </a:p>
@@ -4666,7 +4658,7 @@
             <a:fld id="{979FCBA4-3D51-460B-BBC1-ACC0C4EAAA73}" type="datetime1">
               <a:rPr lang="de-DE" smtClean="0"/>
               <a:pPr/>
-              <a:t>22.10.2019</a:t>
+              <a:t>06.11.2019</a:t>
             </a:fld>
             <a:endParaRPr lang="de-DE"/>
           </a:p>
@@ -4922,7 +4914,7 @@
             <a:fld id="{8EF3BC51-563C-441A-AE4B-43C3D2B564F8}" type="datetime1">
               <a:rPr lang="de-DE" smtClean="0"/>
               <a:pPr/>
-              <a:t>22.10.2019</a:t>
+              <a:t>06.11.2019</a:t>
             </a:fld>
             <a:endParaRPr lang="de-DE"/>
           </a:p>
@@ -5212,7 +5204,7 @@
             <a:fld id="{2C18BC4C-474E-4A02-AF3F-B534D3E05B93}" type="datetime1">
               <a:rPr lang="de-DE" smtClean="0"/>
               <a:pPr/>
-              <a:t>22.10.2019</a:t>
+              <a:t>06.11.2019</a:t>
             </a:fld>
             <a:endParaRPr lang="de-DE"/>
           </a:p>
@@ -5531,7 +5523,7 @@
             <a:fld id="{0B5C1199-104E-4183-8BCB-DB3D98DCF5E9}" type="datetime1">
               <a:rPr lang="de-DE" smtClean="0"/>
               <a:pPr/>
-              <a:t>22.10.2019</a:t>
+              <a:t>06.11.2019</a:t>
             </a:fld>
             <a:endParaRPr lang="de-DE"/>
           </a:p>
@@ -5698,7 +5690,7 @@
             <a:fld id="{78C53D37-0615-4E36-BE7C-83DC0BFEAED3}" type="datetime1">
               <a:rPr lang="de-DE" smtClean="0"/>
               <a:pPr/>
-              <a:t>22.10.2019</a:t>
+              <a:t>06.11.2019</a:t>
             </a:fld>
             <a:endParaRPr lang="de-DE"/>
           </a:p>
@@ -5941,7 +5933,7 @@
             <a:fld id="{29B02008-13AF-4554-B05C-34B62D8ADBA6}" type="datetime1">
               <a:rPr lang="de-DE" smtClean="0"/>
               <a:pPr/>
-              <a:t>22.10.2019</a:t>
+              <a:t>06.11.2019</a:t>
             </a:fld>
             <a:endParaRPr lang="de-DE"/>
           </a:p>
@@ -6113,7 +6105,7 @@
             <a:fld id="{D7E08395-A5A9-411D-A3D3-851CF9301FD9}" type="datetime1">
               <a:rPr lang="de-DE" smtClean="0"/>
               <a:pPr/>
-              <a:t>22.10.2019</a:t>
+              <a:t>06.11.2019</a:t>
             </a:fld>
             <a:endParaRPr lang="de-DE"/>
           </a:p>
@@ -6494,7 +6486,7 @@
             <a:fld id="{4D201877-C488-4E04-BF57-FDEC9889D4D2}" type="datetime1">
               <a:rPr lang="de-DE" smtClean="0"/>
               <a:pPr/>
-              <a:t>22.10.2019</a:t>
+              <a:t>06.11.2019</a:t>
             </a:fld>
             <a:endParaRPr lang="de-DE"/>
           </a:p>
@@ -6913,7 +6905,7 @@
             <a:fld id="{70A83D4E-4BA2-427B-95C3-9B6938ECC371}" type="datetime1">
               <a:rPr lang="de-DE" smtClean="0"/>
               <a:pPr/>
-              <a:t>22.10.2019</a:t>
+              <a:t>06.11.2019</a:t>
             </a:fld>
             <a:endParaRPr lang="de-DE"/>
           </a:p>
@@ -7028,7 +7020,7 @@
             <a:fld id="{4A90DBA9-B46D-4ABC-8C2C-55938D1660AE}" type="datetime1">
               <a:rPr lang="de-DE" smtClean="0"/>
               <a:pPr/>
-              <a:t>22.10.2019</a:t>
+              <a:t>06.11.2019</a:t>
             </a:fld>
             <a:endParaRPr lang="de-DE"/>
           </a:p>
@@ -7120,7 +7112,7 @@
             <a:fld id="{A443553C-7CF6-4438-A5B6-82BD97264C71}" type="datetime1">
               <a:rPr lang="de-DE" smtClean="0"/>
               <a:pPr/>
-              <a:t>22.10.2019</a:t>
+              <a:t>06.11.2019</a:t>
             </a:fld>
             <a:endParaRPr lang="de-DE"/>
           </a:p>
@@ -7394,7 +7386,7 @@
             <a:fld id="{FA163B2F-E454-4F5F-8C1A-C8D9F205639D}" type="datetime1">
               <a:rPr lang="de-DE" smtClean="0"/>
               <a:pPr/>
-              <a:t>22.10.2019</a:t>
+              <a:t>06.11.2019</a:t>
             </a:fld>
             <a:endParaRPr lang="de-DE"/>
           </a:p>
@@ -7644,7 +7636,7 @@
             <a:fld id="{12907885-0BA6-4242-9030-FC9627B05B96}" type="datetime1">
               <a:rPr lang="de-DE" smtClean="0"/>
               <a:pPr/>
-              <a:t>22.10.2019</a:t>
+              <a:t>06.11.2019</a:t>
             </a:fld>
             <a:endParaRPr lang="de-DE"/>
           </a:p>
@@ -7811,7 +7803,7 @@
             <a:fld id="{950D8B65-A5D8-42BB-BA66-BE71D1109445}" type="datetime1">
               <a:rPr lang="de-DE" smtClean="0"/>
               <a:pPr/>
-              <a:t>22.10.2019</a:t>
+              <a:t>06.11.2019</a:t>
             </a:fld>
             <a:endParaRPr lang="de-DE"/>
           </a:p>
@@ -7988,7 +7980,7 @@
             <a:fld id="{6DD42E93-07BE-47F0-AECF-D57816597181}" type="datetime1">
               <a:rPr lang="de-DE" smtClean="0"/>
               <a:pPr/>
-              <a:t>22.10.2019</a:t>
+              <a:t>06.11.2019</a:t>
             </a:fld>
             <a:endParaRPr lang="de-DE"/>
           </a:p>
@@ -8282,7 +8274,7 @@
               <a:pPr>
                 <a:defRPr/>
               </a:pPr>
-              <a:t>22.10.2019</a:t>
+              <a:t>06.11.2019</a:t>
             </a:fld>
             <a:endParaRPr lang="de-DE"/>
           </a:p>
@@ -8639,7 +8631,7 @@
               <a:pPr>
                 <a:defRPr/>
               </a:pPr>
-              <a:t>22.10.2019</a:t>
+              <a:t>06.11.2019</a:t>
             </a:fld>
             <a:endParaRPr lang="de-DE"/>
           </a:p>
@@ -8955,7 +8947,7 @@
               <a:pPr>
                 <a:defRPr/>
               </a:pPr>
-              <a:t>22.10.2019</a:t>
+              <a:t>06.11.2019</a:t>
             </a:fld>
             <a:endParaRPr lang="de-DE"/>
           </a:p>
@@ -9243,7 +9235,7 @@
               <a:pPr>
                 <a:defRPr/>
               </a:pPr>
-              <a:t>22.10.2019</a:t>
+              <a:t>06.11.2019</a:t>
             </a:fld>
             <a:endParaRPr lang="de-DE"/>
           </a:p>
@@ -9610,7 +9602,7 @@
               <a:pPr>
                 <a:defRPr/>
               </a:pPr>
-              <a:t>22.10.2019</a:t>
+              <a:t>06.11.2019</a:t>
             </a:fld>
             <a:endParaRPr lang="de-DE"/>
           </a:p>
@@ -10002,7 +9994,7 @@
               <a:pPr>
                 <a:defRPr/>
               </a:pPr>
-              <a:t>22.10.2019</a:t>
+              <a:t>06.11.2019</a:t>
             </a:fld>
             <a:endParaRPr lang="de-DE"/>
           </a:p>
@@ -10306,7 +10298,7 @@
             <a:fld id="{50A78792-2531-4474-A0C0-A2C8381BBE25}" type="datetime1">
               <a:rPr lang="de-DE" smtClean="0"/>
               <a:pPr/>
-              <a:t>22.10.2019</a:t>
+              <a:t>06.11.2019</a:t>
             </a:fld>
             <a:endParaRPr lang="de-DE"/>
           </a:p>
@@ -10642,7 +10634,7 @@
             <a:fld id="{B63CE664-8E5A-4A55-ADBB-E5627397A455}" type="datetime1">
               <a:rPr lang="de-DE" smtClean="0"/>
               <a:pPr/>
-              <a:t>22.10.2019</a:t>
+              <a:t>06.11.2019</a:t>
             </a:fld>
             <a:endParaRPr lang="de-DE"/>
           </a:p>
@@ -11049,7 +11041,6 @@
               <a:rPr lang="en-US" dirty="0"/>
               <a:t>Empirical Software Engineering</a:t>
             </a:r>
-            <a:endParaRPr lang="en-US" dirty="0"/>
           </a:p>
         </p:txBody>
       </p:sp>
@@ -11202,11 +11193,7 @@
           <a:p>
             <a:r>
               <a:rPr lang="en-US" dirty="0" smtClean="0"/>
-              <a:t>MIPS </a:t>
-            </a:r>
-            <a:r>
-              <a:rPr lang="en-US" dirty="0" smtClean="0"/>
-              <a:t>(Million instructions per second)</a:t>
+              <a:t>MIPS (Million instructions per second)</a:t>
             </a:r>
           </a:p>
           <a:p>
@@ -11295,7 +11282,6 @@
               <a:rPr lang="en-US" dirty="0" smtClean="0"/>
               <a:t>Transactions per second</a:t>
             </a:r>
-            <a:endParaRPr lang="en-US" dirty="0" smtClean="0"/>
           </a:p>
           <a:p>
             <a:endParaRPr lang="en-US" dirty="0" smtClean="0"/>
@@ -14339,7 +14325,6 @@
               <a:rPr lang="en-US" dirty="0" smtClean="0"/>
               <a:t>Background processes</a:t>
             </a:r>
-            <a:endParaRPr lang="en-US" dirty="0" smtClean="0"/>
           </a:p>
           <a:p>
             <a:pPr lvl="1"/>
@@ -14347,7 +14332,6 @@
               <a:rPr lang="en-US" dirty="0" smtClean="0"/>
               <a:t>Differences in hardware</a:t>
             </a:r>
-            <a:endParaRPr lang="en-US" dirty="0" smtClean="0"/>
           </a:p>
           <a:p>
             <a:pPr lvl="1"/>
@@ -14397,17 +14381,12 @@
               <a:rPr lang="en-US" dirty="0" smtClean="0"/>
               <a:t>System interrupts</a:t>
             </a:r>
-            <a:endParaRPr lang="en-US" dirty="0" smtClean="0"/>
           </a:p>
           <a:p>
             <a:pPr lvl="1"/>
             <a:r>
               <a:rPr lang="en-US" dirty="0" smtClean="0"/>
-              <a:t>Parallel execution in single/</a:t>
-            </a:r>
-            <a:r>
-              <a:rPr lang="en-US" dirty="0" smtClean="0"/>
-              <a:t>multicore systems</a:t>
+              <a:t>Parallel execution in single/multicore systems</a:t>
             </a:r>
           </a:p>
           <a:p>
@@ -14884,11 +14863,7 @@
           <a:p>
             <a:r>
               <a:rPr lang="en-US" dirty="0" smtClean="0"/>
-              <a:t>How can </a:t>
-            </a:r>
-            <a:r>
-              <a:rPr lang="en-US" dirty="0" smtClean="0"/>
-              <a:t>we control the influence of a confounding parameters</a:t>
+              <a:t>How can we control the influence of a confounding parameters</a:t>
             </a:r>
             <a:endParaRPr lang="en-US" dirty="0"/>
           </a:p>
@@ -14995,14 +14970,12 @@
               <a:rPr lang="en-US" dirty="0" smtClean="0"/>
               <a:t>Repeat measurement</a:t>
             </a:r>
-            <a:endParaRPr lang="en-US" dirty="0" smtClean="0"/>
           </a:p>
           <a:p>
             <a:r>
               <a:rPr lang="en-US" dirty="0" smtClean="0"/>
               <a:t>Best, second best, or worst measurement</a:t>
             </a:r>
-            <a:endParaRPr lang="en-US" dirty="0" smtClean="0"/>
           </a:p>
           <a:p>
             <a:endParaRPr lang="en-US" dirty="0" smtClean="0"/>
@@ -15014,22 +14987,13 @@
             </a:r>
             <a:r>
               <a:rPr lang="en-US" dirty="0" smtClean="0"/>
-              <a:t>: </a:t>
-            </a:r>
+              <a:t>: Execution time</a:t>
+            </a:r>
+          </a:p>
+          <a:p>
             <a:r>
               <a:rPr lang="en-US" dirty="0" smtClean="0"/>
-              <a:t>Execution time</a:t>
-            </a:r>
-            <a:endParaRPr lang="en-US" dirty="0" smtClean="0"/>
-          </a:p>
-          <a:p>
-            <a:r>
-              <a:rPr lang="en-US" dirty="0" smtClean="0"/>
-              <a:t>R: </a:t>
-            </a:r>
-            <a:r>
-              <a:rPr lang="en-US" dirty="0" smtClean="0"/>
-              <a:t>Read </a:t>
+              <a:t>R: Read </a:t>
             </a:r>
             <a:r>
               <a:rPr lang="en-US" dirty="0" err="1" smtClean="0"/>
@@ -15068,11 +15032,7 @@
             <a:pPr lvl="1"/>
             <a:r>
               <a:rPr lang="en-US" sz="2000" dirty="0"/>
-              <a:t>sep</a:t>
-            </a:r>
-            <a:r>
-              <a:rPr lang="en-US" sz="2000" dirty="0"/>
-              <a:t>: Separator </a:t>
+              <a:t>sep: Separator </a:t>
             </a:r>
             <a:r>
               <a:rPr lang="en-US" sz="2000" dirty="0" smtClean="0"/>
@@ -15104,21 +15064,8 @@
             </a:r>
             <a:r>
               <a:rPr lang="en-US" sz="2000" dirty="0"/>
-              <a:t> &lt;- </a:t>
-            </a:r>
-            <a:r>
-              <a:rPr lang="en-US" sz="2000" dirty="0"/>
-              <a:t>data</a:t>
-            </a:r>
-            <a:r>
-              <a:rPr lang="en-US" sz="2000" dirty="0"/>
-              <a:t>[,’time</a:t>
-            </a:r>
-            <a:r>
-              <a:rPr lang="en-US" sz="2000" dirty="0"/>
-              <a:t>’]</a:t>
-            </a:r>
-            <a:endParaRPr lang="en-US" sz="2000" dirty="0"/>
+              <a:t> &lt;- data[,’time’]</a:t>
+            </a:r>
           </a:p>
           <a:p>
             <a:pPr lvl="1"/>
@@ -15326,7 +15273,7 @@
           <a:graphicData uri="http://schemas.openxmlformats.org/presentationml/2006/ole">
             <mc:AlternateContent xmlns:mc="http://schemas.openxmlformats.org/markup-compatibility/2006">
               <mc:Choice xmlns:v="urn:schemas-microsoft-com:vml" Requires="v">
-                <p:oleObj spid="_x0000_s69721" name="Formel" r:id="rId3" imgW="2044440" imgH="431640" progId="Equation.3">
+                <p:oleObj spid="_x0000_s69722" name="Formel" r:id="rId3" imgW="2044440" imgH="431640" progId="Equation.3">
                   <p:embed/>
                 </p:oleObj>
               </mc:Choice>
@@ -17027,7 +16974,6 @@
               <a:rPr lang="en-US" dirty="0" smtClean="0"/>
               <a:t>Frequency of measurement values in fixed buckets</a:t>
             </a:r>
-            <a:endParaRPr lang="en-US" dirty="0" smtClean="0"/>
           </a:p>
           <a:p>
             <a:pPr marL="3851275"/>
@@ -17089,7 +17035,6 @@
               <a:rPr lang="en-US" sz="2400" dirty="0"/>
               <a:t>)</a:t>
             </a:r>
-            <a:endParaRPr lang="en-US" sz="2400" dirty="0"/>
           </a:p>
         </p:txBody>
       </p:sp>
@@ -19024,13 +18969,8 @@
             </a:r>
             <a:r>
               <a:rPr lang="de-DE" dirty="0" smtClean="0"/>
-              <a:t>: </a:t>
-            </a:r>
-            <a:r>
-              <a:rPr lang="de-DE" dirty="0" smtClean="0"/>
-              <a:t>45.55</a:t>
-            </a:r>
-            <a:endParaRPr lang="de-DE" dirty="0" smtClean="0"/>
+              <a:t>: 45.55</a:t>
+            </a:r>
           </a:p>
           <a:p>
             <a:r>
@@ -19252,7 +19192,7 @@
           <a:graphicData uri="http://schemas.openxmlformats.org/presentationml/2006/ole">
             <mc:AlternateContent xmlns:mc="http://schemas.openxmlformats.org/markup-compatibility/2006">
               <mc:Choice xmlns:v="urn:schemas-microsoft-com:vml" Requires="v">
-                <p:oleObj spid="_x0000_s70707" name="Formel" r:id="rId3" imgW="3479760" imgH="482400" progId="Equation.3">
+                <p:oleObj spid="_x0000_s70708" name="Formel" r:id="rId3" imgW="3479760" imgH="482400" progId="Equation.3">
                   <p:embed/>
                 </p:oleObj>
               </mc:Choice>
@@ -19388,7 +19328,6 @@
               <a:rPr lang="en-US" sz="1100"/>
               <a:t>Bildquelle CC BY 2.5 Mwtoews</a:t>
             </a:r>
-            <a:endParaRPr lang="en-US" sz="1100"/>
           </a:p>
         </p:txBody>
       </p:sp>
@@ -19598,7 +19537,6 @@
               <a:rPr lang="de-DE" dirty="0" smtClean="0"/>
               <a:t>21.55</a:t>
             </a:r>
-            <a:endParaRPr lang="de-DE" dirty="0" smtClean="0"/>
           </a:p>
           <a:p>
             <a:r>
@@ -19607,13 +19545,8 @@
             </a:r>
             <a:r>
               <a:rPr lang="de-DE" dirty="0" smtClean="0"/>
-              <a:t>: </a:t>
-            </a:r>
-            <a:r>
-              <a:rPr lang="de-DE" dirty="0" smtClean="0"/>
-              <a:t>45.55</a:t>
-            </a:r>
-            <a:endParaRPr lang="de-DE" dirty="0" smtClean="0"/>
+              <a:t>: 45.55</a:t>
+            </a:r>
           </a:p>
           <a:p>
             <a:endParaRPr lang="de-DE" dirty="0"/>
@@ -19625,23 +19558,7 @@
             </a:pPr>
             <a:r>
               <a:rPr lang="de-DE" dirty="0" smtClean="0"/>
-              <a:t>45.55 - 21.55 = </a:t>
-            </a:r>
-            <a:r>
-              <a:rPr lang="de-DE" dirty="0" smtClean="0"/>
-              <a:t>24 </a:t>
-            </a:r>
-            <a:r>
-              <a:rPr lang="de-DE" dirty="0" smtClean="0"/>
-              <a:t>–&gt; </a:t>
-            </a:r>
-            <a:r>
-              <a:rPr lang="de-DE" dirty="0" smtClean="0"/>
-              <a:t>45.55 </a:t>
-            </a:r>
-            <a:r>
-              <a:rPr lang="de-DE" dirty="0" smtClean="0"/>
-              <a:t>(34 % </a:t>
+              <a:t>45.55 - 21.55 = 24 –&gt; 45.55 (34 % </a:t>
             </a:r>
             <a:r>
               <a:rPr lang="de-DE" dirty="0" err="1" smtClean="0"/>
@@ -19679,15 +19596,7 @@
             </a:r>
             <a:r>
               <a:rPr lang="de-DE" dirty="0" smtClean="0"/>
-              <a:t>21.55 =</a:t>
-            </a:r>
-            <a:r>
-              <a:rPr lang="de-DE" dirty="0" smtClean="0"/>
-              <a:t> 67.1 </a:t>
-            </a:r>
-            <a:r>
-              <a:rPr lang="de-DE" dirty="0" smtClean="0"/>
-              <a:t>(34% </a:t>
+              <a:t>21.55 = 67.1 (34% </a:t>
             </a:r>
             <a:r>
               <a:rPr lang="de-DE" dirty="0" err="1"/>
@@ -19852,23 +19761,7 @@
             <a:pPr lvl="1"/>
             <a:r>
               <a:rPr lang="en-US" dirty="0" smtClean="0"/>
-              <a:t>Group </a:t>
-            </a:r>
-            <a:r>
-              <a:rPr lang="en-US" dirty="0" smtClean="0"/>
-              <a:t>1: </a:t>
-            </a:r>
-            <a:r>
-              <a:rPr lang="en-US" dirty="0" smtClean="0"/>
-              <a:t>Merge sort </a:t>
-            </a:r>
-            <a:r>
-              <a:rPr lang="en-US" dirty="0" smtClean="0"/>
-              <a:t>vs. </a:t>
-            </a:r>
-            <a:r>
-              <a:rPr lang="en-US" dirty="0" smtClean="0"/>
-              <a:t>quick sort (</a:t>
+              <a:t>Group 1: Merge sort vs. quick sort (</a:t>
             </a:r>
             <a:r>
               <a:rPr lang="en-US" dirty="0">
@@ -19886,7 +19779,6 @@
               <a:rPr lang="en-US" dirty="0" smtClean="0"/>
               <a:t>)</a:t>
             </a:r>
-            <a:endParaRPr lang="en-US" dirty="0" smtClean="0"/>
           </a:p>
           <a:p>
             <a:pPr lvl="1"/>
@@ -19908,11 +19800,7 @@
             </a:r>
             <a:r>
               <a:rPr lang="en-US" dirty="0" smtClean="0"/>
-              <a:t>ecursive </a:t>
-            </a:r>
-            <a:r>
-              <a:rPr lang="en-US" dirty="0" smtClean="0"/>
-              <a:t>vs. </a:t>
+              <a:t>ecursive vs. </a:t>
             </a:r>
             <a:r>
               <a:rPr lang="en-US" dirty="0" err="1"/>
@@ -19926,7 +19814,6 @@
               <a:rPr lang="en-US" dirty="0" smtClean="0"/>
               <a:t>terative</a:t>
             </a:r>
-            <a:endParaRPr lang="en-US" dirty="0" smtClean="0"/>
           </a:p>
           <a:p>
             <a:pPr lvl="1"/>
@@ -19962,7 +19849,6 @@
               <a:rPr lang="en-US" dirty="0" smtClean="0"/>
               <a:t>Python</a:t>
             </a:r>
-            <a:endParaRPr lang="en-US" dirty="0" smtClean="0"/>
           </a:p>
           <a:p>
             <a:pPr lvl="1"/>
@@ -19984,15 +19870,7 @@
             </a:r>
             <a:r>
               <a:rPr lang="en-US" dirty="0" smtClean="0"/>
-              <a:t>Java</a:t>
-            </a:r>
-            <a:r>
-              <a:rPr lang="en-US" dirty="0" smtClean="0"/>
-              <a:t> </a:t>
-            </a:r>
-            <a:r>
-              <a:rPr lang="en-US" dirty="0" smtClean="0"/>
-              <a:t>vs. </a:t>
+              <a:t>Java vs. </a:t>
             </a:r>
             <a:r>
               <a:rPr lang="en-US" dirty="0" err="1"/>
@@ -20845,7 +20723,7 @@
           <a:graphicData uri="http://schemas.openxmlformats.org/presentationml/2006/ole">
             <mc:AlternateContent xmlns:mc="http://schemas.openxmlformats.org/markup-compatibility/2006">
               <mc:Choice xmlns:v="urn:schemas-microsoft-com:vml" Requires="v">
-                <p:oleObj spid="_x0000_s45562" name="Formel" r:id="rId3" imgW="1663560" imgH="431640" progId="Equation.3">
+                <p:oleObj spid="_x0000_s45564" name="Formel" r:id="rId3" imgW="1663560" imgH="431640" progId="Equation.3">
                   <p:embed/>
                 </p:oleObj>
               </mc:Choice>
@@ -20930,7 +20808,7 @@
           <a:graphicData uri="http://schemas.openxmlformats.org/presentationml/2006/ole">
             <mc:AlternateContent xmlns:mc="http://schemas.openxmlformats.org/markup-compatibility/2006">
               <mc:Choice xmlns:v="urn:schemas-microsoft-com:vml" Requires="v">
-                <p:oleObj spid="_x0000_s45563" name="Formel" r:id="rId5" imgW="126720" imgH="215640" progId="Equation.3">
+                <p:oleObj spid="_x0000_s45565" name="Formel" r:id="rId5" imgW="126720" imgH="215640" progId="Equation.3">
                   <p:embed/>
                 </p:oleObj>
               </mc:Choice>
@@ -21760,11 +21638,6 @@
               </a:rPr>
               <a:t>Dispersion around mean</a:t>
             </a:r>
-            <a:endParaRPr lang="en-US" dirty="0">
-              <a:solidFill>
-                <a:schemeClr val="tx1"/>
-              </a:solidFill>
-            </a:endParaRPr>
           </a:p>
         </p:txBody>
       </p:sp>
@@ -21855,11 +21728,6 @@
               </a:rPr>
               <a:t>Accuracy:</a:t>
             </a:r>
-            <a:endParaRPr lang="en-US" b="1" dirty="0">
-              <a:solidFill>
-                <a:schemeClr val="tx1"/>
-              </a:solidFill>
-            </a:endParaRPr>
           </a:p>
           <a:p>
             <a:r>
@@ -21870,11 +21738,6 @@
               </a:rPr>
               <a:t>Deviation of observed mean from true mean</a:t>
             </a:r>
-            <a:endParaRPr lang="en-US" dirty="0">
-              <a:solidFill>
-                <a:schemeClr val="tx1"/>
-              </a:solidFill>
-            </a:endParaRPr>
           </a:p>
         </p:txBody>
       </p:sp>
@@ -21962,11 +21825,6 @@
               </a:rPr>
               <a:t>Important when measuring response time</a:t>
             </a:r>
-            <a:endParaRPr lang="en-US" dirty="0">
-              <a:solidFill>
-                <a:schemeClr val="tx1"/>
-              </a:solidFill>
-            </a:endParaRPr>
           </a:p>
         </p:txBody>
       </p:sp>
@@ -22017,11 +21875,6 @@
               </a:rPr>
               <a:t>Cause of measurement errors is unclear</a:t>
             </a:r>
-            <a:endParaRPr lang="en-US" dirty="0">
-              <a:solidFill>
-                <a:schemeClr val="tx1"/>
-              </a:solidFill>
-            </a:endParaRPr>
           </a:p>
         </p:txBody>
       </p:sp>
@@ -23635,7 +23488,7 @@
           <a:graphicData uri="http://schemas.openxmlformats.org/presentationml/2006/ole">
             <mc:AlternateContent xmlns:mc="http://schemas.openxmlformats.org/markup-compatibility/2006">
               <mc:Choice xmlns:v="urn:schemas-microsoft-com:vml" Requires="v">
-                <p:oleObj spid="_x0000_s71752" name="Formel" r:id="rId3" imgW="723600" imgH="253800" progId="Equation.3">
+                <p:oleObj spid="_x0000_s71754" name="Formel" r:id="rId3" imgW="723600" imgH="253800" progId="Equation.3">
                   <p:embed/>
                 </p:oleObj>
               </mc:Choice>
@@ -23705,7 +23558,7 @@
           <a:graphicData uri="http://schemas.openxmlformats.org/presentationml/2006/ole">
             <mc:AlternateContent xmlns:mc="http://schemas.openxmlformats.org/markup-compatibility/2006">
               <mc:Choice xmlns:v="urn:schemas-microsoft-com:vml" Requires="v">
-                <p:oleObj spid="_x0000_s71753" name="Formel" r:id="rId5" imgW="711000" imgH="241200" progId="Equation.3">
+                <p:oleObj spid="_x0000_s71755" name="Formel" r:id="rId5" imgW="711000" imgH="241200" progId="Equation.3">
                   <p:embed/>
                 </p:oleObj>
               </mc:Choice>
@@ -24142,17 +23995,7 @@
                   </a:schemeClr>
                 </a:solidFill>
               </a:rPr>
-              <a:t>v</a:t>
-            </a:r>
-            <a:r>
-              <a:rPr lang="en-US" sz="2600" dirty="0">
-                <a:solidFill>
-                  <a:schemeClr val="bg1">
-                    <a:lumMod val="50000"/>
-                  </a:schemeClr>
-                </a:solidFill>
-              </a:rPr>
-              <a:t>ery </a:t>
+              <a:t>very </a:t>
             </a:r>
             <a:r>
               <a:rPr lang="en-US" sz="2600" dirty="0" err="1">
@@ -24184,17 +24027,7 @@
                   </a:schemeClr>
                 </a:solidFill>
               </a:rPr>
-              <a:t>very </a:t>
-            </a:r>
-            <a:r>
-              <a:rPr lang="en-US" sz="2600" dirty="0">
-                <a:solidFill>
-                  <a:schemeClr val="bg1">
-                    <a:lumMod val="50000"/>
-                  </a:schemeClr>
-                </a:solidFill>
-              </a:rPr>
-              <a:t>significant</a:t>
+              <a:t>very significant</a:t>
             </a:r>
           </a:p>
           <a:p>
@@ -24465,11 +24298,7 @@
           <a:p>
             <a:r>
               <a:rPr lang="en-US" dirty="0" smtClean="0"/>
-              <a:t>Understand </a:t>
-            </a:r>
-            <a:r>
-              <a:rPr lang="en-US" dirty="0" smtClean="0"/>
-              <a:t>difficulties of performance analyses</a:t>
+              <a:t>Understand difficulties of performance analyses</a:t>
             </a:r>
           </a:p>
           <a:p>
@@ -25139,7 +24968,7 @@
           <a:graphicData uri="http://schemas.openxmlformats.org/presentationml/2006/ole">
             <mc:AlternateContent xmlns:mc="http://schemas.openxmlformats.org/markup-compatibility/2006">
               <mc:Choice xmlns:v="urn:schemas-microsoft-com:vml" Requires="v">
-                <p:oleObj spid="_x0000_s72772" name="Formel" r:id="rId3" imgW="672840" imgH="495000" progId="Equation.3">
+                <p:oleObj spid="_x0000_s72774" name="Formel" r:id="rId3" imgW="672840" imgH="495000" progId="Equation.3">
                   <p:embed/>
                 </p:oleObj>
               </mc:Choice>
@@ -25209,7 +25038,7 @@
           <a:graphicData uri="http://schemas.openxmlformats.org/presentationml/2006/ole">
             <mc:AlternateContent xmlns:mc="http://schemas.openxmlformats.org/markup-compatibility/2006">
               <mc:Choice xmlns:v="urn:schemas-microsoft-com:vml" Requires="v">
-                <p:oleObj spid="_x0000_s72773" name="Formel" r:id="rId5" imgW="3073320" imgH="698400" progId="Equation.3">
+                <p:oleObj spid="_x0000_s72775" name="Formel" r:id="rId5" imgW="3073320" imgH="698400" progId="Equation.3">
                   <p:embed/>
                 </p:oleObj>
               </mc:Choice>
@@ -25779,7 +25608,7 @@
           <a:graphicData uri="http://schemas.openxmlformats.org/presentationml/2006/ole">
             <mc:AlternateContent xmlns:mc="http://schemas.openxmlformats.org/markup-compatibility/2006">
               <mc:Choice xmlns:v="urn:schemas-microsoft-com:vml" Requires="v">
-                <p:oleObj spid="_x0000_s73792" name="Formel" r:id="rId3" imgW="977760" imgH="241200" progId="Equation.3">
+                <p:oleObj spid="_x0000_s73794" name="Formel" r:id="rId3" imgW="977760" imgH="241200" progId="Equation.3">
                   <p:embed/>
                 </p:oleObj>
               </mc:Choice>
@@ -25851,7 +25680,7 @@
           <a:graphicData uri="http://schemas.openxmlformats.org/presentationml/2006/ole">
             <mc:AlternateContent xmlns:mc="http://schemas.openxmlformats.org/markup-compatibility/2006">
               <mc:Choice xmlns:v="urn:schemas-microsoft-com:vml" Requires="v">
-                <p:oleObj spid="_x0000_s73793" name="Formel" r:id="rId5" imgW="482400" imgH="241200" progId="Equation.3">
+                <p:oleObj spid="_x0000_s73795" name="Formel" r:id="rId5" imgW="482400" imgH="241200" progId="Equation.3">
                   <p:embed/>
                 </p:oleObj>
               </mc:Choice>
@@ -26643,7 +26472,7 @@
           <a:graphicData uri="http://schemas.openxmlformats.org/presentationml/2006/ole">
             <mc:AlternateContent xmlns:mc="http://schemas.openxmlformats.org/markup-compatibility/2006">
               <mc:Choice xmlns:v="urn:schemas-microsoft-com:vml" Requires="v">
-                <p:oleObj spid="_x0000_s74785" name="Formel" r:id="rId3" imgW="888840" imgH="241200" progId="Equation.3">
+                <p:oleObj spid="_x0000_s74786" name="Formel" r:id="rId3" imgW="888840" imgH="241200" progId="Equation.3">
                   <p:embed/>
                 </p:oleObj>
               </mc:Choice>
@@ -29080,7 +28909,7 @@
           <a:graphicData uri="http://schemas.openxmlformats.org/presentationml/2006/ole">
             <mc:AlternateContent xmlns:mc="http://schemas.openxmlformats.org/markup-compatibility/2006">
               <mc:Choice xmlns:v="urn:schemas-microsoft-com:vml" Requires="v">
-                <p:oleObj spid="_x0000_s75838" name="Formel" r:id="rId3" imgW="1612800" imgH="393480" progId="Equation.3">
+                <p:oleObj spid="_x0000_s75840" name="Formel" r:id="rId3" imgW="1612800" imgH="393480" progId="Equation.3">
                   <p:embed/>
                 </p:oleObj>
               </mc:Choice>
@@ -29144,7 +28973,7 @@
           <a:graphicData uri="http://schemas.openxmlformats.org/presentationml/2006/ole">
             <mc:AlternateContent xmlns:mc="http://schemas.openxmlformats.org/markup-compatibility/2006">
               <mc:Choice xmlns:v="urn:schemas-microsoft-com:vml" Requires="v">
-                <p:oleObj spid="_x0000_s75839" name="Formel" r:id="rId5" imgW="558720" imgH="431640" progId="Equation.3">
+                <p:oleObj spid="_x0000_s75841" name="Formel" r:id="rId5" imgW="558720" imgH="431640" progId="Equation.3">
                   <p:embed/>
                 </p:oleObj>
               </mc:Choice>
@@ -29490,7 +29319,6 @@
               <a:rPr lang="en-US" dirty="0" smtClean="0"/>
               <a:t>System tuning</a:t>
             </a:r>
-            <a:endParaRPr lang="en-US" dirty="0" smtClean="0"/>
           </a:p>
           <a:p>
             <a:r>
@@ -29602,14 +29430,12 @@
               <a:rPr lang="de-DE" dirty="0" smtClean="0"/>
               <a:t>)</a:t>
             </a:r>
-            <a:endParaRPr lang="de-DE" dirty="0" smtClean="0"/>
           </a:p>
           <a:p>
             <a:r>
               <a:rPr lang="en-US" dirty="0" smtClean="0"/>
               <a:t>Analyze system behavior</a:t>
             </a:r>
-            <a:endParaRPr lang="en-US" dirty="0" smtClean="0"/>
           </a:p>
         </p:txBody>
       </p:sp>
@@ -30181,7 +30007,6 @@
               <a:rPr lang="en-US" dirty="0" smtClean="0"/>
               <a:t>Read excerpts of the following papers:</a:t>
             </a:r>
-            <a:endParaRPr lang="en-US" dirty="0" smtClean="0"/>
           </a:p>
           <a:p>
             <a:pPr lvl="1"/>
@@ -30195,25 +30020,8 @@
             </a:r>
             <a:r>
               <a:rPr lang="en-US" dirty="0" smtClean="0"/>
-              <a:t>? </a:t>
-            </a:r>
-            <a:r>
-              <a:rPr lang="en-US" dirty="0" smtClean="0"/>
-              <a:t>(Section </a:t>
-            </a:r>
-            <a:r>
-              <a:rPr lang="en-US" dirty="0" smtClean="0"/>
-              <a:t>II, </a:t>
-            </a:r>
-            <a:r>
-              <a:rPr lang="en-US" dirty="0" smtClean="0"/>
-              <a:t>skim Section</a:t>
-            </a:r>
-            <a:r>
-              <a:rPr lang="en-US" dirty="0" smtClean="0"/>
-              <a:t> III)</a:t>
-            </a:r>
-            <a:endParaRPr lang="en-US" dirty="0" smtClean="0"/>
+              <a:t>? (Section II, skim Section III)</a:t>
+            </a:r>
           </a:p>
           <a:p>
             <a:pPr lvl="1"/>
@@ -30239,20 +30047,14 @@
             </a:r>
             <a:r>
               <a:rPr lang="en-US" dirty="0" smtClean="0"/>
-              <a:t>5</a:t>
-            </a:r>
-            <a:r>
-              <a:rPr lang="en-US" dirty="0" smtClean="0"/>
-              <a:t>)</a:t>
-            </a:r>
-            <a:endParaRPr lang="en-US" dirty="0" smtClean="0"/>
+              <a:t>5)</a:t>
+            </a:r>
           </a:p>
           <a:p>
             <a:r>
               <a:rPr lang="en-US" dirty="0" smtClean="0"/>
               <a:t>What do you think of the experiment</a:t>
             </a:r>
-            <a:endParaRPr lang="en-US" dirty="0" smtClean="0"/>
           </a:p>
           <a:p>
             <a:pPr lvl="1"/>
@@ -30260,7 +30062,6 @@
               <a:rPr lang="en-US" dirty="0" smtClean="0"/>
               <a:t>What would you do in the same way? Why?</a:t>
             </a:r>
-            <a:endParaRPr lang="en-US" dirty="0" smtClean="0"/>
           </a:p>
           <a:p>
             <a:pPr lvl="1"/>
@@ -30505,7 +30306,6 @@
               <a:rPr lang="en-US" dirty="0" smtClean="0"/>
               <a:t>Measurement</a:t>
             </a:r>
-            <a:endParaRPr lang="en-US" dirty="0" smtClean="0"/>
           </a:p>
           <a:p>
             <a:pPr lvl="1"/>
@@ -30567,7 +30367,6 @@
               <a:rPr lang="en-US" dirty="0" smtClean="0"/>
               <a:t>Simulation</a:t>
             </a:r>
-            <a:endParaRPr lang="en-US" dirty="0" smtClean="0"/>
           </a:p>
           <a:p>
             <a:pPr lvl="1"/>
@@ -30575,7 +30374,6 @@
               <a:rPr lang="en-US" dirty="0" smtClean="0"/>
               <a:t>Abstraction</a:t>
             </a:r>
-            <a:endParaRPr lang="en-US" dirty="0" smtClean="0"/>
           </a:p>
           <a:p>
             <a:pPr lvl="1"/>
@@ -30589,7 +30387,6 @@
               <a:rPr lang="en-US" dirty="0" smtClean="0"/>
               <a:t>Analytical modeling</a:t>
             </a:r>
-            <a:endParaRPr lang="en-US" dirty="0" smtClean="0"/>
           </a:p>
           <a:p>
             <a:pPr lvl="1"/>
@@ -31706,11 +31503,7 @@
           <a:p>
             <a:r>
               <a:rPr lang="de-DE" dirty="0" smtClean="0"/>
-              <a:t>3DMark </a:t>
-            </a:r>
-            <a:r>
-              <a:rPr lang="de-DE" dirty="0" smtClean="0"/>
-              <a:t>(Graphics </a:t>
+              <a:t>3DMark (Graphics </a:t>
             </a:r>
             <a:r>
               <a:rPr lang="de-DE" dirty="0" err="1" smtClean="0"/>
@@ -31720,7 +31513,6 @@
               <a:rPr lang="de-DE" dirty="0" smtClean="0"/>
               <a:t>)</a:t>
             </a:r>
-            <a:endParaRPr lang="de-DE" dirty="0" smtClean="0"/>
           </a:p>
           <a:p>
             <a:r>
@@ -31757,11 +31549,7 @@
             </a:r>
             <a:r>
               <a:rPr lang="de-DE" dirty="0" smtClean="0"/>
-              <a:t> (</a:t>
-            </a:r>
-            <a:r>
-              <a:rPr lang="de-DE" dirty="0" smtClean="0"/>
-              <a:t>Video </a:t>
+              <a:t> (Video </a:t>
             </a:r>
             <a:r>
               <a:rPr lang="de-DE" dirty="0" err="1" smtClean="0"/>

--- a/ese/WS1920/02_PerformanceEng.pptx
+++ b/ese/WS1920/02_PerformanceEng.pptx
@@ -45,11 +45,11 @@
     <p:sldId id="319" r:id="rId36"/>
     <p:sldId id="320" r:id="rId37"/>
     <p:sldId id="321" r:id="rId38"/>
-    <p:sldId id="322" r:id="rId39"/>
-    <p:sldId id="323" r:id="rId40"/>
-    <p:sldId id="324" r:id="rId41"/>
-    <p:sldId id="325" r:id="rId42"/>
-    <p:sldId id="326" r:id="rId43"/>
+    <p:sldId id="325" r:id="rId39"/>
+    <p:sldId id="326" r:id="rId40"/>
+    <p:sldId id="322" r:id="rId41"/>
+    <p:sldId id="323" r:id="rId42"/>
+    <p:sldId id="324" r:id="rId43"/>
     <p:sldId id="327" r:id="rId44"/>
     <p:sldId id="328" r:id="rId45"/>
     <p:sldId id="329" r:id="rId46"/>
@@ -259,7 +259,7 @@
             <a:fld id="{BED9D175-6887-4AB8-843E-040B2684F070}" type="datetimeFigureOut">
               <a:rPr lang="de-DE" smtClean="0"/>
               <a:pPr/>
-              <a:t>06.11.2019</a:t>
+              <a:t>13.11.2019</a:t>
             </a:fld>
             <a:endParaRPr lang="en-US"/>
           </a:p>
@@ -1107,7 +1107,7 @@
             <a:fld id="{38C09095-0CA2-4552-B0D5-75F1DF0C5BD9}" type="slidenum">
               <a:rPr lang="en-US" smtClean="0"/>
               <a:pPr/>
-              <a:t>39</a:t>
+              <a:t>41</a:t>
             </a:fld>
             <a:endParaRPr lang="en-US"/>
           </a:p>
@@ -3107,7 +3107,7 @@
             <a:fld id="{1BCC276E-76C6-4264-ADA8-430C1E9AE626}" type="datetime1">
               <a:rPr lang="de-DE" smtClean="0"/>
               <a:pPr/>
-              <a:t>06.11.2019</a:t>
+              <a:t>13.11.2019</a:t>
             </a:fld>
             <a:endParaRPr lang="de-DE"/>
           </a:p>
@@ -3437,7 +3437,7 @@
             <a:fld id="{44C87097-FEC3-472A-ABCC-61E517642E41}" type="datetime1">
               <a:rPr lang="de-DE" smtClean="0"/>
               <a:pPr/>
-              <a:t>06.11.2019</a:t>
+              <a:t>13.11.2019</a:t>
             </a:fld>
             <a:endParaRPr lang="de-DE"/>
           </a:p>
@@ -3736,7 +3736,7 @@
             <a:fld id="{966F1707-C9EF-406C-BEA4-A8772732FE19}" type="datetime1">
               <a:rPr lang="de-DE" smtClean="0"/>
               <a:pPr/>
-              <a:t>06.11.2019</a:t>
+              <a:t>13.11.2019</a:t>
             </a:fld>
             <a:endParaRPr lang="de-DE"/>
           </a:p>
@@ -4117,7 +4117,7 @@
             <a:fld id="{15EA5CC1-578E-4250-B521-1CF45006C3F5}" type="datetime1">
               <a:rPr lang="de-DE" smtClean="0"/>
               <a:pPr/>
-              <a:t>06.11.2019</a:t>
+              <a:t>13.11.2019</a:t>
             </a:fld>
             <a:endParaRPr lang="de-DE"/>
           </a:p>
@@ -4479,7 +4479,7 @@
             <a:fld id="{9DF577C6-C45A-4A18-9A7E-C2A03F99BCF7}" type="datetime1">
               <a:rPr lang="de-DE" smtClean="0"/>
               <a:pPr/>
-              <a:t>06.11.2019</a:t>
+              <a:t>13.11.2019</a:t>
             </a:fld>
             <a:endParaRPr lang="de-DE"/>
           </a:p>
@@ -4658,7 +4658,7 @@
             <a:fld id="{979FCBA4-3D51-460B-BBC1-ACC0C4EAAA73}" type="datetime1">
               <a:rPr lang="de-DE" smtClean="0"/>
               <a:pPr/>
-              <a:t>06.11.2019</a:t>
+              <a:t>13.11.2019</a:t>
             </a:fld>
             <a:endParaRPr lang="de-DE"/>
           </a:p>
@@ -4914,7 +4914,7 @@
             <a:fld id="{8EF3BC51-563C-441A-AE4B-43C3D2B564F8}" type="datetime1">
               <a:rPr lang="de-DE" smtClean="0"/>
               <a:pPr/>
-              <a:t>06.11.2019</a:t>
+              <a:t>13.11.2019</a:t>
             </a:fld>
             <a:endParaRPr lang="de-DE"/>
           </a:p>
@@ -5204,7 +5204,7 @@
             <a:fld id="{2C18BC4C-474E-4A02-AF3F-B534D3E05B93}" type="datetime1">
               <a:rPr lang="de-DE" smtClean="0"/>
               <a:pPr/>
-              <a:t>06.11.2019</a:t>
+              <a:t>13.11.2019</a:t>
             </a:fld>
             <a:endParaRPr lang="de-DE"/>
           </a:p>
@@ -5523,7 +5523,7 @@
             <a:fld id="{0B5C1199-104E-4183-8BCB-DB3D98DCF5E9}" type="datetime1">
               <a:rPr lang="de-DE" smtClean="0"/>
               <a:pPr/>
-              <a:t>06.11.2019</a:t>
+              <a:t>13.11.2019</a:t>
             </a:fld>
             <a:endParaRPr lang="de-DE"/>
           </a:p>
@@ -5690,7 +5690,7 @@
             <a:fld id="{78C53D37-0615-4E36-BE7C-83DC0BFEAED3}" type="datetime1">
               <a:rPr lang="de-DE" smtClean="0"/>
               <a:pPr/>
-              <a:t>06.11.2019</a:t>
+              <a:t>13.11.2019</a:t>
             </a:fld>
             <a:endParaRPr lang="de-DE"/>
           </a:p>
@@ -5933,7 +5933,7 @@
             <a:fld id="{29B02008-13AF-4554-B05C-34B62D8ADBA6}" type="datetime1">
               <a:rPr lang="de-DE" smtClean="0"/>
               <a:pPr/>
-              <a:t>06.11.2019</a:t>
+              <a:t>13.11.2019</a:t>
             </a:fld>
             <a:endParaRPr lang="de-DE"/>
           </a:p>
@@ -6105,7 +6105,7 @@
             <a:fld id="{D7E08395-A5A9-411D-A3D3-851CF9301FD9}" type="datetime1">
               <a:rPr lang="de-DE" smtClean="0"/>
               <a:pPr/>
-              <a:t>06.11.2019</a:t>
+              <a:t>13.11.2019</a:t>
             </a:fld>
             <a:endParaRPr lang="de-DE"/>
           </a:p>
@@ -6486,7 +6486,7 @@
             <a:fld id="{4D201877-C488-4E04-BF57-FDEC9889D4D2}" type="datetime1">
               <a:rPr lang="de-DE" smtClean="0"/>
               <a:pPr/>
-              <a:t>06.11.2019</a:t>
+              <a:t>13.11.2019</a:t>
             </a:fld>
             <a:endParaRPr lang="de-DE"/>
           </a:p>
@@ -6905,7 +6905,7 @@
             <a:fld id="{70A83D4E-4BA2-427B-95C3-9B6938ECC371}" type="datetime1">
               <a:rPr lang="de-DE" smtClean="0"/>
               <a:pPr/>
-              <a:t>06.11.2019</a:t>
+              <a:t>13.11.2019</a:t>
             </a:fld>
             <a:endParaRPr lang="de-DE"/>
           </a:p>
@@ -7020,7 +7020,7 @@
             <a:fld id="{4A90DBA9-B46D-4ABC-8C2C-55938D1660AE}" type="datetime1">
               <a:rPr lang="de-DE" smtClean="0"/>
               <a:pPr/>
-              <a:t>06.11.2019</a:t>
+              <a:t>13.11.2019</a:t>
             </a:fld>
             <a:endParaRPr lang="de-DE"/>
           </a:p>
@@ -7112,7 +7112,7 @@
             <a:fld id="{A443553C-7CF6-4438-A5B6-82BD97264C71}" type="datetime1">
               <a:rPr lang="de-DE" smtClean="0"/>
               <a:pPr/>
-              <a:t>06.11.2019</a:t>
+              <a:t>13.11.2019</a:t>
             </a:fld>
             <a:endParaRPr lang="de-DE"/>
           </a:p>
@@ -7386,7 +7386,7 @@
             <a:fld id="{FA163B2F-E454-4F5F-8C1A-C8D9F205639D}" type="datetime1">
               <a:rPr lang="de-DE" smtClean="0"/>
               <a:pPr/>
-              <a:t>06.11.2019</a:t>
+              <a:t>13.11.2019</a:t>
             </a:fld>
             <a:endParaRPr lang="de-DE"/>
           </a:p>
@@ -7636,7 +7636,7 @@
             <a:fld id="{12907885-0BA6-4242-9030-FC9627B05B96}" type="datetime1">
               <a:rPr lang="de-DE" smtClean="0"/>
               <a:pPr/>
-              <a:t>06.11.2019</a:t>
+              <a:t>13.11.2019</a:t>
             </a:fld>
             <a:endParaRPr lang="de-DE"/>
           </a:p>
@@ -7803,7 +7803,7 @@
             <a:fld id="{950D8B65-A5D8-42BB-BA66-BE71D1109445}" type="datetime1">
               <a:rPr lang="de-DE" smtClean="0"/>
               <a:pPr/>
-              <a:t>06.11.2019</a:t>
+              <a:t>13.11.2019</a:t>
             </a:fld>
             <a:endParaRPr lang="de-DE"/>
           </a:p>
@@ -7980,7 +7980,7 @@
             <a:fld id="{6DD42E93-07BE-47F0-AECF-D57816597181}" type="datetime1">
               <a:rPr lang="de-DE" smtClean="0"/>
               <a:pPr/>
-              <a:t>06.11.2019</a:t>
+              <a:t>13.11.2019</a:t>
             </a:fld>
             <a:endParaRPr lang="de-DE"/>
           </a:p>
@@ -8274,7 +8274,7 @@
               <a:pPr>
                 <a:defRPr/>
               </a:pPr>
-              <a:t>06.11.2019</a:t>
+              <a:t>13.11.2019</a:t>
             </a:fld>
             <a:endParaRPr lang="de-DE"/>
           </a:p>
@@ -8631,7 +8631,7 @@
               <a:pPr>
                 <a:defRPr/>
               </a:pPr>
-              <a:t>06.11.2019</a:t>
+              <a:t>13.11.2019</a:t>
             </a:fld>
             <a:endParaRPr lang="de-DE"/>
           </a:p>
@@ -8947,7 +8947,7 @@
               <a:pPr>
                 <a:defRPr/>
               </a:pPr>
-              <a:t>06.11.2019</a:t>
+              <a:t>13.11.2019</a:t>
             </a:fld>
             <a:endParaRPr lang="de-DE"/>
           </a:p>
@@ -9235,7 +9235,7 @@
               <a:pPr>
                 <a:defRPr/>
               </a:pPr>
-              <a:t>06.11.2019</a:t>
+              <a:t>13.11.2019</a:t>
             </a:fld>
             <a:endParaRPr lang="de-DE"/>
           </a:p>
@@ -9602,7 +9602,7 @@
               <a:pPr>
                 <a:defRPr/>
               </a:pPr>
-              <a:t>06.11.2019</a:t>
+              <a:t>13.11.2019</a:t>
             </a:fld>
             <a:endParaRPr lang="de-DE"/>
           </a:p>
@@ -9994,7 +9994,7 @@
               <a:pPr>
                 <a:defRPr/>
               </a:pPr>
-              <a:t>06.11.2019</a:t>
+              <a:t>13.11.2019</a:t>
             </a:fld>
             <a:endParaRPr lang="de-DE"/>
           </a:p>
@@ -10298,7 +10298,7 @@
             <a:fld id="{50A78792-2531-4474-A0C0-A2C8381BBE25}" type="datetime1">
               <a:rPr lang="de-DE" smtClean="0"/>
               <a:pPr/>
-              <a:t>06.11.2019</a:t>
+              <a:t>13.11.2019</a:t>
             </a:fld>
             <a:endParaRPr lang="de-DE"/>
           </a:p>
@@ -10634,7 +10634,7 @@
             <a:fld id="{B63CE664-8E5A-4A55-ADBB-E5627397A455}" type="datetime1">
               <a:rPr lang="de-DE" smtClean="0"/>
               <a:pPr/>
-              <a:t>06.11.2019</a:t>
+              <a:t>13.11.2019</a:t>
             </a:fld>
             <a:endParaRPr lang="de-DE"/>
           </a:p>
@@ -15273,7 +15273,7 @@
           <a:graphicData uri="http://schemas.openxmlformats.org/presentationml/2006/ole">
             <mc:AlternateContent xmlns:mc="http://schemas.openxmlformats.org/markup-compatibility/2006">
               <mc:Choice xmlns:v="urn:schemas-microsoft-com:vml" Requires="v">
-                <p:oleObj spid="_x0000_s69722" name="Formel" r:id="rId3" imgW="2044440" imgH="431640" progId="Equation.3">
+                <p:oleObj spid="_x0000_s69724" name="Formel" r:id="rId3" imgW="2044440" imgH="431640" progId="Equation.3">
                   <p:embed/>
                 </p:oleObj>
               </mc:Choice>
@@ -19192,7 +19192,7 @@
           <a:graphicData uri="http://schemas.openxmlformats.org/presentationml/2006/ole">
             <mc:AlternateContent xmlns:mc="http://schemas.openxmlformats.org/markup-compatibility/2006">
               <mc:Choice xmlns:v="urn:schemas-microsoft-com:vml" Requires="v">
-                <p:oleObj spid="_x0000_s70708" name="Formel" r:id="rId3" imgW="3479760" imgH="482400" progId="Equation.3">
+                <p:oleObj spid="_x0000_s70710" name="Formel" r:id="rId3" imgW="3479760" imgH="482400" progId="Equation.3">
                   <p:embed/>
                 </p:oleObj>
               </mc:Choice>
@@ -20723,7 +20723,7 @@
           <a:graphicData uri="http://schemas.openxmlformats.org/presentationml/2006/ole">
             <mc:AlternateContent xmlns:mc="http://schemas.openxmlformats.org/markup-compatibility/2006">
               <mc:Choice xmlns:v="urn:schemas-microsoft-com:vml" Requires="v">
-                <p:oleObj spid="_x0000_s45564" name="Formel" r:id="rId3" imgW="1663560" imgH="431640" progId="Equation.3">
+                <p:oleObj spid="_x0000_s45568" name="Formel" r:id="rId3" imgW="1663560" imgH="431640" progId="Equation.3">
                   <p:embed/>
                 </p:oleObj>
               </mc:Choice>
@@ -20808,7 +20808,7 @@
           <a:graphicData uri="http://schemas.openxmlformats.org/presentationml/2006/ole">
             <mc:AlternateContent xmlns:mc="http://schemas.openxmlformats.org/markup-compatibility/2006">
               <mc:Choice xmlns:v="urn:schemas-microsoft-com:vml" Requires="v">
-                <p:oleObj spid="_x0000_s45565" name="Formel" r:id="rId5" imgW="126720" imgH="215640" progId="Equation.3">
+                <p:oleObj spid="_x0000_s45569" name="Formel" r:id="rId5" imgW="126720" imgH="215640" progId="Equation.3">
                   <p:embed/>
                 </p:oleObj>
               </mc:Choice>
@@ -22963,10 +22963,22 @@
           <a:lstStyle/>
           <a:p>
             <a:r>
-              <a:rPr lang="en-US" smtClean="0"/>
+              <a:rPr lang="de-DE" dirty="0" smtClean="0"/>
               <a:t>T-Test</a:t>
             </a:r>
-            <a:endParaRPr lang="en-US"/>
+            <a:r>
+              <a:rPr lang="de-DE" dirty="0"/>
+              <a:t> </a:t>
+            </a:r>
+            <a:r>
+              <a:rPr lang="de-DE" dirty="0" err="1" smtClean="0"/>
+              <a:t>by</a:t>
+            </a:r>
+            <a:r>
+              <a:rPr lang="de-DE" dirty="0" smtClean="0"/>
+              <a:t> Hand (1)</a:t>
+            </a:r>
+            <a:endParaRPr lang="en-US" dirty="0"/>
           </a:p>
         </p:txBody>
       </p:sp>
@@ -22982,14 +22994,12 @@
         </p:nvSpPr>
         <p:spPr/>
         <p:txBody>
-          <a:bodyPr>
-            <a:normAutofit/>
-          </a:bodyPr>
+          <a:bodyPr/>
           <a:lstStyle/>
           <a:p>
             <a:r>
               <a:rPr lang="de-DE" dirty="0" err="1" smtClean="0"/>
-              <a:t>Designed</a:t>
+              <a:t>Computation</a:t>
             </a:r>
             <a:r>
               <a:rPr lang="de-DE" dirty="0" smtClean="0"/>
@@ -22997,15 +23007,7 @@
             </a:r>
             <a:r>
               <a:rPr lang="de-DE" dirty="0" err="1" smtClean="0"/>
-              <a:t>by</a:t>
-            </a:r>
-            <a:r>
-              <a:rPr lang="de-DE" dirty="0" smtClean="0"/>
-              <a:t> Student (William </a:t>
-            </a:r>
-            <a:r>
-              <a:rPr lang="de-DE" dirty="0" err="1" smtClean="0"/>
-              <a:t>Sealy</a:t>
+              <a:t>of</a:t>
             </a:r>
             <a:r>
               <a:rPr lang="de-DE" dirty="0" smtClean="0"/>
@@ -23013,44 +23015,20 @@
             </a:r>
             <a:r>
               <a:rPr lang="de-DE" dirty="0" err="1" smtClean="0"/>
-              <a:t>Gosset</a:t>
-            </a:r>
-            <a:r>
-              <a:rPr lang="de-DE" dirty="0" smtClean="0"/>
-              <a:t>)</a:t>
-            </a:r>
-            <a:endParaRPr lang="en-US" dirty="0" smtClean="0"/>
-          </a:p>
-          <a:p>
-            <a:r>
-              <a:rPr lang="en-US" dirty="0" err="1" smtClean="0"/>
-              <a:t>Comparision</a:t>
-            </a:r>
-            <a:r>
-              <a:rPr lang="en-US" dirty="0" smtClean="0"/>
-              <a:t> of two measurements</a:t>
-            </a:r>
-          </a:p>
-          <a:p>
-            <a:endParaRPr lang="en-US" dirty="0" smtClean="0"/>
-          </a:p>
-          <a:p>
-            <a:endParaRPr lang="en-US" dirty="0" smtClean="0"/>
-          </a:p>
-          <a:p>
-            <a:endParaRPr lang="en-US" dirty="0" smtClean="0"/>
-          </a:p>
-          <a:p>
-            <a:endParaRPr lang="en-US" dirty="0" smtClean="0"/>
-          </a:p>
-          <a:p>
-            <a:endParaRPr lang="en-US" dirty="0" smtClean="0"/>
-          </a:p>
-          <a:p>
-            <a:pPr>
-              <a:buNone/>
-            </a:pPr>
-            <a:endParaRPr lang="en-US" dirty="0" smtClean="0"/>
+              <a:t>test</a:t>
+            </a:r>
+            <a:r>
+              <a:rPr lang="de-DE" dirty="0" smtClean="0"/>
+              <a:t> </a:t>
+            </a:r>
+            <a:r>
+              <a:rPr lang="de-DE" dirty="0" err="1" smtClean="0"/>
+              <a:t>value</a:t>
+            </a:r>
+            <a:endParaRPr lang="de-DE" dirty="0" smtClean="0"/>
+          </a:p>
+          <a:p>
+            <a:endParaRPr lang="en-US" dirty="0"/>
           </a:p>
         </p:txBody>
       </p:sp>
@@ -23080,1895 +23058,27 @@
       </p:sp>
       <p:graphicFrame>
         <p:nvGraphicFramePr>
-          <p:cNvPr id="8" name="Tabelle 7"/>
-          <p:cNvGraphicFramePr>
-            <a:graphicFrameLocks noGrp="1"/>
-          </p:cNvGraphicFramePr>
-          <p:nvPr>
-            <p:extLst/>
-          </p:nvPr>
-        </p:nvGraphicFramePr>
-        <p:xfrm>
-          <a:off x="2452662" y="3304504"/>
-          <a:ext cx="7286676" cy="2696264"/>
-        </p:xfrm>
-        <a:graphic>
-          <a:graphicData uri="http://schemas.openxmlformats.org/drawingml/2006/table">
-            <a:tbl>
-              <a:tblPr firstRow="1" bandRow="1">
-                <a:tableStyleId>{5940675A-B579-460E-94D1-54222C63F5DA}</a:tableStyleId>
-              </a:tblPr>
-              <a:tblGrid>
-                <a:gridCol w="3643338">
-                  <a:extLst>
-                    <a:ext uri="{9D8B030D-6E8A-4147-A177-3AD203B41FA5}">
-                      <a16:colId xmlns:a16="http://schemas.microsoft.com/office/drawing/2014/main" val="20000"/>
-                    </a:ext>
-                  </a:extLst>
-                </a:gridCol>
-                <a:gridCol w="3643338">
-                  <a:extLst>
-                    <a:ext uri="{9D8B030D-6E8A-4147-A177-3AD203B41FA5}">
-                      <a16:colId xmlns:a16="http://schemas.microsoft.com/office/drawing/2014/main" val="20001"/>
-                    </a:ext>
-                  </a:extLst>
-                </a:gridCol>
-              </a:tblGrid>
-              <a:tr h="618838">
-                <a:tc>
-                  <a:txBody>
-                    <a:bodyPr/>
-                    <a:lstStyle/>
-                    <a:p>
-                      <a:pPr marL="0" marR="0" indent="0" algn="l" defTabSz="914400" rtl="0" eaLnBrk="1" fontAlgn="auto" latinLnBrk="0" hangingPunct="1">
-                        <a:lnSpc>
-                          <a:spcPct val="100000"/>
-                        </a:lnSpc>
-                        <a:spcBef>
-                          <a:spcPts val="0"/>
-                        </a:spcBef>
-                        <a:spcAft>
-                          <a:spcPts val="0"/>
-                        </a:spcAft>
-                        <a:buClrTx/>
-                        <a:buSzTx/>
-                        <a:buFontTx/>
-                        <a:buNone/>
-                        <a:tabLst/>
-                        <a:defRPr/>
-                      </a:pPr>
-                      <a:r>
-                        <a:rPr lang="en-US" b="1" dirty="0" smtClean="0"/>
-                        <a:t>Null hypothesis (H</a:t>
-                      </a:r>
-                      <a:r>
-                        <a:rPr lang="en-US" b="1" baseline="-25000" dirty="0" smtClean="0"/>
-                        <a:t>0</a:t>
-                      </a:r>
-                      <a:r>
-                        <a:rPr lang="en-US" b="1" dirty="0" smtClean="0"/>
-                        <a:t>)</a:t>
-                      </a:r>
-                    </a:p>
-                  </a:txBody>
-                  <a:tcPr>
-                    <a:solidFill>
-                      <a:schemeClr val="bg1">
-                        <a:lumMod val="85000"/>
-                      </a:schemeClr>
-                    </a:solidFill>
-                  </a:tcPr>
-                </a:tc>
-                <a:tc>
-                  <a:txBody>
-                    <a:bodyPr/>
-                    <a:lstStyle/>
-                    <a:p>
-                      <a:pPr marL="0" marR="0" indent="0" algn="l" defTabSz="914400" rtl="0" eaLnBrk="1" fontAlgn="auto" latinLnBrk="0" hangingPunct="1">
-                        <a:lnSpc>
-                          <a:spcPct val="100000"/>
-                        </a:lnSpc>
-                        <a:spcBef>
-                          <a:spcPts val="0"/>
-                        </a:spcBef>
-                        <a:spcAft>
-                          <a:spcPts val="0"/>
-                        </a:spcAft>
-                        <a:buClrTx/>
-                        <a:buSzTx/>
-                        <a:buFontTx/>
-                        <a:buNone/>
-                        <a:tabLst/>
-                        <a:defRPr/>
-                      </a:pPr>
-                      <a:r>
-                        <a:rPr lang="en-US" b="1" dirty="0" smtClean="0"/>
-                        <a:t>Alternative</a:t>
-                      </a:r>
-                      <a:r>
-                        <a:rPr lang="en-US" b="1" baseline="0" dirty="0" smtClean="0"/>
-                        <a:t> hypothesis</a:t>
-                      </a:r>
-                      <a:r>
-                        <a:rPr lang="en-US" b="1" dirty="0" smtClean="0"/>
-                        <a:t> (H</a:t>
-                      </a:r>
-                      <a:r>
-                        <a:rPr lang="en-US" b="1" baseline="-25000" dirty="0" smtClean="0"/>
-                        <a:t>1</a:t>
-                      </a:r>
-                      <a:r>
-                        <a:rPr lang="en-US" b="1" dirty="0" smtClean="0"/>
-                        <a:t>)</a:t>
-                      </a:r>
-                    </a:p>
-                    <a:p>
-                      <a:endParaRPr lang="en-US" b="1" dirty="0"/>
-                    </a:p>
-                  </a:txBody>
-                  <a:tcPr>
-                    <a:solidFill>
-                      <a:schemeClr val="bg1">
-                        <a:lumMod val="85000"/>
-                      </a:schemeClr>
-                    </a:solidFill>
-                  </a:tcPr>
-                </a:tc>
-                <a:extLst>
-                  <a:ext uri="{0D108BD9-81ED-4DB2-BD59-A6C34878D82A}">
-                    <a16:rowId xmlns:a16="http://schemas.microsoft.com/office/drawing/2014/main" val="10000"/>
-                  </a:ext>
-                </a:extLst>
-              </a:tr>
-              <a:tr h="502928">
-                <a:tc gridSpan="2">
-                  <a:txBody>
-                    <a:bodyPr/>
-                    <a:lstStyle/>
-                    <a:p>
-                      <a:pPr marL="0" marR="0" lvl="1" indent="0" algn="ctr" defTabSz="914400" rtl="0" eaLnBrk="1" fontAlgn="auto" latinLnBrk="0" hangingPunct="1">
-                        <a:lnSpc>
-                          <a:spcPct val="100000"/>
-                        </a:lnSpc>
-                        <a:spcBef>
-                          <a:spcPts val="0"/>
-                        </a:spcBef>
-                        <a:spcAft>
-                          <a:spcPts val="0"/>
-                        </a:spcAft>
-                        <a:buClrTx/>
-                        <a:buSzTx/>
-                        <a:buFontTx/>
-                        <a:buNone/>
-                        <a:tabLst/>
-                        <a:defRPr/>
-                      </a:pPr>
-                      <a:r>
-                        <a:rPr lang="de-DE" dirty="0" smtClean="0"/>
-                        <a:t>Statistical </a:t>
-                      </a:r>
-                      <a:r>
-                        <a:rPr lang="de-DE" dirty="0" err="1" smtClean="0"/>
-                        <a:t>hypotheses</a:t>
-                      </a:r>
-                      <a:endParaRPr lang="en-US" dirty="0"/>
-                    </a:p>
-                  </a:txBody>
-                  <a:tcPr/>
-                </a:tc>
-                <a:tc hMerge="1">
-                  <a:txBody>
-                    <a:bodyPr/>
-                    <a:lstStyle/>
-                    <a:p>
-                      <a:endParaRPr lang="en-US"/>
-                    </a:p>
-                  </a:txBody>
-                  <a:tcPr/>
-                </a:tc>
-                <a:extLst>
-                  <a:ext uri="{0D108BD9-81ED-4DB2-BD59-A6C34878D82A}">
-                    <a16:rowId xmlns:a16="http://schemas.microsoft.com/office/drawing/2014/main" val="10001"/>
-                  </a:ext>
-                </a:extLst>
-              </a:tr>
-              <a:tr h="934418">
-                <a:tc>
-                  <a:txBody>
-                    <a:bodyPr/>
-                    <a:lstStyle/>
-                    <a:p>
-                      <a:pPr marL="0" marR="0" lvl="1" indent="0" algn="l" defTabSz="914400" rtl="0" eaLnBrk="1" fontAlgn="auto" latinLnBrk="0" hangingPunct="1">
-                        <a:lnSpc>
-                          <a:spcPct val="100000"/>
-                        </a:lnSpc>
-                        <a:spcBef>
-                          <a:spcPts val="0"/>
-                        </a:spcBef>
-                        <a:spcAft>
-                          <a:spcPts val="0"/>
-                        </a:spcAft>
-                        <a:buClrTx/>
-                        <a:buSzTx/>
-                        <a:buFontTx/>
-                        <a:buNone/>
-                        <a:tabLst/>
-                        <a:defRPr/>
-                      </a:pPr>
-                      <a:r>
-                        <a:rPr lang="de-DE" dirty="0" err="1" smtClean="0"/>
-                        <a:t>Measurements</a:t>
-                      </a:r>
-                      <a:r>
-                        <a:rPr lang="de-DE" baseline="0" dirty="0" smtClean="0"/>
-                        <a:t> do not </a:t>
-                      </a:r>
-                      <a:r>
-                        <a:rPr lang="de-DE" baseline="0" dirty="0" err="1" smtClean="0"/>
-                        <a:t>differ</a:t>
-                      </a:r>
-                      <a:r>
-                        <a:rPr lang="de-DE" baseline="0" dirty="0" smtClean="0"/>
-                        <a:t>, i.e., </a:t>
-                      </a:r>
-                      <a:r>
-                        <a:rPr lang="de-DE" baseline="0" dirty="0" err="1" smtClean="0"/>
-                        <a:t>they</a:t>
-                      </a:r>
-                      <a:r>
-                        <a:rPr lang="de-DE" baseline="0" dirty="0" smtClean="0"/>
-                        <a:t> </a:t>
-                      </a:r>
-                      <a:r>
-                        <a:rPr lang="de-DE" baseline="0" dirty="0" err="1" smtClean="0"/>
-                        <a:t>come</a:t>
-                      </a:r>
-                      <a:r>
-                        <a:rPr lang="de-DE" baseline="0" dirty="0" smtClean="0"/>
-                        <a:t> </a:t>
-                      </a:r>
-                      <a:r>
-                        <a:rPr lang="de-DE" baseline="0" dirty="0" err="1" smtClean="0"/>
-                        <a:t>from</a:t>
-                      </a:r>
-                      <a:r>
-                        <a:rPr lang="de-DE" baseline="0" dirty="0" smtClean="0"/>
-                        <a:t> </a:t>
-                      </a:r>
-                      <a:r>
-                        <a:rPr lang="de-DE" baseline="0" dirty="0" err="1" smtClean="0"/>
-                        <a:t>the</a:t>
-                      </a:r>
-                      <a:r>
-                        <a:rPr lang="de-DE" baseline="0" dirty="0" smtClean="0"/>
-                        <a:t> same </a:t>
-                      </a:r>
-                      <a:r>
-                        <a:rPr lang="de-DE" baseline="0" dirty="0" err="1" smtClean="0"/>
-                        <a:t>population</a:t>
-                      </a:r>
-                      <a:endParaRPr lang="en-US" dirty="0" smtClean="0"/>
-                    </a:p>
-                    <a:p>
-                      <a:pPr marL="0" marR="0" lvl="1" indent="0" algn="l" defTabSz="914400" rtl="0" eaLnBrk="1" fontAlgn="auto" latinLnBrk="0" hangingPunct="1">
-                        <a:lnSpc>
-                          <a:spcPct val="100000"/>
-                        </a:lnSpc>
-                        <a:spcBef>
-                          <a:spcPts val="0"/>
-                        </a:spcBef>
-                        <a:spcAft>
-                          <a:spcPts val="0"/>
-                        </a:spcAft>
-                        <a:buClrTx/>
-                        <a:buSzTx/>
-                        <a:buFontTx/>
-                        <a:buNone/>
-                        <a:tabLst/>
-                        <a:defRPr/>
-                      </a:pPr>
-                      <a:endParaRPr lang="en-US" dirty="0"/>
-                    </a:p>
-                  </a:txBody>
-                  <a:tcPr/>
-                </a:tc>
-                <a:tc>
-                  <a:txBody>
-                    <a:bodyPr/>
-                    <a:lstStyle/>
-                    <a:p>
-                      <a:pPr marL="0" marR="0" lvl="1" indent="0" algn="l" defTabSz="914400" rtl="0" eaLnBrk="1" fontAlgn="auto" latinLnBrk="0" hangingPunct="1">
-                        <a:lnSpc>
-                          <a:spcPct val="100000"/>
-                        </a:lnSpc>
-                        <a:spcBef>
-                          <a:spcPts val="0"/>
-                        </a:spcBef>
-                        <a:spcAft>
-                          <a:spcPts val="0"/>
-                        </a:spcAft>
-                        <a:buClrTx/>
-                        <a:buSzTx/>
-                        <a:buFontTx/>
-                        <a:buNone/>
-                        <a:tabLst/>
-                        <a:defRPr/>
-                      </a:pPr>
-                      <a:r>
-                        <a:rPr lang="en-US" dirty="0" smtClean="0"/>
-                        <a:t>Data of both measurements</a:t>
-                      </a:r>
-                      <a:r>
-                        <a:rPr lang="en-US" baseline="0" dirty="0" smtClean="0"/>
-                        <a:t> are from different populations</a:t>
-                      </a:r>
-                      <a:endParaRPr lang="en-US" dirty="0" smtClean="0"/>
-                    </a:p>
-                    <a:p>
-                      <a:endParaRPr lang="en-US" dirty="0"/>
-                    </a:p>
-                  </a:txBody>
-                  <a:tcPr/>
-                </a:tc>
-                <a:extLst>
-                  <a:ext uri="{0D108BD9-81ED-4DB2-BD59-A6C34878D82A}">
-                    <a16:rowId xmlns:a16="http://schemas.microsoft.com/office/drawing/2014/main" val="10002"/>
-                  </a:ext>
-                </a:extLst>
-              </a:tr>
-              <a:tr h="618838">
-                <a:tc>
-                  <a:txBody>
-                    <a:bodyPr/>
-                    <a:lstStyle/>
-                    <a:p>
-                      <a:r>
-                        <a:rPr lang="en-US" smtClean="0"/>
-                        <a:t>Formal:</a:t>
-                      </a:r>
-                      <a:endParaRPr lang="en-US"/>
-                    </a:p>
-                  </a:txBody>
-                  <a:tcPr anchor="ctr"/>
-                </a:tc>
-                <a:tc>
-                  <a:txBody>
-                    <a:bodyPr/>
-                    <a:lstStyle/>
-                    <a:p>
-                      <a:pPr marL="0" marR="0" lvl="1" indent="0" algn="l" defTabSz="914400" rtl="0" eaLnBrk="1" fontAlgn="auto" latinLnBrk="0" hangingPunct="1">
-                        <a:lnSpc>
-                          <a:spcPct val="100000"/>
-                        </a:lnSpc>
-                        <a:spcBef>
-                          <a:spcPts val="0"/>
-                        </a:spcBef>
-                        <a:spcAft>
-                          <a:spcPts val="0"/>
-                        </a:spcAft>
-                        <a:buClrTx/>
-                        <a:buSzTx/>
-                        <a:buFontTx/>
-                        <a:buNone/>
-                        <a:tabLst/>
-                        <a:defRPr/>
-                      </a:pPr>
-                      <a:r>
-                        <a:rPr lang="en-US" dirty="0" smtClean="0"/>
-                        <a:t>Formal: </a:t>
-                      </a:r>
-                      <a:endParaRPr lang="en-US" dirty="0"/>
-                    </a:p>
-                  </a:txBody>
-                  <a:tcPr anchor="ctr"/>
-                </a:tc>
-                <a:extLst>
-                  <a:ext uri="{0D108BD9-81ED-4DB2-BD59-A6C34878D82A}">
-                    <a16:rowId xmlns:a16="http://schemas.microsoft.com/office/drawing/2014/main" val="10003"/>
-                  </a:ext>
-                </a:extLst>
-              </a:tr>
-            </a:tbl>
-          </a:graphicData>
-        </a:graphic>
-      </p:graphicFrame>
-      <p:graphicFrame>
-        <p:nvGraphicFramePr>
           <p:cNvPr id="5" name="Objekt 4"/>
           <p:cNvGraphicFramePr>
             <a:graphicFrameLocks noChangeAspect="1"/>
           </p:cNvGraphicFramePr>
-          <p:nvPr/>
+          <p:nvPr>
+            <p:extLst>
+              <p:ext uri="{D42A27DB-BD31-4B8C-83A1-F6EECF244321}">
+                <p14:modId xmlns:p14="http://schemas.microsoft.com/office/powerpoint/2010/main" val="2288268459"/>
+              </p:ext>
+            </p:extLst>
+          </p:nvPr>
         </p:nvGraphicFramePr>
         <p:xfrm>
-          <a:off x="3452794" y="5396260"/>
-          <a:ext cx="1571636" cy="551451"/>
-        </p:xfrm>
-        <a:graphic>
-          <a:graphicData uri="http://schemas.openxmlformats.org/presentationml/2006/ole">
-            <mc:AlternateContent xmlns:mc="http://schemas.openxmlformats.org/markup-compatibility/2006">
-              <mc:Choice xmlns:v="urn:schemas-microsoft-com:vml" Requires="v">
-                <p:oleObj spid="_x0000_s71754" name="Formel" r:id="rId3" imgW="723600" imgH="253800" progId="Equation.3">
-                  <p:embed/>
-                </p:oleObj>
-              </mc:Choice>
-              <mc:Fallback>
-                <p:oleObj name="Formel" r:id="rId3" imgW="723600" imgH="253800" progId="Equation.3">
-                  <p:embed/>
-                  <p:pic>
-                    <p:nvPicPr>
-                      <p:cNvPr id="5" name="Objekt 4"/>
-                      <p:cNvPicPr>
-                        <a:picLocks noChangeAspect="1" noChangeArrowheads="1"/>
-                      </p:cNvPicPr>
-                      <p:nvPr/>
-                    </p:nvPicPr>
-                    <p:blipFill>
-                      <a:blip r:embed="rId4">
-                        <a:extLst>
-                          <a:ext uri="{28A0092B-C50C-407E-A947-70E740481C1C}">
-                            <a14:useLocalDpi xmlns:a14="http://schemas.microsoft.com/office/drawing/2010/main" val="0"/>
-                          </a:ext>
-                        </a:extLst>
-                      </a:blip>
-                      <a:srcRect/>
-                      <a:stretch>
-                        <a:fillRect/>
-                      </a:stretch>
-                    </p:blipFill>
-                    <p:spPr bwMode="auto">
-                      <a:xfrm>
-                        <a:off x="3452794" y="5396260"/>
-                        <a:ext cx="1571636" cy="551451"/>
-                      </a:xfrm>
-                      <a:prstGeom prst="rect">
-                        <a:avLst/>
-                      </a:prstGeom>
-                      <a:noFill/>
-                      <a:extLst>
-                        <a:ext uri="{909E8E84-426E-40DD-AFC4-6F175D3DCCD1}">
-                          <a14:hiddenFill xmlns:a14="http://schemas.microsoft.com/office/drawing/2010/main">
-                            <a:solidFill>
-                              <a:srgbClr val="FFFFFF"/>
-                            </a:solidFill>
-                          </a14:hiddenFill>
-                        </a:ext>
-                      </a:extLst>
-                    </p:spPr>
-                  </p:pic>
-                </p:oleObj>
-              </mc:Fallback>
-            </mc:AlternateContent>
-          </a:graphicData>
-        </a:graphic>
-      </p:graphicFrame>
-      <p:graphicFrame>
-        <p:nvGraphicFramePr>
-          <p:cNvPr id="52228" name="Object 4"/>
-          <p:cNvGraphicFramePr>
-            <a:graphicFrameLocks noChangeAspect="1"/>
-          </p:cNvGraphicFramePr>
-          <p:nvPr/>
-        </p:nvGraphicFramePr>
-        <p:xfrm>
-          <a:off x="7096133" y="5396260"/>
-          <a:ext cx="1544637" cy="522287"/>
-        </p:xfrm>
-        <a:graphic>
-          <a:graphicData uri="http://schemas.openxmlformats.org/presentationml/2006/ole">
-            <mc:AlternateContent xmlns:mc="http://schemas.openxmlformats.org/markup-compatibility/2006">
-              <mc:Choice xmlns:v="urn:schemas-microsoft-com:vml" Requires="v">
-                <p:oleObj spid="_x0000_s71755" name="Formel" r:id="rId5" imgW="711000" imgH="241200" progId="Equation.3">
-                  <p:embed/>
-                </p:oleObj>
-              </mc:Choice>
-              <mc:Fallback>
-                <p:oleObj name="Formel" r:id="rId5" imgW="711000" imgH="241200" progId="Equation.3">
-                  <p:embed/>
-                  <p:pic>
-                    <p:nvPicPr>
-                      <p:cNvPr id="52228" name="Object 4"/>
-                      <p:cNvPicPr>
-                        <a:picLocks noChangeAspect="1" noChangeArrowheads="1"/>
-                      </p:cNvPicPr>
-                      <p:nvPr/>
-                    </p:nvPicPr>
-                    <p:blipFill>
-                      <a:blip r:embed="rId6">
-                        <a:extLst>
-                          <a:ext uri="{28A0092B-C50C-407E-A947-70E740481C1C}">
-                            <a14:useLocalDpi xmlns:a14="http://schemas.microsoft.com/office/drawing/2010/main" val="0"/>
-                          </a:ext>
-                        </a:extLst>
-                      </a:blip>
-                      <a:srcRect/>
-                      <a:stretch>
-                        <a:fillRect/>
-                      </a:stretch>
-                    </p:blipFill>
-                    <p:spPr bwMode="auto">
-                      <a:xfrm>
-                        <a:off x="7096133" y="5396260"/>
-                        <a:ext cx="1544637" cy="522287"/>
-                      </a:xfrm>
-                      <a:prstGeom prst="rect">
-                        <a:avLst/>
-                      </a:prstGeom>
-                      <a:noFill/>
-                      <a:extLst>
-                        <a:ext uri="{909E8E84-426E-40DD-AFC4-6F175D3DCCD1}">
-                          <a14:hiddenFill xmlns:a14="http://schemas.microsoft.com/office/drawing/2010/main">
-                            <a:solidFill>
-                              <a:srgbClr val="FFFFFF"/>
-                            </a:solidFill>
-                          </a14:hiddenFill>
-                        </a:ext>
-                      </a:extLst>
-                    </p:spPr>
-                  </p:pic>
-                </p:oleObj>
-              </mc:Fallback>
-            </mc:AlternateContent>
-          </a:graphicData>
-        </a:graphic>
-      </p:graphicFrame>
-    </p:spTree>
-    <p:extLst>
-      <p:ext uri="{BB962C8B-B14F-4D97-AF65-F5344CB8AC3E}">
-        <p14:creationId xmlns:p14="http://schemas.microsoft.com/office/powerpoint/2010/main" val="2742487058"/>
-      </p:ext>
-    </p:extLst>
-  </p:cSld>
-  <p:clrMapOvr>
-    <a:masterClrMapping/>
-  </p:clrMapOvr>
-  <p:timing>
-    <p:tnLst>
-      <p:par>
-        <p:cTn id="1" dur="indefinite" restart="never" nodeType="tmRoot"/>
-      </p:par>
-    </p:tnLst>
-  </p:timing>
-</p:sld>
-</file>
-
-<file path=ppt/slides/slide39.xml><?xml version="1.0" encoding="utf-8"?>
-<p:sld xmlns:a="http://schemas.openxmlformats.org/drawingml/2006/main" xmlns:r="http://schemas.openxmlformats.org/officeDocument/2006/relationships" xmlns:p="http://schemas.openxmlformats.org/presentationml/2006/main">
-  <p:cSld>
-    <p:spTree>
-      <p:nvGrpSpPr>
-        <p:cNvPr id="1" name=""/>
-        <p:cNvGrpSpPr/>
-        <p:nvPr/>
-      </p:nvGrpSpPr>
-      <p:grpSpPr>
-        <a:xfrm>
-          <a:off x="0" y="0"/>
-          <a:ext cx="0" cy="0"/>
-          <a:chOff x="0" y="0"/>
-          <a:chExt cx="0" cy="0"/>
-        </a:xfrm>
-      </p:grpSpPr>
-      <p:sp>
-        <p:nvSpPr>
-          <p:cNvPr id="2" name="Titel 1"/>
-          <p:cNvSpPr>
-            <a:spLocks noGrp="1"/>
-          </p:cNvSpPr>
-          <p:nvPr>
-            <p:ph type="title"/>
-          </p:nvPr>
-        </p:nvSpPr>
-        <p:spPr/>
-        <p:txBody>
-          <a:bodyPr/>
-          <a:lstStyle/>
-          <a:p>
-            <a:r>
-              <a:rPr lang="en-US" dirty="0" smtClean="0"/>
-              <a:t>T-Test: Result</a:t>
-            </a:r>
-            <a:endParaRPr lang="en-US" dirty="0"/>
-          </a:p>
-        </p:txBody>
-      </p:sp>
-      <p:sp>
-        <p:nvSpPr>
-          <p:cNvPr id="3" name="Inhaltsplatzhalter 2"/>
-          <p:cNvSpPr>
-            <a:spLocks noGrp="1"/>
-          </p:cNvSpPr>
-          <p:nvPr>
-            <p:ph idx="1"/>
-          </p:nvPr>
-        </p:nvSpPr>
-        <p:spPr/>
-        <p:txBody>
-          <a:bodyPr>
-            <a:normAutofit/>
-          </a:bodyPr>
-          <a:lstStyle/>
-          <a:p>
-            <a:r>
-              <a:rPr lang="de-DE" dirty="0" err="1" smtClean="0"/>
-              <a:t>Determines</a:t>
-            </a:r>
-            <a:r>
-              <a:rPr lang="de-DE" dirty="0" smtClean="0"/>
-              <a:t> </a:t>
-            </a:r>
-            <a:r>
-              <a:rPr lang="de-DE" dirty="0" err="1" smtClean="0"/>
-              <a:t>probability</a:t>
-            </a:r>
-            <a:r>
-              <a:rPr lang="de-DE" dirty="0" smtClean="0"/>
-              <a:t> </a:t>
-            </a:r>
-            <a:r>
-              <a:rPr lang="de-DE" dirty="0" err="1" smtClean="0"/>
-              <a:t>of</a:t>
-            </a:r>
-            <a:r>
-              <a:rPr lang="de-DE" dirty="0" smtClean="0"/>
-              <a:t> </a:t>
-            </a:r>
-            <a:r>
-              <a:rPr lang="de-DE" dirty="0" err="1" smtClean="0"/>
-              <a:t>observed</a:t>
-            </a:r>
-            <a:r>
-              <a:rPr lang="de-DE" dirty="0" smtClean="0"/>
-              <a:t> </a:t>
-            </a:r>
-            <a:r>
-              <a:rPr lang="de-DE" dirty="0" err="1" smtClean="0"/>
-              <a:t>result</a:t>
-            </a:r>
-            <a:r>
-              <a:rPr lang="de-DE" dirty="0" smtClean="0"/>
-              <a:t>, </a:t>
-            </a:r>
-            <a:r>
-              <a:rPr lang="de-DE" dirty="0" err="1" smtClean="0"/>
-              <a:t>under</a:t>
-            </a:r>
-            <a:r>
-              <a:rPr lang="de-DE" dirty="0" smtClean="0"/>
-              <a:t> </a:t>
-            </a:r>
-            <a:r>
-              <a:rPr lang="de-DE" dirty="0" err="1" smtClean="0"/>
-              <a:t>the</a:t>
-            </a:r>
-            <a:r>
-              <a:rPr lang="de-DE" dirty="0" smtClean="0"/>
-              <a:t> </a:t>
-            </a:r>
-            <a:r>
-              <a:rPr lang="de-DE" dirty="0" err="1" smtClean="0"/>
-              <a:t>assumption</a:t>
-            </a:r>
-            <a:r>
-              <a:rPr lang="de-DE" dirty="0" smtClean="0"/>
-              <a:t> </a:t>
-            </a:r>
-            <a:r>
-              <a:rPr lang="de-DE" dirty="0" err="1" smtClean="0"/>
-              <a:t>that</a:t>
-            </a:r>
-            <a:r>
-              <a:rPr lang="de-DE" dirty="0" smtClean="0"/>
-              <a:t> </a:t>
-            </a:r>
-            <a:r>
-              <a:rPr lang="de-DE" dirty="0" err="1" smtClean="0"/>
-              <a:t>the</a:t>
-            </a:r>
-            <a:r>
-              <a:rPr lang="de-DE" dirty="0" smtClean="0"/>
-              <a:t> null </a:t>
-            </a:r>
-            <a:r>
-              <a:rPr lang="de-DE" dirty="0" err="1" smtClean="0"/>
-              <a:t>hypothesis</a:t>
-            </a:r>
-            <a:r>
-              <a:rPr lang="de-DE" dirty="0" smtClean="0"/>
-              <a:t> </a:t>
-            </a:r>
-            <a:r>
-              <a:rPr lang="de-DE" dirty="0" err="1" smtClean="0"/>
-              <a:t>is</a:t>
-            </a:r>
-            <a:r>
-              <a:rPr lang="de-DE" dirty="0" smtClean="0"/>
-              <a:t> valid -&gt; </a:t>
-            </a:r>
-            <a:r>
-              <a:rPr lang="de-DE" dirty="0" err="1" smtClean="0"/>
-              <a:t>conditional</a:t>
-            </a:r>
-            <a:r>
-              <a:rPr lang="de-DE" dirty="0" smtClean="0"/>
-              <a:t> </a:t>
-            </a:r>
-            <a:r>
-              <a:rPr lang="de-DE" dirty="0" err="1" smtClean="0"/>
-              <a:t>probability</a:t>
-            </a:r>
-            <a:endParaRPr lang="en-US" dirty="0" smtClean="0"/>
-          </a:p>
-          <a:p>
-            <a:r>
-              <a:rPr lang="de-DE" dirty="0" err="1" smtClean="0"/>
-              <a:t>If</a:t>
-            </a:r>
-            <a:r>
-              <a:rPr lang="de-DE" dirty="0" smtClean="0"/>
-              <a:t> </a:t>
-            </a:r>
-            <a:r>
-              <a:rPr lang="de-DE" dirty="0" err="1" smtClean="0"/>
-              <a:t>probability</a:t>
-            </a:r>
-            <a:r>
-              <a:rPr lang="de-DE" dirty="0" smtClean="0"/>
-              <a:t> </a:t>
-            </a:r>
-            <a:r>
-              <a:rPr lang="de-DE" dirty="0" err="1" smtClean="0"/>
-              <a:t>is</a:t>
-            </a:r>
-            <a:r>
-              <a:rPr lang="de-DE" dirty="0" smtClean="0"/>
-              <a:t> </a:t>
-            </a:r>
-            <a:r>
-              <a:rPr lang="de-DE" dirty="0" err="1" smtClean="0"/>
-              <a:t>smaller</a:t>
-            </a:r>
-            <a:r>
-              <a:rPr lang="de-DE" dirty="0" smtClean="0"/>
-              <a:t> </a:t>
-            </a:r>
-            <a:r>
-              <a:rPr lang="de-DE" dirty="0" err="1" smtClean="0"/>
-              <a:t>than</a:t>
-            </a:r>
-            <a:r>
-              <a:rPr lang="de-DE" dirty="0" smtClean="0"/>
-              <a:t>:</a:t>
-            </a:r>
-          </a:p>
-          <a:p>
-            <a:pPr lvl="1"/>
-            <a:r>
-              <a:rPr lang="de-DE" dirty="0" smtClean="0"/>
-              <a:t>0.001</a:t>
-            </a:r>
-          </a:p>
-          <a:p>
-            <a:pPr lvl="1"/>
-            <a:r>
-              <a:rPr lang="de-DE" dirty="0" smtClean="0"/>
-              <a:t>0.01</a:t>
-            </a:r>
-          </a:p>
-          <a:p>
-            <a:pPr lvl="1"/>
-            <a:r>
-              <a:rPr lang="de-DE" dirty="0" smtClean="0"/>
-              <a:t>0.05</a:t>
-            </a:r>
-          </a:p>
-          <a:p>
-            <a:pPr lvl="1"/>
-            <a:r>
-              <a:rPr lang="de-DE" dirty="0" smtClean="0"/>
-              <a:t>0.10</a:t>
-            </a:r>
-          </a:p>
-          <a:p>
-            <a:pPr indent="17463">
-              <a:buNone/>
-            </a:pPr>
-            <a:r>
-              <a:rPr lang="de-DE" dirty="0" smtClean="0"/>
-              <a:t>null </a:t>
-            </a:r>
-            <a:r>
-              <a:rPr lang="de-DE" dirty="0" err="1" smtClean="0"/>
-              <a:t>hypothesis</a:t>
-            </a:r>
-            <a:r>
-              <a:rPr lang="de-DE" dirty="0" smtClean="0"/>
-              <a:t> must </a:t>
-            </a:r>
-            <a:r>
-              <a:rPr lang="de-DE" dirty="0" err="1" smtClean="0"/>
-              <a:t>be</a:t>
-            </a:r>
-            <a:r>
-              <a:rPr lang="de-DE" dirty="0" smtClean="0"/>
-              <a:t> </a:t>
-            </a:r>
-            <a:r>
-              <a:rPr lang="de-DE" dirty="0" err="1" smtClean="0"/>
-              <a:t>wrong</a:t>
-            </a:r>
-            <a:endParaRPr lang="de-DE" dirty="0" smtClean="0"/>
-          </a:p>
-          <a:p>
-            <a:r>
-              <a:rPr lang="de-DE" dirty="0" err="1" smtClean="0"/>
-              <a:t>Significance</a:t>
-            </a:r>
-            <a:r>
-              <a:rPr lang="de-DE" dirty="0" smtClean="0"/>
-              <a:t> </a:t>
-            </a:r>
-            <a:r>
-              <a:rPr lang="de-DE" dirty="0" err="1" smtClean="0"/>
-              <a:t>level</a:t>
-            </a:r>
-            <a:r>
-              <a:rPr lang="en-US" dirty="0"/>
-              <a:t> </a:t>
-            </a:r>
-            <a:r>
-              <a:rPr lang="en-US" dirty="0" smtClean="0"/>
-              <a:t>must be defined in advance!</a:t>
-            </a:r>
-            <a:endParaRPr lang="de-DE" dirty="0" smtClean="0"/>
-          </a:p>
-        </p:txBody>
-      </p:sp>
-      <p:sp>
-        <p:nvSpPr>
-          <p:cNvPr id="4" name="Foliennummernplatzhalter 3"/>
-          <p:cNvSpPr>
-            <a:spLocks noGrp="1"/>
-          </p:cNvSpPr>
-          <p:nvPr>
-            <p:ph type="sldNum" sz="quarter" idx="12"/>
-          </p:nvPr>
-        </p:nvSpPr>
-        <p:spPr/>
-        <p:txBody>
-          <a:bodyPr/>
-          <a:lstStyle/>
-          <a:p>
-            <a:fld id="{6C6AE60A-B69C-4790-82F7-3882EDF23186}" type="slidenum">
-              <a:rPr lang="de-DE" smtClean="0"/>
-              <a:pPr/>
-              <a:t>39</a:t>
-            </a:fld>
-            <a:endParaRPr lang="de-DE"/>
-          </a:p>
-        </p:txBody>
-      </p:sp>
-      <p:sp>
-        <p:nvSpPr>
-          <p:cNvPr id="5" name="Rechteck 4"/>
-          <p:cNvSpPr/>
-          <p:nvPr/>
-        </p:nvSpPr>
-        <p:spPr>
-          <a:xfrm>
-            <a:off x="3667108" y="3068960"/>
-            <a:ext cx="6572296" cy="1500198"/>
-          </a:xfrm>
-          <a:prstGeom prst="rect">
-            <a:avLst/>
-          </a:prstGeom>
-          <a:noFill/>
-          <a:ln>
-            <a:noFill/>
-          </a:ln>
-        </p:spPr>
-        <p:style>
-          <a:lnRef idx="2">
-            <a:schemeClr val="accent1">
-              <a:shade val="50000"/>
-            </a:schemeClr>
-          </a:lnRef>
-          <a:fillRef idx="1">
-            <a:schemeClr val="accent1"/>
-          </a:fillRef>
-          <a:effectRef idx="0">
-            <a:schemeClr val="accent1"/>
-          </a:effectRef>
-          <a:fontRef idx="minor">
-            <a:schemeClr val="lt1"/>
-          </a:fontRef>
-        </p:style>
-        <p:txBody>
-          <a:bodyPr rtlCol="0" anchor="ctr"/>
-          <a:lstStyle/>
-          <a:p>
-            <a:r>
-              <a:rPr lang="en-US" sz="2600" dirty="0">
-                <a:solidFill>
-                  <a:schemeClr val="bg1">
-                    <a:lumMod val="50000"/>
-                  </a:schemeClr>
-                </a:solidFill>
-              </a:rPr>
-              <a:t>very </a:t>
-            </a:r>
-            <a:r>
-              <a:rPr lang="en-US" sz="2600" dirty="0" err="1">
-                <a:solidFill>
-                  <a:schemeClr val="bg1">
-                    <a:lumMod val="50000"/>
-                  </a:schemeClr>
-                </a:solidFill>
-              </a:rPr>
-              <a:t>very</a:t>
-            </a:r>
-            <a:r>
-              <a:rPr lang="en-US" sz="2600" dirty="0">
-                <a:solidFill>
-                  <a:schemeClr val="bg1">
-                    <a:lumMod val="50000"/>
-                  </a:schemeClr>
-                </a:solidFill>
-              </a:rPr>
-              <a:t> significant</a:t>
-            </a:r>
-          </a:p>
-          <a:p>
-            <a:r>
-              <a:rPr lang="en-US" sz="2600" dirty="0">
-                <a:solidFill>
-                  <a:schemeClr val="bg1">
-                    <a:lumMod val="50000"/>
-                  </a:schemeClr>
-                </a:solidFill>
-              </a:rPr>
-              <a:t>very significant</a:t>
-            </a:r>
-          </a:p>
-          <a:p>
-            <a:r>
-              <a:rPr lang="de-DE" sz="2600" dirty="0" err="1">
-                <a:solidFill>
-                  <a:schemeClr val="bg1">
-                    <a:lumMod val="50000"/>
-                  </a:schemeClr>
-                </a:solidFill>
-              </a:rPr>
-              <a:t>typical</a:t>
-            </a:r>
-            <a:r>
-              <a:rPr lang="de-DE" sz="2600" dirty="0">
-                <a:solidFill>
-                  <a:schemeClr val="bg1">
-                    <a:lumMod val="50000"/>
-                  </a:schemeClr>
-                </a:solidFill>
-              </a:rPr>
-              <a:t> </a:t>
-            </a:r>
-            <a:r>
-              <a:rPr lang="de-DE" sz="2600" dirty="0" err="1">
-                <a:solidFill>
-                  <a:schemeClr val="bg1">
-                    <a:lumMod val="50000"/>
-                  </a:schemeClr>
-                </a:solidFill>
-              </a:rPr>
-              <a:t>significance</a:t>
-            </a:r>
-            <a:r>
-              <a:rPr lang="de-DE" sz="2600" dirty="0">
-                <a:solidFill>
-                  <a:schemeClr val="bg1">
-                    <a:lumMod val="50000"/>
-                  </a:schemeClr>
-                </a:solidFill>
-              </a:rPr>
-              <a:t> </a:t>
-            </a:r>
-            <a:r>
-              <a:rPr lang="de-DE" sz="2600" dirty="0" err="1">
-                <a:solidFill>
-                  <a:schemeClr val="bg1">
-                    <a:lumMod val="50000"/>
-                  </a:schemeClr>
-                </a:solidFill>
-              </a:rPr>
-              <a:t>level</a:t>
-            </a:r>
-            <a:endParaRPr lang="de-DE" sz="2600" dirty="0">
-              <a:solidFill>
-                <a:schemeClr val="bg1">
-                  <a:lumMod val="50000"/>
-                </a:schemeClr>
-              </a:solidFill>
-            </a:endParaRPr>
-          </a:p>
-          <a:p>
-            <a:r>
-              <a:rPr lang="de-DE" sz="2600" dirty="0" err="1">
-                <a:solidFill>
-                  <a:schemeClr val="bg1">
-                    <a:lumMod val="50000"/>
-                  </a:schemeClr>
-                </a:solidFill>
-              </a:rPr>
-              <a:t>for</a:t>
-            </a:r>
-            <a:r>
-              <a:rPr lang="de-DE" sz="2600" dirty="0">
-                <a:solidFill>
-                  <a:schemeClr val="bg1">
-                    <a:lumMod val="50000"/>
-                  </a:schemeClr>
-                </a:solidFill>
-              </a:rPr>
-              <a:t> </a:t>
-            </a:r>
-            <a:r>
-              <a:rPr lang="de-DE" sz="2600" dirty="0" err="1">
-                <a:solidFill>
-                  <a:schemeClr val="bg1">
-                    <a:lumMod val="50000"/>
-                  </a:schemeClr>
-                </a:solidFill>
-              </a:rPr>
-              <a:t>exploraty</a:t>
-            </a:r>
-            <a:r>
-              <a:rPr lang="de-DE" sz="2600" dirty="0">
-                <a:solidFill>
-                  <a:schemeClr val="bg1">
-                    <a:lumMod val="50000"/>
-                  </a:schemeClr>
-                </a:solidFill>
-              </a:rPr>
-              <a:t>/initial </a:t>
-            </a:r>
-            <a:r>
-              <a:rPr lang="de-DE" sz="2600" dirty="0" err="1">
-                <a:solidFill>
-                  <a:schemeClr val="bg1">
-                    <a:lumMod val="50000"/>
-                  </a:schemeClr>
-                </a:solidFill>
-              </a:rPr>
-              <a:t>studies</a:t>
-            </a:r>
-            <a:endParaRPr lang="en-US" sz="2600" dirty="0">
-              <a:solidFill>
-                <a:schemeClr val="bg1">
-                  <a:lumMod val="50000"/>
-                </a:schemeClr>
-              </a:solidFill>
-            </a:endParaRPr>
-          </a:p>
-        </p:txBody>
-      </p:sp>
-    </p:spTree>
-    <p:extLst>
-      <p:ext uri="{BB962C8B-B14F-4D97-AF65-F5344CB8AC3E}">
-        <p14:creationId xmlns:p14="http://schemas.microsoft.com/office/powerpoint/2010/main" val="127722669"/>
-      </p:ext>
-    </p:extLst>
-  </p:cSld>
-  <p:clrMapOvr>
-    <a:masterClrMapping/>
-  </p:clrMapOvr>
-  <p:timing>
-    <p:tnLst>
-      <p:par>
-        <p:cTn id="1" dur="indefinite" restart="never" nodeType="tmRoot">
-          <p:childTnLst>
-            <p:seq concurrent="1" nextAc="seek">
-              <p:cTn id="2" dur="indefinite" nodeType="mainSeq">
-                <p:childTnLst>
-                  <p:par>
-                    <p:cTn id="3" fill="hold">
-                      <p:stCondLst>
-                        <p:cond delay="indefinite"/>
-                      </p:stCondLst>
-                      <p:childTnLst>
-                        <p:par>
-                          <p:cTn id="4" fill="hold">
-                            <p:stCondLst>
-                              <p:cond delay="0"/>
-                            </p:stCondLst>
-                            <p:childTnLst>
-                              <p:par>
-                                <p:cTn id="5" presetID="1" presetClass="entr" presetSubtype="0" fill="hold" grpId="0" nodeType="clickEffect">
-                                  <p:stCondLst>
-                                    <p:cond delay="0"/>
-                                  </p:stCondLst>
-                                  <p:childTnLst>
-                                    <p:set>
-                                      <p:cBhvr>
-                                        <p:cTn id="6" dur="1" fill="hold">
-                                          <p:stCondLst>
-                                            <p:cond delay="0"/>
-                                          </p:stCondLst>
-                                        </p:cTn>
-                                        <p:tgtEl>
-                                          <p:spTgt spid="5"/>
-                                        </p:tgtEl>
-                                        <p:attrNameLst>
-                                          <p:attrName>style.visibility</p:attrName>
-                                        </p:attrNameLst>
-                                      </p:cBhvr>
-                                      <p:to>
-                                        <p:strVal val="visible"/>
-                                      </p:to>
-                                    </p:set>
-                                  </p:childTnLst>
-                                </p:cTn>
-                              </p:par>
-                            </p:childTnLst>
-                          </p:cTn>
-                        </p:par>
-                      </p:childTnLst>
-                    </p:cTn>
-                  </p:par>
-                </p:childTnLst>
-              </p:cTn>
-              <p:prevCondLst>
-                <p:cond evt="onPrev" delay="0">
-                  <p:tgtEl>
-                    <p:sldTgt/>
-                  </p:tgtEl>
-                </p:cond>
-              </p:prevCondLst>
-              <p:nextCondLst>
-                <p:cond evt="onNext" delay="0">
-                  <p:tgtEl>
-                    <p:sldTgt/>
-                  </p:tgtEl>
-                </p:cond>
-              </p:nextCondLst>
-            </p:seq>
-          </p:childTnLst>
-        </p:cTn>
-      </p:par>
-    </p:tnLst>
-    <p:bldLst>
-      <p:bldP spid="5" grpId="0"/>
-    </p:bldLst>
-  </p:timing>
-</p:sld>
-</file>
-
-<file path=ppt/slides/slide4.xml><?xml version="1.0" encoding="utf-8"?>
-<p:sld xmlns:a="http://schemas.openxmlformats.org/drawingml/2006/main" xmlns:r="http://schemas.openxmlformats.org/officeDocument/2006/relationships" xmlns:p="http://schemas.openxmlformats.org/presentationml/2006/main">
-  <p:cSld>
-    <p:spTree>
-      <p:nvGrpSpPr>
-        <p:cNvPr id="1" name=""/>
-        <p:cNvGrpSpPr/>
-        <p:nvPr/>
-      </p:nvGrpSpPr>
-      <p:grpSpPr>
-        <a:xfrm>
-          <a:off x="0" y="0"/>
-          <a:ext cx="0" cy="0"/>
-          <a:chOff x="0" y="0"/>
-          <a:chExt cx="0" cy="0"/>
-        </a:xfrm>
-      </p:grpSpPr>
-      <p:sp>
-        <p:nvSpPr>
-          <p:cNvPr id="2" name="Titel 1"/>
-          <p:cNvSpPr>
-            <a:spLocks noGrp="1"/>
-          </p:cNvSpPr>
-          <p:nvPr>
-            <p:ph type="title"/>
-          </p:nvPr>
-        </p:nvSpPr>
-        <p:spPr/>
-        <p:txBody>
-          <a:bodyPr/>
-          <a:lstStyle/>
-          <a:p>
-            <a:r>
-              <a:rPr lang="de-DE" dirty="0" smtClean="0"/>
-              <a:t>Goals</a:t>
-            </a:r>
-            <a:endParaRPr lang="de-DE" dirty="0"/>
-          </a:p>
-        </p:txBody>
-      </p:sp>
-      <p:sp>
-        <p:nvSpPr>
-          <p:cNvPr id="5" name="Inhaltsplatzhalter 4"/>
-          <p:cNvSpPr>
-            <a:spLocks noGrp="1"/>
-          </p:cNvSpPr>
-          <p:nvPr>
-            <p:ph idx="1"/>
-          </p:nvPr>
-        </p:nvSpPr>
-        <p:spPr/>
-        <p:txBody>
-          <a:bodyPr/>
-          <a:lstStyle/>
-          <a:p>
-            <a:r>
-              <a:rPr lang="en-US" dirty="0" smtClean="0"/>
-              <a:t>Understand difficulties of performance analyses</a:t>
-            </a:r>
-          </a:p>
-          <a:p>
-            <a:endParaRPr lang="en-US" dirty="0" smtClean="0"/>
-          </a:p>
-          <a:p>
-            <a:r>
-              <a:rPr lang="en-US" dirty="0" smtClean="0"/>
-              <a:t>Evaluate performance analyses</a:t>
-            </a:r>
-          </a:p>
-          <a:p>
-            <a:endParaRPr lang="de-DE" dirty="0"/>
-          </a:p>
-          <a:p>
-            <a:r>
-              <a:rPr lang="de-DE" dirty="0" err="1" smtClean="0"/>
-              <a:t>Get</a:t>
-            </a:r>
-            <a:r>
-              <a:rPr lang="de-DE" dirty="0" smtClean="0"/>
-              <a:t> a </a:t>
-            </a:r>
-            <a:r>
-              <a:rPr lang="de-DE" dirty="0" err="1" smtClean="0"/>
-              <a:t>first</a:t>
-            </a:r>
-            <a:r>
-              <a:rPr lang="de-DE" dirty="0" smtClean="0"/>
-              <a:t> </a:t>
-            </a:r>
-            <a:r>
-              <a:rPr lang="de-DE" dirty="0" err="1" smtClean="0"/>
-              <a:t>impression</a:t>
-            </a:r>
-            <a:r>
-              <a:rPr lang="de-DE" dirty="0" smtClean="0"/>
-              <a:t> </a:t>
-            </a:r>
-            <a:r>
-              <a:rPr lang="de-DE" dirty="0" err="1" smtClean="0"/>
-              <a:t>of</a:t>
-            </a:r>
-            <a:r>
-              <a:rPr lang="de-DE" dirty="0" smtClean="0"/>
-              <a:t> </a:t>
-            </a:r>
-            <a:r>
-              <a:rPr lang="de-DE" dirty="0" err="1" smtClean="0"/>
-              <a:t>statistical</a:t>
-            </a:r>
-            <a:r>
-              <a:rPr lang="de-DE" dirty="0" smtClean="0"/>
-              <a:t> </a:t>
-            </a:r>
-            <a:r>
-              <a:rPr lang="de-DE" dirty="0" err="1" smtClean="0"/>
-              <a:t>tests</a:t>
-            </a:r>
-            <a:endParaRPr lang="en-US" dirty="0"/>
-          </a:p>
-        </p:txBody>
-      </p:sp>
-      <p:sp>
-        <p:nvSpPr>
-          <p:cNvPr id="6" name="Foliennummernplatzhalter 5"/>
-          <p:cNvSpPr>
-            <a:spLocks noGrp="1"/>
-          </p:cNvSpPr>
-          <p:nvPr>
-            <p:ph type="sldNum" sz="quarter" idx="12"/>
-          </p:nvPr>
-        </p:nvSpPr>
-        <p:spPr/>
-        <p:txBody>
-          <a:bodyPr/>
-          <a:lstStyle/>
-          <a:p>
-            <a:fld id="{6C6AE60A-B69C-4790-82F7-3882EDF23186}" type="slidenum">
-              <a:rPr lang="de-DE" smtClean="0"/>
-              <a:pPr/>
-              <a:t>4</a:t>
-            </a:fld>
-            <a:endParaRPr lang="de-DE"/>
-          </a:p>
-        </p:txBody>
-      </p:sp>
-    </p:spTree>
-  </p:cSld>
-  <p:clrMapOvr>
-    <a:masterClrMapping/>
-  </p:clrMapOvr>
-  <p:timing>
-    <p:tnLst>
-      <p:par>
-        <p:cTn id="1" dur="indefinite" restart="never" nodeType="tmRoot"/>
-      </p:par>
-    </p:tnLst>
-  </p:timing>
-</p:sld>
-</file>
-
-<file path=ppt/slides/slide40.xml><?xml version="1.0" encoding="utf-8"?>
-<p:sld xmlns:a="http://schemas.openxmlformats.org/drawingml/2006/main" xmlns:r="http://schemas.openxmlformats.org/officeDocument/2006/relationships" xmlns:p="http://schemas.openxmlformats.org/presentationml/2006/main">
-  <p:cSld>
-    <p:spTree>
-      <p:nvGrpSpPr>
-        <p:cNvPr id="1" name=""/>
-        <p:cNvGrpSpPr/>
-        <p:nvPr/>
-      </p:nvGrpSpPr>
-      <p:grpSpPr>
-        <a:xfrm>
-          <a:off x="0" y="0"/>
-          <a:ext cx="0" cy="0"/>
-          <a:chOff x="0" y="0"/>
-          <a:chExt cx="0" cy="0"/>
-        </a:xfrm>
-      </p:grpSpPr>
-      <p:sp>
-        <p:nvSpPr>
-          <p:cNvPr id="2" name="Titel 1"/>
-          <p:cNvSpPr>
-            <a:spLocks noGrp="1"/>
-          </p:cNvSpPr>
-          <p:nvPr>
-            <p:ph type="title"/>
-          </p:nvPr>
-        </p:nvSpPr>
-        <p:spPr/>
-        <p:txBody>
-          <a:bodyPr/>
-          <a:lstStyle/>
-          <a:p>
-            <a:r>
-              <a:rPr lang="de-DE" dirty="0" smtClean="0"/>
-              <a:t>T-Test: </a:t>
-            </a:r>
-            <a:r>
-              <a:rPr lang="de-DE" dirty="0" err="1" smtClean="0"/>
-              <a:t>Conclusion</a:t>
-            </a:r>
-            <a:endParaRPr lang="en-US" dirty="0"/>
-          </a:p>
-        </p:txBody>
-      </p:sp>
-      <p:sp>
-        <p:nvSpPr>
-          <p:cNvPr id="3" name="Inhaltsplatzhalter 2"/>
-          <p:cNvSpPr>
-            <a:spLocks noGrp="1"/>
-          </p:cNvSpPr>
-          <p:nvPr>
-            <p:ph idx="1"/>
-          </p:nvPr>
-        </p:nvSpPr>
-        <p:spPr/>
-        <p:txBody>
-          <a:bodyPr>
-            <a:normAutofit/>
-          </a:bodyPr>
-          <a:lstStyle/>
-          <a:p>
-            <a:r>
-              <a:rPr lang="de-DE" dirty="0" err="1" smtClean="0"/>
-              <a:t>What</a:t>
-            </a:r>
-            <a:r>
-              <a:rPr lang="de-DE" dirty="0" smtClean="0"/>
-              <a:t> </a:t>
-            </a:r>
-            <a:r>
-              <a:rPr lang="de-DE" dirty="0" err="1" smtClean="0"/>
-              <a:t>does</a:t>
-            </a:r>
-            <a:r>
-              <a:rPr lang="de-DE" dirty="0" smtClean="0"/>
-              <a:t> </a:t>
-            </a:r>
-            <a:r>
-              <a:rPr lang="de-DE" dirty="0" err="1" smtClean="0"/>
-              <a:t>significant</a:t>
-            </a:r>
-            <a:r>
-              <a:rPr lang="de-DE" dirty="0" smtClean="0"/>
-              <a:t> </a:t>
-            </a:r>
-            <a:r>
-              <a:rPr lang="de-DE" dirty="0" err="1" smtClean="0"/>
-              <a:t>result</a:t>
-            </a:r>
-            <a:r>
-              <a:rPr lang="de-DE" dirty="0" smtClean="0"/>
-              <a:t> </a:t>
-            </a:r>
-            <a:r>
-              <a:rPr lang="de-DE" dirty="0" err="1" smtClean="0"/>
-              <a:t>mean</a:t>
-            </a:r>
-            <a:r>
-              <a:rPr lang="de-DE" dirty="0" smtClean="0"/>
-              <a:t>?</a:t>
-            </a:r>
-          </a:p>
-          <a:p>
-            <a:r>
-              <a:rPr lang="de-DE" dirty="0" err="1" smtClean="0"/>
-              <a:t>Is</a:t>
-            </a:r>
-            <a:r>
-              <a:rPr lang="de-DE" dirty="0" smtClean="0"/>
-              <a:t> null </a:t>
-            </a:r>
-            <a:r>
-              <a:rPr lang="de-DE" dirty="0" err="1" smtClean="0"/>
-              <a:t>hypothesis</a:t>
-            </a:r>
-            <a:r>
-              <a:rPr lang="de-DE" dirty="0" smtClean="0"/>
-              <a:t> </a:t>
-            </a:r>
-            <a:r>
-              <a:rPr lang="de-DE" dirty="0" err="1" smtClean="0"/>
-              <a:t>incorrect</a:t>
-            </a:r>
-            <a:r>
-              <a:rPr lang="de-DE" dirty="0" smtClean="0"/>
-              <a:t>? -&gt; </a:t>
-            </a:r>
-            <a:r>
-              <a:rPr lang="de-DE" dirty="0" err="1" smtClean="0"/>
-              <a:t>No</a:t>
-            </a:r>
-            <a:endParaRPr lang="de-DE" dirty="0" smtClean="0"/>
-          </a:p>
-          <a:p>
-            <a:r>
-              <a:rPr lang="de-DE" dirty="0" err="1" smtClean="0"/>
-              <a:t>Is</a:t>
-            </a:r>
-            <a:r>
-              <a:rPr lang="de-DE" dirty="0" smtClean="0"/>
-              <a:t> alternative </a:t>
-            </a:r>
-            <a:r>
-              <a:rPr lang="de-DE" dirty="0" err="1" smtClean="0"/>
-              <a:t>hypotheses</a:t>
-            </a:r>
-            <a:r>
-              <a:rPr lang="de-DE" dirty="0" smtClean="0"/>
-              <a:t> </a:t>
-            </a:r>
-            <a:r>
-              <a:rPr lang="de-DE" dirty="0" err="1" smtClean="0"/>
-              <a:t>correct</a:t>
-            </a:r>
-            <a:r>
-              <a:rPr lang="de-DE" dirty="0" smtClean="0"/>
-              <a:t>? -&gt; </a:t>
-            </a:r>
-            <a:r>
-              <a:rPr lang="de-DE" dirty="0" err="1" smtClean="0"/>
-              <a:t>No</a:t>
-            </a:r>
-            <a:endParaRPr lang="de-DE" dirty="0" smtClean="0"/>
-          </a:p>
-          <a:p>
-            <a:endParaRPr lang="de-DE" dirty="0"/>
-          </a:p>
-          <a:p>
-            <a:r>
-              <a:rPr lang="de-DE" dirty="0" err="1" smtClean="0"/>
-              <a:t>There</a:t>
-            </a:r>
-            <a:r>
-              <a:rPr lang="de-DE" dirty="0" smtClean="0"/>
-              <a:t> </a:t>
-            </a:r>
-            <a:r>
-              <a:rPr lang="de-DE" dirty="0" err="1" smtClean="0"/>
-              <a:t>is</a:t>
-            </a:r>
-            <a:r>
-              <a:rPr lang="de-DE" dirty="0" smtClean="0"/>
-              <a:t> </a:t>
-            </a:r>
-            <a:r>
-              <a:rPr lang="de-DE" dirty="0" err="1" smtClean="0"/>
-              <a:t>no</a:t>
-            </a:r>
-            <a:r>
-              <a:rPr lang="de-DE" dirty="0" smtClean="0"/>
-              <a:t> </a:t>
-            </a:r>
-            <a:r>
-              <a:rPr lang="de-DE" dirty="0" err="1" smtClean="0"/>
-              <a:t>evidence</a:t>
-            </a:r>
-            <a:r>
-              <a:rPr lang="de-DE" dirty="0" smtClean="0"/>
-              <a:t> </a:t>
-            </a:r>
-            <a:r>
-              <a:rPr lang="de-DE" dirty="0" err="1" smtClean="0"/>
-              <a:t>that</a:t>
-            </a:r>
-            <a:r>
-              <a:rPr lang="de-DE" dirty="0" smtClean="0"/>
-              <a:t> </a:t>
-            </a:r>
-            <a:r>
-              <a:rPr lang="de-DE" dirty="0" err="1" smtClean="0"/>
-              <a:t>the</a:t>
-            </a:r>
-            <a:r>
-              <a:rPr lang="de-DE" dirty="0" smtClean="0"/>
-              <a:t> null </a:t>
-            </a:r>
-            <a:r>
-              <a:rPr lang="de-DE" dirty="0" err="1" smtClean="0"/>
-              <a:t>hypothesis</a:t>
-            </a:r>
-            <a:r>
-              <a:rPr lang="de-DE" dirty="0" smtClean="0"/>
-              <a:t> </a:t>
-            </a:r>
-            <a:r>
-              <a:rPr lang="de-DE" dirty="0" err="1" smtClean="0"/>
-              <a:t>is</a:t>
-            </a:r>
-            <a:r>
-              <a:rPr lang="de-DE" dirty="0" smtClean="0"/>
-              <a:t> valid  (</a:t>
-            </a:r>
-            <a:r>
-              <a:rPr lang="de-DE" dirty="0" err="1" smtClean="0"/>
-              <a:t>thus</a:t>
-            </a:r>
-            <a:r>
-              <a:rPr lang="de-DE" dirty="0" smtClean="0"/>
-              <a:t>, I </a:t>
-            </a:r>
-            <a:r>
-              <a:rPr lang="de-DE" dirty="0" err="1" smtClean="0"/>
-              <a:t>can</a:t>
-            </a:r>
-            <a:r>
-              <a:rPr lang="de-DE" dirty="0" smtClean="0"/>
-              <a:t> </a:t>
-            </a:r>
-            <a:r>
-              <a:rPr lang="de-DE" dirty="0" err="1" smtClean="0"/>
-              <a:t>only</a:t>
-            </a:r>
-            <a:r>
-              <a:rPr lang="de-DE" dirty="0" smtClean="0"/>
-              <a:t> </a:t>
-            </a:r>
-            <a:r>
-              <a:rPr lang="de-DE" dirty="0" err="1" smtClean="0"/>
-              <a:t>make</a:t>
-            </a:r>
-            <a:r>
-              <a:rPr lang="de-DE" dirty="0" smtClean="0"/>
-              <a:t> </a:t>
-            </a:r>
-            <a:r>
-              <a:rPr lang="de-DE" dirty="0" err="1" smtClean="0"/>
-              <a:t>statements</a:t>
-            </a:r>
-            <a:r>
-              <a:rPr lang="de-DE" dirty="0" smtClean="0"/>
-              <a:t> </a:t>
-            </a:r>
-            <a:r>
-              <a:rPr lang="de-DE" dirty="0" err="1" smtClean="0"/>
-              <a:t>about</a:t>
-            </a:r>
-            <a:r>
-              <a:rPr lang="de-DE" dirty="0" smtClean="0"/>
-              <a:t> </a:t>
-            </a:r>
-            <a:r>
-              <a:rPr lang="de-DE" dirty="0" err="1" smtClean="0"/>
-              <a:t>the</a:t>
-            </a:r>
-            <a:r>
-              <a:rPr lang="de-DE" dirty="0" smtClean="0"/>
-              <a:t> null </a:t>
-            </a:r>
-            <a:r>
-              <a:rPr lang="de-DE" dirty="0" err="1" smtClean="0"/>
-              <a:t>hypothesis</a:t>
-            </a:r>
-            <a:r>
-              <a:rPr lang="de-DE" dirty="0" smtClean="0"/>
-              <a:t>)</a:t>
-            </a:r>
-          </a:p>
-          <a:p>
-            <a:r>
-              <a:rPr lang="de-DE" dirty="0" smtClean="0"/>
-              <a:t>Writing a </a:t>
-            </a:r>
-            <a:r>
-              <a:rPr lang="de-DE" dirty="0" err="1" smtClean="0"/>
-              <a:t>report</a:t>
-            </a:r>
-            <a:r>
-              <a:rPr lang="de-DE" dirty="0" smtClean="0"/>
-              <a:t>:</a:t>
-            </a:r>
-          </a:p>
-          <a:p>
-            <a:pPr lvl="1"/>
-            <a:r>
-              <a:rPr lang="de-DE" dirty="0" err="1" smtClean="0"/>
-              <a:t>Reject</a:t>
-            </a:r>
-            <a:r>
-              <a:rPr lang="de-DE" dirty="0" smtClean="0"/>
-              <a:t>/</a:t>
-            </a:r>
-            <a:r>
-              <a:rPr lang="de-DE" dirty="0" err="1" smtClean="0"/>
-              <a:t>could</a:t>
-            </a:r>
-            <a:r>
-              <a:rPr lang="de-DE" dirty="0" smtClean="0"/>
-              <a:t> not </a:t>
-            </a:r>
-            <a:r>
-              <a:rPr lang="de-DE" dirty="0" err="1" smtClean="0"/>
-              <a:t>reject</a:t>
-            </a:r>
-            <a:r>
-              <a:rPr lang="de-DE" dirty="0" smtClean="0"/>
-              <a:t> null </a:t>
-            </a:r>
-            <a:r>
-              <a:rPr lang="de-DE" dirty="0" err="1" smtClean="0"/>
-              <a:t>hypothesis</a:t>
-            </a:r>
-            <a:endParaRPr lang="de-DE" dirty="0" smtClean="0"/>
-          </a:p>
-          <a:p>
-            <a:pPr lvl="1"/>
-            <a:r>
-              <a:rPr lang="de-DE" dirty="0" smtClean="0"/>
-              <a:t>Never: </a:t>
-            </a:r>
-            <a:r>
-              <a:rPr lang="de-DE" dirty="0" err="1" smtClean="0"/>
-              <a:t>Confirmation</a:t>
-            </a:r>
-            <a:r>
-              <a:rPr lang="de-DE" dirty="0" smtClean="0"/>
-              <a:t> </a:t>
-            </a:r>
-            <a:r>
-              <a:rPr lang="de-DE" dirty="0" err="1" smtClean="0"/>
-              <a:t>of</a:t>
-            </a:r>
-            <a:r>
-              <a:rPr lang="de-DE" dirty="0" smtClean="0"/>
-              <a:t> null </a:t>
-            </a:r>
-            <a:r>
-              <a:rPr lang="de-DE" dirty="0" err="1" smtClean="0"/>
-              <a:t>or</a:t>
-            </a:r>
-            <a:r>
-              <a:rPr lang="de-DE" dirty="0" smtClean="0"/>
-              <a:t> alternative </a:t>
-            </a:r>
-            <a:r>
-              <a:rPr lang="de-DE" dirty="0" err="1" smtClean="0"/>
-              <a:t>hypothesis</a:t>
-            </a:r>
-            <a:endParaRPr lang="en-US" dirty="0"/>
-          </a:p>
-        </p:txBody>
-      </p:sp>
-      <p:sp>
-        <p:nvSpPr>
-          <p:cNvPr id="4" name="Foliennummernplatzhalter 3"/>
-          <p:cNvSpPr>
-            <a:spLocks noGrp="1"/>
-          </p:cNvSpPr>
-          <p:nvPr>
-            <p:ph type="sldNum" sz="quarter" idx="12"/>
-          </p:nvPr>
-        </p:nvSpPr>
-        <p:spPr/>
-        <p:txBody>
-          <a:bodyPr/>
-          <a:lstStyle/>
-          <a:p>
-            <a:fld id="{6C6AE60A-B69C-4790-82F7-3882EDF23186}" type="slidenum">
-              <a:rPr lang="de-DE" smtClean="0"/>
-              <a:pPr/>
-              <a:t>40</a:t>
-            </a:fld>
-            <a:endParaRPr lang="de-DE"/>
-          </a:p>
-        </p:txBody>
-      </p:sp>
-    </p:spTree>
-    <p:extLst>
-      <p:ext uri="{BB962C8B-B14F-4D97-AF65-F5344CB8AC3E}">
-        <p14:creationId xmlns:p14="http://schemas.microsoft.com/office/powerpoint/2010/main" val="1188021921"/>
-      </p:ext>
-    </p:extLst>
-  </p:cSld>
-  <p:clrMapOvr>
-    <a:masterClrMapping/>
-  </p:clrMapOvr>
-  <p:timing>
-    <p:tnLst>
-      <p:par>
-        <p:cTn id="1" dur="indefinite" restart="never" nodeType="tmRoot"/>
-      </p:par>
-    </p:tnLst>
-  </p:timing>
-</p:sld>
-</file>
-
-<file path=ppt/slides/slide41.xml><?xml version="1.0" encoding="utf-8"?>
-<p:sld xmlns:a="http://schemas.openxmlformats.org/drawingml/2006/main" xmlns:r="http://schemas.openxmlformats.org/officeDocument/2006/relationships" xmlns:p="http://schemas.openxmlformats.org/presentationml/2006/main">
-  <p:cSld>
-    <p:spTree>
-      <p:nvGrpSpPr>
-        <p:cNvPr id="1" name=""/>
-        <p:cNvGrpSpPr/>
-        <p:nvPr/>
-      </p:nvGrpSpPr>
-      <p:grpSpPr>
-        <a:xfrm>
-          <a:off x="0" y="0"/>
-          <a:ext cx="0" cy="0"/>
-          <a:chOff x="0" y="0"/>
-          <a:chExt cx="0" cy="0"/>
-        </a:xfrm>
-      </p:grpSpPr>
-      <p:sp>
-        <p:nvSpPr>
-          <p:cNvPr id="2" name="Titel 1"/>
-          <p:cNvSpPr>
-            <a:spLocks noGrp="1"/>
-          </p:cNvSpPr>
-          <p:nvPr>
-            <p:ph type="title"/>
-          </p:nvPr>
-        </p:nvSpPr>
-        <p:spPr/>
-        <p:txBody>
-          <a:bodyPr/>
-          <a:lstStyle/>
-          <a:p>
-            <a:r>
-              <a:rPr lang="de-DE" dirty="0" smtClean="0"/>
-              <a:t>T-Test</a:t>
-            </a:r>
-            <a:r>
-              <a:rPr lang="de-DE" dirty="0"/>
-              <a:t> </a:t>
-            </a:r>
-            <a:r>
-              <a:rPr lang="de-DE" dirty="0" err="1" smtClean="0"/>
-              <a:t>by</a:t>
-            </a:r>
-            <a:r>
-              <a:rPr lang="de-DE" dirty="0" smtClean="0"/>
-              <a:t> Hand (1)</a:t>
-            </a:r>
-            <a:endParaRPr lang="en-US" dirty="0"/>
-          </a:p>
-        </p:txBody>
-      </p:sp>
-      <p:sp>
-        <p:nvSpPr>
-          <p:cNvPr id="3" name="Inhaltsplatzhalter 2"/>
-          <p:cNvSpPr>
-            <a:spLocks noGrp="1"/>
-          </p:cNvSpPr>
-          <p:nvPr>
-            <p:ph idx="1"/>
-          </p:nvPr>
-        </p:nvSpPr>
-        <p:spPr/>
-        <p:txBody>
-          <a:bodyPr/>
-          <a:lstStyle/>
-          <a:p>
-            <a:r>
-              <a:rPr lang="de-DE" dirty="0" err="1" smtClean="0"/>
-              <a:t>Computation</a:t>
-            </a:r>
-            <a:r>
-              <a:rPr lang="de-DE" dirty="0" smtClean="0"/>
-              <a:t> </a:t>
-            </a:r>
-            <a:r>
-              <a:rPr lang="de-DE" dirty="0" err="1" smtClean="0"/>
-              <a:t>of</a:t>
-            </a:r>
-            <a:r>
-              <a:rPr lang="de-DE" dirty="0" smtClean="0"/>
-              <a:t> </a:t>
-            </a:r>
-            <a:r>
-              <a:rPr lang="de-DE" dirty="0" err="1" smtClean="0"/>
-              <a:t>test</a:t>
-            </a:r>
-            <a:r>
-              <a:rPr lang="de-DE" dirty="0" smtClean="0"/>
-              <a:t> </a:t>
-            </a:r>
-            <a:r>
-              <a:rPr lang="de-DE" dirty="0" err="1" smtClean="0"/>
-              <a:t>value</a:t>
-            </a:r>
-            <a:endParaRPr lang="de-DE" dirty="0" smtClean="0"/>
-          </a:p>
-          <a:p>
-            <a:endParaRPr lang="en-US" dirty="0"/>
-          </a:p>
-        </p:txBody>
-      </p:sp>
-      <p:sp>
-        <p:nvSpPr>
-          <p:cNvPr id="4" name="Foliennummernplatzhalter 3"/>
-          <p:cNvSpPr>
-            <a:spLocks noGrp="1"/>
-          </p:cNvSpPr>
-          <p:nvPr>
-            <p:ph type="sldNum" sz="quarter" idx="12"/>
-          </p:nvPr>
-        </p:nvSpPr>
-        <p:spPr/>
-        <p:txBody>
-          <a:bodyPr/>
-          <a:lstStyle/>
-          <a:p>
-            <a:fld id="{6C6AE60A-B69C-4790-82F7-3882EDF23186}" type="slidenum">
-              <a:rPr lang="de-DE" smtClean="0"/>
-              <a:pPr/>
-              <a:t>41</a:t>
-            </a:fld>
-            <a:endParaRPr lang="de-DE"/>
-          </a:p>
-        </p:txBody>
-      </p:sp>
-      <p:graphicFrame>
-        <p:nvGraphicFramePr>
-          <p:cNvPr id="5" name="Objekt 4"/>
-          <p:cNvGraphicFramePr>
-            <a:graphicFrameLocks noChangeAspect="1"/>
-          </p:cNvGraphicFramePr>
-          <p:nvPr/>
-        </p:nvGraphicFramePr>
-        <p:xfrm>
-          <a:off x="3167042" y="2285992"/>
+          <a:off x="3215680" y="2893215"/>
           <a:ext cx="1643074" cy="1209054"/>
         </p:xfrm>
         <a:graphic>
           <a:graphicData uri="http://schemas.openxmlformats.org/presentationml/2006/ole">
             <mc:AlternateContent xmlns:mc="http://schemas.openxmlformats.org/markup-compatibility/2006">
               <mc:Choice xmlns:v="urn:schemas-microsoft-com:vml" Requires="v">
-                <p:oleObj spid="_x0000_s72774" name="Formel" r:id="rId3" imgW="672840" imgH="495000" progId="Equation.3">
+                <p:oleObj spid="_x0000_s72778" name="Formel" r:id="rId3" imgW="672840" imgH="495000" progId="Equation.3">
                   <p:embed/>
                 </p:oleObj>
               </mc:Choice>
@@ -24998,7 +23108,7 @@
                     </p:blipFill>
                     <p:spPr bwMode="auto">
                       <a:xfrm>
-                        <a:off x="3167042" y="2285992"/>
+                        <a:off x="3215680" y="2893215"/>
                         <a:ext cx="1643074" cy="1209054"/>
                       </a:xfrm>
                       <a:prstGeom prst="rect">
@@ -25028,17 +23138,23 @@
           <p:cNvGraphicFramePr>
             <a:graphicFrameLocks noChangeAspect="1"/>
           </p:cNvGraphicFramePr>
-          <p:nvPr/>
+          <p:nvPr>
+            <p:extLst>
+              <p:ext uri="{D42A27DB-BD31-4B8C-83A1-F6EECF244321}">
+                <p14:modId xmlns:p14="http://schemas.microsoft.com/office/powerpoint/2010/main" val="1883664941"/>
+              </p:ext>
+            </p:extLst>
+          </p:nvPr>
         </p:nvGraphicFramePr>
         <p:xfrm>
-          <a:off x="3016250" y="3849688"/>
+          <a:off x="3071664" y="4653136"/>
           <a:ext cx="6364288" cy="1446212"/>
         </p:xfrm>
         <a:graphic>
           <a:graphicData uri="http://schemas.openxmlformats.org/presentationml/2006/ole">
             <mc:AlternateContent xmlns:mc="http://schemas.openxmlformats.org/markup-compatibility/2006">
               <mc:Choice xmlns:v="urn:schemas-microsoft-com:vml" Requires="v">
-                <p:oleObj spid="_x0000_s72775" name="Formel" r:id="rId5" imgW="3073320" imgH="698400" progId="Equation.3">
+                <p:oleObj spid="_x0000_s72779" name="Formel" r:id="rId5" imgW="3073320" imgH="698400" progId="Equation.3">
                   <p:embed/>
                 </p:oleObj>
               </mc:Choice>
@@ -25068,7 +23184,7 @@
                     </p:blipFill>
                     <p:spPr bwMode="auto">
                       <a:xfrm>
-                        <a:off x="3016250" y="3849688"/>
+                        <a:off x="3071664" y="4653136"/>
                         <a:ext cx="6364288" cy="1446212"/>
                       </a:xfrm>
                       <a:prstGeom prst="rect">
@@ -25092,76 +23208,6 @@
           </a:graphicData>
         </a:graphic>
       </p:graphicFrame>
-      <p:sp>
-        <p:nvSpPr>
-          <p:cNvPr id="7" name="Rechteck 6"/>
-          <p:cNvSpPr/>
-          <p:nvPr/>
-        </p:nvSpPr>
-        <p:spPr>
-          <a:xfrm>
-            <a:off x="5953124" y="2571744"/>
-            <a:ext cx="4000528" cy="642942"/>
-          </a:xfrm>
-          <a:prstGeom prst="rect">
-            <a:avLst/>
-          </a:prstGeom>
-          <a:noFill/>
-          <a:ln>
-            <a:noFill/>
-          </a:ln>
-        </p:spPr>
-        <p:style>
-          <a:lnRef idx="2">
-            <a:schemeClr val="accent1">
-              <a:shade val="50000"/>
-            </a:schemeClr>
-          </a:lnRef>
-          <a:fillRef idx="1">
-            <a:schemeClr val="accent1"/>
-          </a:fillRef>
-          <a:effectRef idx="0">
-            <a:schemeClr val="accent1"/>
-          </a:effectRef>
-          <a:fontRef idx="minor">
-            <a:schemeClr val="lt1"/>
-          </a:fontRef>
-        </p:style>
-        <p:txBody>
-          <a:bodyPr rtlCol="0" anchor="ctr"/>
-          <a:lstStyle/>
-          <a:p>
-            <a:r>
-              <a:rPr lang="de-DE" dirty="0" smtClean="0">
-                <a:solidFill>
-                  <a:schemeClr val="tx1"/>
-                </a:solidFill>
-              </a:rPr>
-              <a:t>rt.csv:</a:t>
-            </a:r>
-            <a:endParaRPr lang="de-DE" dirty="0">
-              <a:solidFill>
-                <a:schemeClr val="tx1"/>
-              </a:solidFill>
-            </a:endParaRPr>
-          </a:p>
-          <a:p>
-            <a:r>
-              <a:rPr lang="de-DE" dirty="0">
-                <a:solidFill>
-                  <a:schemeClr val="tx1"/>
-                </a:solidFill>
-              </a:rPr>
-              <a:t>t = 1.522</a:t>
-            </a:r>
-            <a:endParaRPr lang="en-US" dirty="0">
-              <a:solidFill>
-                <a:schemeClr val="tx1"/>
-              </a:solidFill>
-            </a:endParaRPr>
-          </a:p>
-        </p:txBody>
-      </p:sp>
     </p:spTree>
     <p:extLst>
       <p:ext uri="{BB962C8B-B14F-4D97-AF65-F5344CB8AC3E}">
@@ -25225,51 +23271,6 @@
                       </p:childTnLst>
                     </p:cTn>
                   </p:par>
-                  <p:par>
-                    <p:cTn id="7" fill="hold">
-                      <p:stCondLst>
-                        <p:cond delay="indefinite"/>
-                      </p:stCondLst>
-                      <p:childTnLst>
-                        <p:par>
-                          <p:cTn id="8" fill="hold">
-                            <p:stCondLst>
-                              <p:cond delay="0"/>
-                            </p:stCondLst>
-                            <p:childTnLst>
-                              <p:par>
-                                <p:cTn id="9" presetID="1" presetClass="entr" presetSubtype="0" fill="hold" grpId="0" nodeType="clickEffect">
-                                  <p:stCondLst>
-                                    <p:cond delay="0"/>
-                                  </p:stCondLst>
-                                  <p:childTnLst>
-                                    <p:set>
-                                      <p:cBhvr>
-                                        <p:cTn id="10" dur="1" fill="hold">
-                                          <p:stCondLst>
-                                            <p:cond delay="0"/>
-                                          </p:stCondLst>
-                                        </p:cTn>
-                                        <p:tgtEl>
-                                          <p:spTgt spid="7"/>
-                                        </p:tgtEl>
-                                        <p:attrNameLst>
-                                          <p:attrName>style.visibility</p:attrName>
-                                        </p:attrNameLst>
-                                      </p:cBhvr>
-                                      <p:to>
-                                        <p:strVal val="visible"/>
-                                      </p:to>
-                                    </p:set>
-                                  </p:childTnLst>
-                                </p:cTn>
-                              </p:par>
-                            </p:childTnLst>
-                          </p:cTn>
-                        </p:par>
-                      </p:childTnLst>
-                    </p:cTn>
-                  </p:par>
                 </p:childTnLst>
               </p:cTn>
               <p:prevCondLst>
@@ -25291,14 +23292,11 @@
         </p:cTn>
       </p:par>
     </p:tnLst>
-    <p:bldLst>
-      <p:bldP spid="7" grpId="0"/>
-    </p:bldLst>
   </p:timing>
 </p:sld>
 </file>
 
-<file path=ppt/slides/slide42.xml><?xml version="1.0" encoding="utf-8"?>
+<file path=ppt/slides/slide39.xml><?xml version="1.0" encoding="utf-8"?>
 <p:sld xmlns:a="http://schemas.openxmlformats.org/drawingml/2006/main" xmlns:r="http://schemas.openxmlformats.org/officeDocument/2006/relationships" xmlns:p="http://schemas.openxmlformats.org/presentationml/2006/main">
   <p:cSld>
     <p:spTree>
@@ -25586,7 +23584,7 @@
             <a:fld id="{6C6AE60A-B69C-4790-82F7-3882EDF23186}" type="slidenum">
               <a:rPr lang="de-DE" smtClean="0"/>
               <a:pPr/>
-              <a:t>42</a:t>
+              <a:t>39</a:t>
             </a:fld>
             <a:endParaRPr lang="de-DE"/>
           </a:p>
@@ -25608,7 +23606,7 @@
           <a:graphicData uri="http://schemas.openxmlformats.org/presentationml/2006/ole">
             <mc:AlternateContent xmlns:mc="http://schemas.openxmlformats.org/markup-compatibility/2006">
               <mc:Choice xmlns:v="urn:schemas-microsoft-com:vml" Requires="v">
-                <p:oleObj spid="_x0000_s73794" name="Formel" r:id="rId3" imgW="977760" imgH="241200" progId="Equation.3">
+                <p:oleObj spid="_x0000_s73798" name="Formel" r:id="rId3" imgW="977760" imgH="241200" progId="Equation.3">
                   <p:embed/>
                 </p:oleObj>
               </mc:Choice>
@@ -25680,7 +23678,7 @@
           <a:graphicData uri="http://schemas.openxmlformats.org/presentationml/2006/ole">
             <mc:AlternateContent xmlns:mc="http://schemas.openxmlformats.org/markup-compatibility/2006">
               <mc:Choice xmlns:v="urn:schemas-microsoft-com:vml" Requires="v">
-                <p:oleObj spid="_x0000_s73795" name="Formel" r:id="rId5" imgW="482400" imgH="241200" progId="Equation.3">
+                <p:oleObj spid="_x0000_s73799" name="Formel" r:id="rId5" imgW="482400" imgH="241200" progId="Equation.3">
                   <p:embed/>
                 </p:oleObj>
               </mc:Choice>
@@ -26110,6 +24108,1902 @@
 </p:sld>
 </file>
 
+<file path=ppt/slides/slide4.xml><?xml version="1.0" encoding="utf-8"?>
+<p:sld xmlns:a="http://schemas.openxmlformats.org/drawingml/2006/main" xmlns:r="http://schemas.openxmlformats.org/officeDocument/2006/relationships" xmlns:p="http://schemas.openxmlformats.org/presentationml/2006/main">
+  <p:cSld>
+    <p:spTree>
+      <p:nvGrpSpPr>
+        <p:cNvPr id="1" name=""/>
+        <p:cNvGrpSpPr/>
+        <p:nvPr/>
+      </p:nvGrpSpPr>
+      <p:grpSpPr>
+        <a:xfrm>
+          <a:off x="0" y="0"/>
+          <a:ext cx="0" cy="0"/>
+          <a:chOff x="0" y="0"/>
+          <a:chExt cx="0" cy="0"/>
+        </a:xfrm>
+      </p:grpSpPr>
+      <p:sp>
+        <p:nvSpPr>
+          <p:cNvPr id="2" name="Titel 1"/>
+          <p:cNvSpPr>
+            <a:spLocks noGrp="1"/>
+          </p:cNvSpPr>
+          <p:nvPr>
+            <p:ph type="title"/>
+          </p:nvPr>
+        </p:nvSpPr>
+        <p:spPr/>
+        <p:txBody>
+          <a:bodyPr/>
+          <a:lstStyle/>
+          <a:p>
+            <a:r>
+              <a:rPr lang="de-DE" dirty="0" smtClean="0"/>
+              <a:t>Goals</a:t>
+            </a:r>
+            <a:endParaRPr lang="de-DE" dirty="0"/>
+          </a:p>
+        </p:txBody>
+      </p:sp>
+      <p:sp>
+        <p:nvSpPr>
+          <p:cNvPr id="5" name="Inhaltsplatzhalter 4"/>
+          <p:cNvSpPr>
+            <a:spLocks noGrp="1"/>
+          </p:cNvSpPr>
+          <p:nvPr>
+            <p:ph idx="1"/>
+          </p:nvPr>
+        </p:nvSpPr>
+        <p:spPr/>
+        <p:txBody>
+          <a:bodyPr/>
+          <a:lstStyle/>
+          <a:p>
+            <a:r>
+              <a:rPr lang="en-US" dirty="0" smtClean="0"/>
+              <a:t>Understand difficulties of performance analyses</a:t>
+            </a:r>
+          </a:p>
+          <a:p>
+            <a:endParaRPr lang="en-US" dirty="0" smtClean="0"/>
+          </a:p>
+          <a:p>
+            <a:r>
+              <a:rPr lang="en-US" dirty="0" smtClean="0"/>
+              <a:t>Evaluate performance analyses</a:t>
+            </a:r>
+          </a:p>
+          <a:p>
+            <a:endParaRPr lang="de-DE" dirty="0"/>
+          </a:p>
+          <a:p>
+            <a:r>
+              <a:rPr lang="de-DE" dirty="0" err="1" smtClean="0"/>
+              <a:t>Get</a:t>
+            </a:r>
+            <a:r>
+              <a:rPr lang="de-DE" dirty="0" smtClean="0"/>
+              <a:t> a </a:t>
+            </a:r>
+            <a:r>
+              <a:rPr lang="de-DE" dirty="0" err="1" smtClean="0"/>
+              <a:t>first</a:t>
+            </a:r>
+            <a:r>
+              <a:rPr lang="de-DE" dirty="0" smtClean="0"/>
+              <a:t> </a:t>
+            </a:r>
+            <a:r>
+              <a:rPr lang="de-DE" dirty="0" err="1" smtClean="0"/>
+              <a:t>impression</a:t>
+            </a:r>
+            <a:r>
+              <a:rPr lang="de-DE" dirty="0" smtClean="0"/>
+              <a:t> </a:t>
+            </a:r>
+            <a:r>
+              <a:rPr lang="de-DE" dirty="0" err="1" smtClean="0"/>
+              <a:t>of</a:t>
+            </a:r>
+            <a:r>
+              <a:rPr lang="de-DE" dirty="0" smtClean="0"/>
+              <a:t> </a:t>
+            </a:r>
+            <a:r>
+              <a:rPr lang="de-DE" dirty="0" err="1" smtClean="0"/>
+              <a:t>statistical</a:t>
+            </a:r>
+            <a:r>
+              <a:rPr lang="de-DE" dirty="0" smtClean="0"/>
+              <a:t> </a:t>
+            </a:r>
+            <a:r>
+              <a:rPr lang="de-DE" dirty="0" err="1" smtClean="0"/>
+              <a:t>tests</a:t>
+            </a:r>
+            <a:endParaRPr lang="en-US" dirty="0"/>
+          </a:p>
+        </p:txBody>
+      </p:sp>
+      <p:sp>
+        <p:nvSpPr>
+          <p:cNvPr id="6" name="Foliennummernplatzhalter 5"/>
+          <p:cNvSpPr>
+            <a:spLocks noGrp="1"/>
+          </p:cNvSpPr>
+          <p:nvPr>
+            <p:ph type="sldNum" sz="quarter" idx="12"/>
+          </p:nvPr>
+        </p:nvSpPr>
+        <p:spPr/>
+        <p:txBody>
+          <a:bodyPr/>
+          <a:lstStyle/>
+          <a:p>
+            <a:fld id="{6C6AE60A-B69C-4790-82F7-3882EDF23186}" type="slidenum">
+              <a:rPr lang="de-DE" smtClean="0"/>
+              <a:pPr/>
+              <a:t>4</a:t>
+            </a:fld>
+            <a:endParaRPr lang="de-DE"/>
+          </a:p>
+        </p:txBody>
+      </p:sp>
+    </p:spTree>
+  </p:cSld>
+  <p:clrMapOvr>
+    <a:masterClrMapping/>
+  </p:clrMapOvr>
+  <p:timing>
+    <p:tnLst>
+      <p:par>
+        <p:cTn id="1" dur="indefinite" restart="never" nodeType="tmRoot"/>
+      </p:par>
+    </p:tnLst>
+  </p:timing>
+</p:sld>
+</file>
+
+<file path=ppt/slides/slide40.xml><?xml version="1.0" encoding="utf-8"?>
+<p:sld xmlns:a="http://schemas.openxmlformats.org/drawingml/2006/main" xmlns:r="http://schemas.openxmlformats.org/officeDocument/2006/relationships" xmlns:p="http://schemas.openxmlformats.org/presentationml/2006/main">
+  <p:cSld>
+    <p:spTree>
+      <p:nvGrpSpPr>
+        <p:cNvPr id="1" name=""/>
+        <p:cNvGrpSpPr/>
+        <p:nvPr/>
+      </p:nvGrpSpPr>
+      <p:grpSpPr>
+        <a:xfrm>
+          <a:off x="0" y="0"/>
+          <a:ext cx="0" cy="0"/>
+          <a:chOff x="0" y="0"/>
+          <a:chExt cx="0" cy="0"/>
+        </a:xfrm>
+      </p:grpSpPr>
+      <p:sp>
+        <p:nvSpPr>
+          <p:cNvPr id="2" name="Titel 1"/>
+          <p:cNvSpPr>
+            <a:spLocks noGrp="1"/>
+          </p:cNvSpPr>
+          <p:nvPr>
+            <p:ph type="title"/>
+          </p:nvPr>
+        </p:nvSpPr>
+        <p:spPr/>
+        <p:txBody>
+          <a:bodyPr/>
+          <a:lstStyle/>
+          <a:p>
+            <a:r>
+              <a:rPr lang="en-US" smtClean="0"/>
+              <a:t>T-Test</a:t>
+            </a:r>
+            <a:endParaRPr lang="en-US"/>
+          </a:p>
+        </p:txBody>
+      </p:sp>
+      <p:sp>
+        <p:nvSpPr>
+          <p:cNvPr id="3" name="Inhaltsplatzhalter 2"/>
+          <p:cNvSpPr>
+            <a:spLocks noGrp="1"/>
+          </p:cNvSpPr>
+          <p:nvPr>
+            <p:ph idx="1"/>
+          </p:nvPr>
+        </p:nvSpPr>
+        <p:spPr/>
+        <p:txBody>
+          <a:bodyPr>
+            <a:normAutofit/>
+          </a:bodyPr>
+          <a:lstStyle/>
+          <a:p>
+            <a:r>
+              <a:rPr lang="de-DE" dirty="0" err="1" smtClean="0"/>
+              <a:t>Designed</a:t>
+            </a:r>
+            <a:r>
+              <a:rPr lang="de-DE" dirty="0" smtClean="0"/>
+              <a:t> </a:t>
+            </a:r>
+            <a:r>
+              <a:rPr lang="de-DE" dirty="0" err="1" smtClean="0"/>
+              <a:t>by</a:t>
+            </a:r>
+            <a:r>
+              <a:rPr lang="de-DE" dirty="0" smtClean="0"/>
+              <a:t> Student (William </a:t>
+            </a:r>
+            <a:r>
+              <a:rPr lang="de-DE" dirty="0" err="1" smtClean="0"/>
+              <a:t>Sealy</a:t>
+            </a:r>
+            <a:r>
+              <a:rPr lang="de-DE" dirty="0" smtClean="0"/>
+              <a:t> </a:t>
+            </a:r>
+            <a:r>
+              <a:rPr lang="de-DE" dirty="0" err="1" smtClean="0"/>
+              <a:t>Gosset</a:t>
+            </a:r>
+            <a:r>
+              <a:rPr lang="de-DE" dirty="0" smtClean="0"/>
+              <a:t>)</a:t>
+            </a:r>
+            <a:endParaRPr lang="en-US" dirty="0" smtClean="0"/>
+          </a:p>
+          <a:p>
+            <a:r>
+              <a:rPr lang="en-US" dirty="0" err="1" smtClean="0"/>
+              <a:t>Comparision</a:t>
+            </a:r>
+            <a:r>
+              <a:rPr lang="en-US" dirty="0" smtClean="0"/>
+              <a:t> of two measurements</a:t>
+            </a:r>
+          </a:p>
+          <a:p>
+            <a:endParaRPr lang="en-US" dirty="0" smtClean="0"/>
+          </a:p>
+          <a:p>
+            <a:endParaRPr lang="en-US" dirty="0" smtClean="0"/>
+          </a:p>
+          <a:p>
+            <a:endParaRPr lang="en-US" dirty="0" smtClean="0"/>
+          </a:p>
+          <a:p>
+            <a:endParaRPr lang="en-US" dirty="0" smtClean="0"/>
+          </a:p>
+          <a:p>
+            <a:endParaRPr lang="en-US" dirty="0" smtClean="0"/>
+          </a:p>
+          <a:p>
+            <a:pPr>
+              <a:buNone/>
+            </a:pPr>
+            <a:endParaRPr lang="en-US" dirty="0" smtClean="0"/>
+          </a:p>
+        </p:txBody>
+      </p:sp>
+      <p:sp>
+        <p:nvSpPr>
+          <p:cNvPr id="4" name="Foliennummernplatzhalter 3"/>
+          <p:cNvSpPr>
+            <a:spLocks noGrp="1"/>
+          </p:cNvSpPr>
+          <p:nvPr>
+            <p:ph type="sldNum" sz="quarter" idx="12"/>
+          </p:nvPr>
+        </p:nvSpPr>
+        <p:spPr/>
+        <p:txBody>
+          <a:bodyPr/>
+          <a:lstStyle/>
+          <a:p>
+            <a:fld id="{6C6AE60A-B69C-4790-82F7-3882EDF23186}" type="slidenum">
+              <a:rPr lang="de-DE" smtClean="0"/>
+              <a:pPr/>
+              <a:t>40</a:t>
+            </a:fld>
+            <a:endParaRPr lang="de-DE"/>
+          </a:p>
+        </p:txBody>
+      </p:sp>
+      <p:graphicFrame>
+        <p:nvGraphicFramePr>
+          <p:cNvPr id="8" name="Tabelle 7"/>
+          <p:cNvGraphicFramePr>
+            <a:graphicFrameLocks noGrp="1"/>
+          </p:cNvGraphicFramePr>
+          <p:nvPr>
+            <p:extLst/>
+          </p:nvPr>
+        </p:nvGraphicFramePr>
+        <p:xfrm>
+          <a:off x="2452662" y="3304504"/>
+          <a:ext cx="7286676" cy="2696264"/>
+        </p:xfrm>
+        <a:graphic>
+          <a:graphicData uri="http://schemas.openxmlformats.org/drawingml/2006/table">
+            <a:tbl>
+              <a:tblPr firstRow="1" bandRow="1">
+                <a:tableStyleId>{5940675A-B579-460E-94D1-54222C63F5DA}</a:tableStyleId>
+              </a:tblPr>
+              <a:tblGrid>
+                <a:gridCol w="3643338">
+                  <a:extLst>
+                    <a:ext uri="{9D8B030D-6E8A-4147-A177-3AD203B41FA5}">
+                      <a16:colId xmlns:a16="http://schemas.microsoft.com/office/drawing/2014/main" val="20000"/>
+                    </a:ext>
+                  </a:extLst>
+                </a:gridCol>
+                <a:gridCol w="3643338">
+                  <a:extLst>
+                    <a:ext uri="{9D8B030D-6E8A-4147-A177-3AD203B41FA5}">
+                      <a16:colId xmlns:a16="http://schemas.microsoft.com/office/drawing/2014/main" val="20001"/>
+                    </a:ext>
+                  </a:extLst>
+                </a:gridCol>
+              </a:tblGrid>
+              <a:tr h="618838">
+                <a:tc>
+                  <a:txBody>
+                    <a:bodyPr/>
+                    <a:lstStyle/>
+                    <a:p>
+                      <a:pPr marL="0" marR="0" indent="0" algn="l" defTabSz="914400" rtl="0" eaLnBrk="1" fontAlgn="auto" latinLnBrk="0" hangingPunct="1">
+                        <a:lnSpc>
+                          <a:spcPct val="100000"/>
+                        </a:lnSpc>
+                        <a:spcBef>
+                          <a:spcPts val="0"/>
+                        </a:spcBef>
+                        <a:spcAft>
+                          <a:spcPts val="0"/>
+                        </a:spcAft>
+                        <a:buClrTx/>
+                        <a:buSzTx/>
+                        <a:buFontTx/>
+                        <a:buNone/>
+                        <a:tabLst/>
+                        <a:defRPr/>
+                      </a:pPr>
+                      <a:r>
+                        <a:rPr lang="en-US" b="1" dirty="0" smtClean="0"/>
+                        <a:t>Null hypothesis (H</a:t>
+                      </a:r>
+                      <a:r>
+                        <a:rPr lang="en-US" b="1" baseline="-25000" dirty="0" smtClean="0"/>
+                        <a:t>0</a:t>
+                      </a:r>
+                      <a:r>
+                        <a:rPr lang="en-US" b="1" dirty="0" smtClean="0"/>
+                        <a:t>)</a:t>
+                      </a:r>
+                    </a:p>
+                  </a:txBody>
+                  <a:tcPr>
+                    <a:solidFill>
+                      <a:schemeClr val="bg1">
+                        <a:lumMod val="85000"/>
+                      </a:schemeClr>
+                    </a:solidFill>
+                  </a:tcPr>
+                </a:tc>
+                <a:tc>
+                  <a:txBody>
+                    <a:bodyPr/>
+                    <a:lstStyle/>
+                    <a:p>
+                      <a:pPr marL="0" marR="0" indent="0" algn="l" defTabSz="914400" rtl="0" eaLnBrk="1" fontAlgn="auto" latinLnBrk="0" hangingPunct="1">
+                        <a:lnSpc>
+                          <a:spcPct val="100000"/>
+                        </a:lnSpc>
+                        <a:spcBef>
+                          <a:spcPts val="0"/>
+                        </a:spcBef>
+                        <a:spcAft>
+                          <a:spcPts val="0"/>
+                        </a:spcAft>
+                        <a:buClrTx/>
+                        <a:buSzTx/>
+                        <a:buFontTx/>
+                        <a:buNone/>
+                        <a:tabLst/>
+                        <a:defRPr/>
+                      </a:pPr>
+                      <a:r>
+                        <a:rPr lang="en-US" b="1" dirty="0" smtClean="0"/>
+                        <a:t>Alternative</a:t>
+                      </a:r>
+                      <a:r>
+                        <a:rPr lang="en-US" b="1" baseline="0" dirty="0" smtClean="0"/>
+                        <a:t> hypothesis</a:t>
+                      </a:r>
+                      <a:r>
+                        <a:rPr lang="en-US" b="1" dirty="0" smtClean="0"/>
+                        <a:t> (H</a:t>
+                      </a:r>
+                      <a:r>
+                        <a:rPr lang="en-US" b="1" baseline="-25000" dirty="0" smtClean="0"/>
+                        <a:t>1</a:t>
+                      </a:r>
+                      <a:r>
+                        <a:rPr lang="en-US" b="1" dirty="0" smtClean="0"/>
+                        <a:t>)</a:t>
+                      </a:r>
+                    </a:p>
+                    <a:p>
+                      <a:endParaRPr lang="en-US" b="1" dirty="0"/>
+                    </a:p>
+                  </a:txBody>
+                  <a:tcPr>
+                    <a:solidFill>
+                      <a:schemeClr val="bg1">
+                        <a:lumMod val="85000"/>
+                      </a:schemeClr>
+                    </a:solidFill>
+                  </a:tcPr>
+                </a:tc>
+                <a:extLst>
+                  <a:ext uri="{0D108BD9-81ED-4DB2-BD59-A6C34878D82A}">
+                    <a16:rowId xmlns:a16="http://schemas.microsoft.com/office/drawing/2014/main" val="10000"/>
+                  </a:ext>
+                </a:extLst>
+              </a:tr>
+              <a:tr h="502928">
+                <a:tc gridSpan="2">
+                  <a:txBody>
+                    <a:bodyPr/>
+                    <a:lstStyle/>
+                    <a:p>
+                      <a:pPr marL="0" marR="0" lvl="1" indent="0" algn="ctr" defTabSz="914400" rtl="0" eaLnBrk="1" fontAlgn="auto" latinLnBrk="0" hangingPunct="1">
+                        <a:lnSpc>
+                          <a:spcPct val="100000"/>
+                        </a:lnSpc>
+                        <a:spcBef>
+                          <a:spcPts val="0"/>
+                        </a:spcBef>
+                        <a:spcAft>
+                          <a:spcPts val="0"/>
+                        </a:spcAft>
+                        <a:buClrTx/>
+                        <a:buSzTx/>
+                        <a:buFontTx/>
+                        <a:buNone/>
+                        <a:tabLst/>
+                        <a:defRPr/>
+                      </a:pPr>
+                      <a:r>
+                        <a:rPr lang="de-DE" dirty="0" smtClean="0"/>
+                        <a:t>Statistical </a:t>
+                      </a:r>
+                      <a:r>
+                        <a:rPr lang="de-DE" dirty="0" err="1" smtClean="0"/>
+                        <a:t>hypotheses</a:t>
+                      </a:r>
+                      <a:endParaRPr lang="en-US" dirty="0"/>
+                    </a:p>
+                  </a:txBody>
+                  <a:tcPr/>
+                </a:tc>
+                <a:tc hMerge="1">
+                  <a:txBody>
+                    <a:bodyPr/>
+                    <a:lstStyle/>
+                    <a:p>
+                      <a:endParaRPr lang="en-US"/>
+                    </a:p>
+                  </a:txBody>
+                  <a:tcPr/>
+                </a:tc>
+                <a:extLst>
+                  <a:ext uri="{0D108BD9-81ED-4DB2-BD59-A6C34878D82A}">
+                    <a16:rowId xmlns:a16="http://schemas.microsoft.com/office/drawing/2014/main" val="10001"/>
+                  </a:ext>
+                </a:extLst>
+              </a:tr>
+              <a:tr h="934418">
+                <a:tc>
+                  <a:txBody>
+                    <a:bodyPr/>
+                    <a:lstStyle/>
+                    <a:p>
+                      <a:pPr marL="0" marR="0" lvl="1" indent="0" algn="l" defTabSz="914400" rtl="0" eaLnBrk="1" fontAlgn="auto" latinLnBrk="0" hangingPunct="1">
+                        <a:lnSpc>
+                          <a:spcPct val="100000"/>
+                        </a:lnSpc>
+                        <a:spcBef>
+                          <a:spcPts val="0"/>
+                        </a:spcBef>
+                        <a:spcAft>
+                          <a:spcPts val="0"/>
+                        </a:spcAft>
+                        <a:buClrTx/>
+                        <a:buSzTx/>
+                        <a:buFontTx/>
+                        <a:buNone/>
+                        <a:tabLst/>
+                        <a:defRPr/>
+                      </a:pPr>
+                      <a:r>
+                        <a:rPr lang="de-DE" dirty="0" err="1" smtClean="0"/>
+                        <a:t>Measurements</a:t>
+                      </a:r>
+                      <a:r>
+                        <a:rPr lang="de-DE" baseline="0" dirty="0" smtClean="0"/>
+                        <a:t> do not </a:t>
+                      </a:r>
+                      <a:r>
+                        <a:rPr lang="de-DE" baseline="0" dirty="0" err="1" smtClean="0"/>
+                        <a:t>differ</a:t>
+                      </a:r>
+                      <a:r>
+                        <a:rPr lang="de-DE" baseline="0" dirty="0" smtClean="0"/>
+                        <a:t>, i.e., </a:t>
+                      </a:r>
+                      <a:r>
+                        <a:rPr lang="de-DE" baseline="0" dirty="0" err="1" smtClean="0"/>
+                        <a:t>they</a:t>
+                      </a:r>
+                      <a:r>
+                        <a:rPr lang="de-DE" baseline="0" dirty="0" smtClean="0"/>
+                        <a:t> </a:t>
+                      </a:r>
+                      <a:r>
+                        <a:rPr lang="de-DE" baseline="0" dirty="0" err="1" smtClean="0"/>
+                        <a:t>come</a:t>
+                      </a:r>
+                      <a:r>
+                        <a:rPr lang="de-DE" baseline="0" dirty="0" smtClean="0"/>
+                        <a:t> </a:t>
+                      </a:r>
+                      <a:r>
+                        <a:rPr lang="de-DE" baseline="0" dirty="0" err="1" smtClean="0"/>
+                        <a:t>from</a:t>
+                      </a:r>
+                      <a:r>
+                        <a:rPr lang="de-DE" baseline="0" dirty="0" smtClean="0"/>
+                        <a:t> </a:t>
+                      </a:r>
+                      <a:r>
+                        <a:rPr lang="de-DE" baseline="0" dirty="0" err="1" smtClean="0"/>
+                        <a:t>the</a:t>
+                      </a:r>
+                      <a:r>
+                        <a:rPr lang="de-DE" baseline="0" dirty="0" smtClean="0"/>
+                        <a:t> same </a:t>
+                      </a:r>
+                      <a:r>
+                        <a:rPr lang="de-DE" baseline="0" dirty="0" err="1" smtClean="0"/>
+                        <a:t>population</a:t>
+                      </a:r>
+                      <a:endParaRPr lang="en-US" dirty="0" smtClean="0"/>
+                    </a:p>
+                    <a:p>
+                      <a:pPr marL="0" marR="0" lvl="1" indent="0" algn="l" defTabSz="914400" rtl="0" eaLnBrk="1" fontAlgn="auto" latinLnBrk="0" hangingPunct="1">
+                        <a:lnSpc>
+                          <a:spcPct val="100000"/>
+                        </a:lnSpc>
+                        <a:spcBef>
+                          <a:spcPts val="0"/>
+                        </a:spcBef>
+                        <a:spcAft>
+                          <a:spcPts val="0"/>
+                        </a:spcAft>
+                        <a:buClrTx/>
+                        <a:buSzTx/>
+                        <a:buFontTx/>
+                        <a:buNone/>
+                        <a:tabLst/>
+                        <a:defRPr/>
+                      </a:pPr>
+                      <a:endParaRPr lang="en-US" dirty="0"/>
+                    </a:p>
+                  </a:txBody>
+                  <a:tcPr/>
+                </a:tc>
+                <a:tc>
+                  <a:txBody>
+                    <a:bodyPr/>
+                    <a:lstStyle/>
+                    <a:p>
+                      <a:pPr marL="0" marR="0" lvl="1" indent="0" algn="l" defTabSz="914400" rtl="0" eaLnBrk="1" fontAlgn="auto" latinLnBrk="0" hangingPunct="1">
+                        <a:lnSpc>
+                          <a:spcPct val="100000"/>
+                        </a:lnSpc>
+                        <a:spcBef>
+                          <a:spcPts val="0"/>
+                        </a:spcBef>
+                        <a:spcAft>
+                          <a:spcPts val="0"/>
+                        </a:spcAft>
+                        <a:buClrTx/>
+                        <a:buSzTx/>
+                        <a:buFontTx/>
+                        <a:buNone/>
+                        <a:tabLst/>
+                        <a:defRPr/>
+                      </a:pPr>
+                      <a:r>
+                        <a:rPr lang="en-US" dirty="0" smtClean="0"/>
+                        <a:t>Data of both measurements</a:t>
+                      </a:r>
+                      <a:r>
+                        <a:rPr lang="en-US" baseline="0" dirty="0" smtClean="0"/>
+                        <a:t> are from different populations</a:t>
+                      </a:r>
+                      <a:endParaRPr lang="en-US" dirty="0" smtClean="0"/>
+                    </a:p>
+                    <a:p>
+                      <a:endParaRPr lang="en-US" dirty="0"/>
+                    </a:p>
+                  </a:txBody>
+                  <a:tcPr/>
+                </a:tc>
+                <a:extLst>
+                  <a:ext uri="{0D108BD9-81ED-4DB2-BD59-A6C34878D82A}">
+                    <a16:rowId xmlns:a16="http://schemas.microsoft.com/office/drawing/2014/main" val="10002"/>
+                  </a:ext>
+                </a:extLst>
+              </a:tr>
+              <a:tr h="618838">
+                <a:tc>
+                  <a:txBody>
+                    <a:bodyPr/>
+                    <a:lstStyle/>
+                    <a:p>
+                      <a:r>
+                        <a:rPr lang="en-US" smtClean="0"/>
+                        <a:t>Formal:</a:t>
+                      </a:r>
+                      <a:endParaRPr lang="en-US"/>
+                    </a:p>
+                  </a:txBody>
+                  <a:tcPr anchor="ctr"/>
+                </a:tc>
+                <a:tc>
+                  <a:txBody>
+                    <a:bodyPr/>
+                    <a:lstStyle/>
+                    <a:p>
+                      <a:pPr marL="0" marR="0" lvl="1" indent="0" algn="l" defTabSz="914400" rtl="0" eaLnBrk="1" fontAlgn="auto" latinLnBrk="0" hangingPunct="1">
+                        <a:lnSpc>
+                          <a:spcPct val="100000"/>
+                        </a:lnSpc>
+                        <a:spcBef>
+                          <a:spcPts val="0"/>
+                        </a:spcBef>
+                        <a:spcAft>
+                          <a:spcPts val="0"/>
+                        </a:spcAft>
+                        <a:buClrTx/>
+                        <a:buSzTx/>
+                        <a:buFontTx/>
+                        <a:buNone/>
+                        <a:tabLst/>
+                        <a:defRPr/>
+                      </a:pPr>
+                      <a:r>
+                        <a:rPr lang="en-US" dirty="0" smtClean="0"/>
+                        <a:t>Formal: </a:t>
+                      </a:r>
+                      <a:endParaRPr lang="en-US" dirty="0"/>
+                    </a:p>
+                  </a:txBody>
+                  <a:tcPr anchor="ctr"/>
+                </a:tc>
+                <a:extLst>
+                  <a:ext uri="{0D108BD9-81ED-4DB2-BD59-A6C34878D82A}">
+                    <a16:rowId xmlns:a16="http://schemas.microsoft.com/office/drawing/2014/main" val="10003"/>
+                  </a:ext>
+                </a:extLst>
+              </a:tr>
+            </a:tbl>
+          </a:graphicData>
+        </a:graphic>
+      </p:graphicFrame>
+      <p:graphicFrame>
+        <p:nvGraphicFramePr>
+          <p:cNvPr id="5" name="Objekt 4"/>
+          <p:cNvGraphicFramePr>
+            <a:graphicFrameLocks noChangeAspect="1"/>
+          </p:cNvGraphicFramePr>
+          <p:nvPr/>
+        </p:nvGraphicFramePr>
+        <p:xfrm>
+          <a:off x="3452794" y="5396260"/>
+          <a:ext cx="1571636" cy="551451"/>
+        </p:xfrm>
+        <a:graphic>
+          <a:graphicData uri="http://schemas.openxmlformats.org/presentationml/2006/ole">
+            <mc:AlternateContent xmlns:mc="http://schemas.openxmlformats.org/markup-compatibility/2006">
+              <mc:Choice xmlns:v="urn:schemas-microsoft-com:vml" Requires="v">
+                <p:oleObj spid="_x0000_s71758" name="Formel" r:id="rId3" imgW="723600" imgH="253800" progId="Equation.3">
+                  <p:embed/>
+                </p:oleObj>
+              </mc:Choice>
+              <mc:Fallback>
+                <p:oleObj name="Formel" r:id="rId3" imgW="723600" imgH="253800" progId="Equation.3">
+                  <p:embed/>
+                  <p:pic>
+                    <p:nvPicPr>
+                      <p:cNvPr id="5" name="Objekt 4"/>
+                      <p:cNvPicPr>
+                        <a:picLocks noChangeAspect="1" noChangeArrowheads="1"/>
+                      </p:cNvPicPr>
+                      <p:nvPr/>
+                    </p:nvPicPr>
+                    <p:blipFill>
+                      <a:blip r:embed="rId4">
+                        <a:extLst>
+                          <a:ext uri="{28A0092B-C50C-407E-A947-70E740481C1C}">
+                            <a14:useLocalDpi xmlns:a14="http://schemas.microsoft.com/office/drawing/2010/main" val="0"/>
+                          </a:ext>
+                        </a:extLst>
+                      </a:blip>
+                      <a:srcRect/>
+                      <a:stretch>
+                        <a:fillRect/>
+                      </a:stretch>
+                    </p:blipFill>
+                    <p:spPr bwMode="auto">
+                      <a:xfrm>
+                        <a:off x="3452794" y="5396260"/>
+                        <a:ext cx="1571636" cy="551451"/>
+                      </a:xfrm>
+                      <a:prstGeom prst="rect">
+                        <a:avLst/>
+                      </a:prstGeom>
+                      <a:noFill/>
+                      <a:extLst>
+                        <a:ext uri="{909E8E84-426E-40DD-AFC4-6F175D3DCCD1}">
+                          <a14:hiddenFill xmlns:a14="http://schemas.microsoft.com/office/drawing/2010/main">
+                            <a:solidFill>
+                              <a:srgbClr val="FFFFFF"/>
+                            </a:solidFill>
+                          </a14:hiddenFill>
+                        </a:ext>
+                      </a:extLst>
+                    </p:spPr>
+                  </p:pic>
+                </p:oleObj>
+              </mc:Fallback>
+            </mc:AlternateContent>
+          </a:graphicData>
+        </a:graphic>
+      </p:graphicFrame>
+      <p:graphicFrame>
+        <p:nvGraphicFramePr>
+          <p:cNvPr id="52228" name="Object 4"/>
+          <p:cNvGraphicFramePr>
+            <a:graphicFrameLocks noChangeAspect="1"/>
+          </p:cNvGraphicFramePr>
+          <p:nvPr/>
+        </p:nvGraphicFramePr>
+        <p:xfrm>
+          <a:off x="7096133" y="5396260"/>
+          <a:ext cx="1544637" cy="522287"/>
+        </p:xfrm>
+        <a:graphic>
+          <a:graphicData uri="http://schemas.openxmlformats.org/presentationml/2006/ole">
+            <mc:AlternateContent xmlns:mc="http://schemas.openxmlformats.org/markup-compatibility/2006">
+              <mc:Choice xmlns:v="urn:schemas-microsoft-com:vml" Requires="v">
+                <p:oleObj spid="_x0000_s71759" name="Formel" r:id="rId5" imgW="711000" imgH="241200" progId="Equation.3">
+                  <p:embed/>
+                </p:oleObj>
+              </mc:Choice>
+              <mc:Fallback>
+                <p:oleObj name="Formel" r:id="rId5" imgW="711000" imgH="241200" progId="Equation.3">
+                  <p:embed/>
+                  <p:pic>
+                    <p:nvPicPr>
+                      <p:cNvPr id="52228" name="Object 4"/>
+                      <p:cNvPicPr>
+                        <a:picLocks noChangeAspect="1" noChangeArrowheads="1"/>
+                      </p:cNvPicPr>
+                      <p:nvPr/>
+                    </p:nvPicPr>
+                    <p:blipFill>
+                      <a:blip r:embed="rId6">
+                        <a:extLst>
+                          <a:ext uri="{28A0092B-C50C-407E-A947-70E740481C1C}">
+                            <a14:useLocalDpi xmlns:a14="http://schemas.microsoft.com/office/drawing/2010/main" val="0"/>
+                          </a:ext>
+                        </a:extLst>
+                      </a:blip>
+                      <a:srcRect/>
+                      <a:stretch>
+                        <a:fillRect/>
+                      </a:stretch>
+                    </p:blipFill>
+                    <p:spPr bwMode="auto">
+                      <a:xfrm>
+                        <a:off x="7096133" y="5396260"/>
+                        <a:ext cx="1544637" cy="522287"/>
+                      </a:xfrm>
+                      <a:prstGeom prst="rect">
+                        <a:avLst/>
+                      </a:prstGeom>
+                      <a:noFill/>
+                      <a:extLst>
+                        <a:ext uri="{909E8E84-426E-40DD-AFC4-6F175D3DCCD1}">
+                          <a14:hiddenFill xmlns:a14="http://schemas.microsoft.com/office/drawing/2010/main">
+                            <a:solidFill>
+                              <a:srgbClr val="FFFFFF"/>
+                            </a:solidFill>
+                          </a14:hiddenFill>
+                        </a:ext>
+                      </a:extLst>
+                    </p:spPr>
+                  </p:pic>
+                </p:oleObj>
+              </mc:Fallback>
+            </mc:AlternateContent>
+          </a:graphicData>
+        </a:graphic>
+      </p:graphicFrame>
+    </p:spTree>
+    <p:extLst>
+      <p:ext uri="{BB962C8B-B14F-4D97-AF65-F5344CB8AC3E}">
+        <p14:creationId xmlns:p14="http://schemas.microsoft.com/office/powerpoint/2010/main" val="2742487058"/>
+      </p:ext>
+    </p:extLst>
+  </p:cSld>
+  <p:clrMapOvr>
+    <a:masterClrMapping/>
+  </p:clrMapOvr>
+  <p:timing>
+    <p:tnLst>
+      <p:par>
+        <p:cTn id="1" dur="indefinite" restart="never" nodeType="tmRoot"/>
+      </p:par>
+    </p:tnLst>
+  </p:timing>
+</p:sld>
+</file>
+
+<file path=ppt/slides/slide41.xml><?xml version="1.0" encoding="utf-8"?>
+<p:sld xmlns:a="http://schemas.openxmlformats.org/drawingml/2006/main" xmlns:r="http://schemas.openxmlformats.org/officeDocument/2006/relationships" xmlns:p="http://schemas.openxmlformats.org/presentationml/2006/main">
+  <p:cSld>
+    <p:spTree>
+      <p:nvGrpSpPr>
+        <p:cNvPr id="1" name=""/>
+        <p:cNvGrpSpPr/>
+        <p:nvPr/>
+      </p:nvGrpSpPr>
+      <p:grpSpPr>
+        <a:xfrm>
+          <a:off x="0" y="0"/>
+          <a:ext cx="0" cy="0"/>
+          <a:chOff x="0" y="0"/>
+          <a:chExt cx="0" cy="0"/>
+        </a:xfrm>
+      </p:grpSpPr>
+      <p:sp>
+        <p:nvSpPr>
+          <p:cNvPr id="2" name="Titel 1"/>
+          <p:cNvSpPr>
+            <a:spLocks noGrp="1"/>
+          </p:cNvSpPr>
+          <p:nvPr>
+            <p:ph type="title"/>
+          </p:nvPr>
+        </p:nvSpPr>
+        <p:spPr/>
+        <p:txBody>
+          <a:bodyPr/>
+          <a:lstStyle/>
+          <a:p>
+            <a:r>
+              <a:rPr lang="en-US" dirty="0" smtClean="0"/>
+              <a:t>T-Test: Result</a:t>
+            </a:r>
+            <a:endParaRPr lang="en-US" dirty="0"/>
+          </a:p>
+        </p:txBody>
+      </p:sp>
+      <p:sp>
+        <p:nvSpPr>
+          <p:cNvPr id="3" name="Inhaltsplatzhalter 2"/>
+          <p:cNvSpPr>
+            <a:spLocks noGrp="1"/>
+          </p:cNvSpPr>
+          <p:nvPr>
+            <p:ph idx="1"/>
+          </p:nvPr>
+        </p:nvSpPr>
+        <p:spPr/>
+        <p:txBody>
+          <a:bodyPr>
+            <a:normAutofit/>
+          </a:bodyPr>
+          <a:lstStyle/>
+          <a:p>
+            <a:r>
+              <a:rPr lang="de-DE" dirty="0" err="1" smtClean="0"/>
+              <a:t>Determines</a:t>
+            </a:r>
+            <a:r>
+              <a:rPr lang="de-DE" dirty="0" smtClean="0"/>
+              <a:t> </a:t>
+            </a:r>
+            <a:r>
+              <a:rPr lang="de-DE" dirty="0" err="1" smtClean="0"/>
+              <a:t>probability</a:t>
+            </a:r>
+            <a:r>
+              <a:rPr lang="de-DE" dirty="0" smtClean="0"/>
+              <a:t> </a:t>
+            </a:r>
+            <a:r>
+              <a:rPr lang="de-DE" dirty="0" err="1" smtClean="0"/>
+              <a:t>of</a:t>
+            </a:r>
+            <a:r>
+              <a:rPr lang="de-DE" dirty="0" smtClean="0"/>
+              <a:t> </a:t>
+            </a:r>
+            <a:r>
+              <a:rPr lang="de-DE" dirty="0" err="1" smtClean="0"/>
+              <a:t>observed</a:t>
+            </a:r>
+            <a:r>
+              <a:rPr lang="de-DE" dirty="0" smtClean="0"/>
+              <a:t> </a:t>
+            </a:r>
+            <a:r>
+              <a:rPr lang="de-DE" dirty="0" err="1" smtClean="0"/>
+              <a:t>result</a:t>
+            </a:r>
+            <a:r>
+              <a:rPr lang="de-DE" dirty="0" smtClean="0"/>
+              <a:t>, </a:t>
+            </a:r>
+            <a:r>
+              <a:rPr lang="de-DE" dirty="0" err="1" smtClean="0"/>
+              <a:t>under</a:t>
+            </a:r>
+            <a:r>
+              <a:rPr lang="de-DE" dirty="0" smtClean="0"/>
+              <a:t> </a:t>
+            </a:r>
+            <a:r>
+              <a:rPr lang="de-DE" dirty="0" err="1" smtClean="0"/>
+              <a:t>the</a:t>
+            </a:r>
+            <a:r>
+              <a:rPr lang="de-DE" dirty="0" smtClean="0"/>
+              <a:t> </a:t>
+            </a:r>
+            <a:r>
+              <a:rPr lang="de-DE" dirty="0" err="1" smtClean="0"/>
+              <a:t>assumption</a:t>
+            </a:r>
+            <a:r>
+              <a:rPr lang="de-DE" dirty="0" smtClean="0"/>
+              <a:t> </a:t>
+            </a:r>
+            <a:r>
+              <a:rPr lang="de-DE" dirty="0" err="1" smtClean="0"/>
+              <a:t>that</a:t>
+            </a:r>
+            <a:r>
+              <a:rPr lang="de-DE" dirty="0" smtClean="0"/>
+              <a:t> </a:t>
+            </a:r>
+            <a:r>
+              <a:rPr lang="de-DE" dirty="0" err="1" smtClean="0"/>
+              <a:t>the</a:t>
+            </a:r>
+            <a:r>
+              <a:rPr lang="de-DE" dirty="0" smtClean="0"/>
+              <a:t> null </a:t>
+            </a:r>
+            <a:r>
+              <a:rPr lang="de-DE" dirty="0" err="1" smtClean="0"/>
+              <a:t>hypothesis</a:t>
+            </a:r>
+            <a:r>
+              <a:rPr lang="de-DE" dirty="0" smtClean="0"/>
+              <a:t> </a:t>
+            </a:r>
+            <a:r>
+              <a:rPr lang="de-DE" dirty="0" err="1" smtClean="0"/>
+              <a:t>is</a:t>
+            </a:r>
+            <a:r>
+              <a:rPr lang="de-DE" dirty="0" smtClean="0"/>
+              <a:t> valid -&gt; </a:t>
+            </a:r>
+            <a:r>
+              <a:rPr lang="de-DE" dirty="0" err="1" smtClean="0"/>
+              <a:t>conditional</a:t>
+            </a:r>
+            <a:r>
+              <a:rPr lang="de-DE" dirty="0" smtClean="0"/>
+              <a:t> </a:t>
+            </a:r>
+            <a:r>
+              <a:rPr lang="de-DE" dirty="0" err="1" smtClean="0"/>
+              <a:t>probability</a:t>
+            </a:r>
+            <a:endParaRPr lang="en-US" dirty="0" smtClean="0"/>
+          </a:p>
+          <a:p>
+            <a:r>
+              <a:rPr lang="de-DE" dirty="0" err="1" smtClean="0"/>
+              <a:t>If</a:t>
+            </a:r>
+            <a:r>
+              <a:rPr lang="de-DE" dirty="0" smtClean="0"/>
+              <a:t> </a:t>
+            </a:r>
+            <a:r>
+              <a:rPr lang="de-DE" dirty="0" err="1" smtClean="0"/>
+              <a:t>probability</a:t>
+            </a:r>
+            <a:r>
+              <a:rPr lang="de-DE" dirty="0" smtClean="0"/>
+              <a:t> </a:t>
+            </a:r>
+            <a:r>
+              <a:rPr lang="de-DE" dirty="0" err="1" smtClean="0"/>
+              <a:t>is</a:t>
+            </a:r>
+            <a:r>
+              <a:rPr lang="de-DE" dirty="0" smtClean="0"/>
+              <a:t> </a:t>
+            </a:r>
+            <a:r>
+              <a:rPr lang="de-DE" dirty="0" err="1" smtClean="0"/>
+              <a:t>smaller</a:t>
+            </a:r>
+            <a:r>
+              <a:rPr lang="de-DE" dirty="0" smtClean="0"/>
+              <a:t> </a:t>
+            </a:r>
+            <a:r>
+              <a:rPr lang="de-DE" dirty="0" err="1" smtClean="0"/>
+              <a:t>than</a:t>
+            </a:r>
+            <a:r>
+              <a:rPr lang="de-DE" dirty="0" smtClean="0"/>
+              <a:t>:</a:t>
+            </a:r>
+          </a:p>
+          <a:p>
+            <a:pPr lvl="1"/>
+            <a:r>
+              <a:rPr lang="de-DE" dirty="0" smtClean="0"/>
+              <a:t>0.001</a:t>
+            </a:r>
+          </a:p>
+          <a:p>
+            <a:pPr lvl="1"/>
+            <a:r>
+              <a:rPr lang="de-DE" dirty="0" smtClean="0"/>
+              <a:t>0.01</a:t>
+            </a:r>
+          </a:p>
+          <a:p>
+            <a:pPr lvl="1"/>
+            <a:r>
+              <a:rPr lang="de-DE" dirty="0" smtClean="0"/>
+              <a:t>0.05</a:t>
+            </a:r>
+          </a:p>
+          <a:p>
+            <a:pPr lvl="1"/>
+            <a:r>
+              <a:rPr lang="de-DE" dirty="0" smtClean="0"/>
+              <a:t>0.10</a:t>
+            </a:r>
+          </a:p>
+          <a:p>
+            <a:pPr indent="17463">
+              <a:buNone/>
+            </a:pPr>
+            <a:r>
+              <a:rPr lang="de-DE" dirty="0" smtClean="0"/>
+              <a:t>null </a:t>
+            </a:r>
+            <a:r>
+              <a:rPr lang="de-DE" dirty="0" err="1" smtClean="0"/>
+              <a:t>hypothesis</a:t>
+            </a:r>
+            <a:r>
+              <a:rPr lang="de-DE" dirty="0" smtClean="0"/>
+              <a:t> must </a:t>
+            </a:r>
+            <a:r>
+              <a:rPr lang="de-DE" dirty="0" err="1" smtClean="0"/>
+              <a:t>be</a:t>
+            </a:r>
+            <a:r>
+              <a:rPr lang="de-DE" dirty="0" smtClean="0"/>
+              <a:t> </a:t>
+            </a:r>
+            <a:r>
+              <a:rPr lang="de-DE" dirty="0" err="1" smtClean="0"/>
+              <a:t>wrong</a:t>
+            </a:r>
+            <a:endParaRPr lang="de-DE" dirty="0" smtClean="0"/>
+          </a:p>
+          <a:p>
+            <a:r>
+              <a:rPr lang="de-DE" dirty="0" err="1" smtClean="0"/>
+              <a:t>Significance</a:t>
+            </a:r>
+            <a:r>
+              <a:rPr lang="de-DE" dirty="0" smtClean="0"/>
+              <a:t> </a:t>
+            </a:r>
+            <a:r>
+              <a:rPr lang="de-DE" dirty="0" err="1" smtClean="0"/>
+              <a:t>level</a:t>
+            </a:r>
+            <a:r>
+              <a:rPr lang="en-US" dirty="0"/>
+              <a:t> </a:t>
+            </a:r>
+            <a:r>
+              <a:rPr lang="en-US" dirty="0" smtClean="0"/>
+              <a:t>must be defined in advance!</a:t>
+            </a:r>
+            <a:endParaRPr lang="de-DE" dirty="0" smtClean="0"/>
+          </a:p>
+        </p:txBody>
+      </p:sp>
+      <p:sp>
+        <p:nvSpPr>
+          <p:cNvPr id="4" name="Foliennummernplatzhalter 3"/>
+          <p:cNvSpPr>
+            <a:spLocks noGrp="1"/>
+          </p:cNvSpPr>
+          <p:nvPr>
+            <p:ph type="sldNum" sz="quarter" idx="12"/>
+          </p:nvPr>
+        </p:nvSpPr>
+        <p:spPr/>
+        <p:txBody>
+          <a:bodyPr/>
+          <a:lstStyle/>
+          <a:p>
+            <a:fld id="{6C6AE60A-B69C-4790-82F7-3882EDF23186}" type="slidenum">
+              <a:rPr lang="de-DE" smtClean="0"/>
+              <a:pPr/>
+              <a:t>41</a:t>
+            </a:fld>
+            <a:endParaRPr lang="de-DE"/>
+          </a:p>
+        </p:txBody>
+      </p:sp>
+      <p:sp>
+        <p:nvSpPr>
+          <p:cNvPr id="5" name="Rechteck 4"/>
+          <p:cNvSpPr/>
+          <p:nvPr/>
+        </p:nvSpPr>
+        <p:spPr>
+          <a:xfrm>
+            <a:off x="3143672" y="3212976"/>
+            <a:ext cx="6572296" cy="2232248"/>
+          </a:xfrm>
+          <a:prstGeom prst="rect">
+            <a:avLst/>
+          </a:prstGeom>
+          <a:noFill/>
+          <a:ln>
+            <a:noFill/>
+          </a:ln>
+        </p:spPr>
+        <p:style>
+          <a:lnRef idx="2">
+            <a:schemeClr val="accent1">
+              <a:shade val="50000"/>
+            </a:schemeClr>
+          </a:lnRef>
+          <a:fillRef idx="1">
+            <a:schemeClr val="accent1"/>
+          </a:fillRef>
+          <a:effectRef idx="0">
+            <a:schemeClr val="accent1"/>
+          </a:effectRef>
+          <a:fontRef idx="minor">
+            <a:schemeClr val="lt1"/>
+          </a:fontRef>
+        </p:style>
+        <p:txBody>
+          <a:bodyPr rtlCol="0" anchor="ctr"/>
+          <a:lstStyle/>
+          <a:p>
+            <a:r>
+              <a:rPr lang="en-US" sz="2600" dirty="0">
+                <a:solidFill>
+                  <a:schemeClr val="bg1">
+                    <a:lumMod val="50000"/>
+                  </a:schemeClr>
+                </a:solidFill>
+              </a:rPr>
+              <a:t>very </a:t>
+            </a:r>
+            <a:r>
+              <a:rPr lang="en-US" sz="2600" dirty="0" err="1">
+                <a:solidFill>
+                  <a:schemeClr val="bg1">
+                    <a:lumMod val="50000"/>
+                  </a:schemeClr>
+                </a:solidFill>
+              </a:rPr>
+              <a:t>very</a:t>
+            </a:r>
+            <a:r>
+              <a:rPr lang="en-US" sz="2600" dirty="0">
+                <a:solidFill>
+                  <a:schemeClr val="bg1">
+                    <a:lumMod val="50000"/>
+                  </a:schemeClr>
+                </a:solidFill>
+              </a:rPr>
+              <a:t> significant</a:t>
+            </a:r>
+          </a:p>
+          <a:p>
+            <a:r>
+              <a:rPr lang="en-US" sz="2600" dirty="0">
+                <a:solidFill>
+                  <a:schemeClr val="bg1">
+                    <a:lumMod val="50000"/>
+                  </a:schemeClr>
+                </a:solidFill>
+              </a:rPr>
+              <a:t>very significant</a:t>
+            </a:r>
+          </a:p>
+          <a:p>
+            <a:r>
+              <a:rPr lang="de-DE" sz="2600" dirty="0" err="1">
+                <a:solidFill>
+                  <a:schemeClr val="bg1">
+                    <a:lumMod val="50000"/>
+                  </a:schemeClr>
+                </a:solidFill>
+              </a:rPr>
+              <a:t>typical</a:t>
+            </a:r>
+            <a:r>
+              <a:rPr lang="de-DE" sz="2600" dirty="0">
+                <a:solidFill>
+                  <a:schemeClr val="bg1">
+                    <a:lumMod val="50000"/>
+                  </a:schemeClr>
+                </a:solidFill>
+              </a:rPr>
+              <a:t> </a:t>
+            </a:r>
+            <a:r>
+              <a:rPr lang="de-DE" sz="2600" dirty="0" err="1">
+                <a:solidFill>
+                  <a:schemeClr val="bg1">
+                    <a:lumMod val="50000"/>
+                  </a:schemeClr>
+                </a:solidFill>
+              </a:rPr>
+              <a:t>significance</a:t>
+            </a:r>
+            <a:r>
+              <a:rPr lang="de-DE" sz="2600" dirty="0">
+                <a:solidFill>
+                  <a:schemeClr val="bg1">
+                    <a:lumMod val="50000"/>
+                  </a:schemeClr>
+                </a:solidFill>
+              </a:rPr>
+              <a:t> </a:t>
+            </a:r>
+            <a:r>
+              <a:rPr lang="de-DE" sz="2600" dirty="0" err="1">
+                <a:solidFill>
+                  <a:schemeClr val="bg1">
+                    <a:lumMod val="50000"/>
+                  </a:schemeClr>
+                </a:solidFill>
+              </a:rPr>
+              <a:t>level</a:t>
+            </a:r>
+            <a:endParaRPr lang="de-DE" sz="2600" dirty="0">
+              <a:solidFill>
+                <a:schemeClr val="bg1">
+                  <a:lumMod val="50000"/>
+                </a:schemeClr>
+              </a:solidFill>
+            </a:endParaRPr>
+          </a:p>
+          <a:p>
+            <a:r>
+              <a:rPr lang="de-DE" sz="2600" dirty="0" err="1">
+                <a:solidFill>
+                  <a:schemeClr val="bg1">
+                    <a:lumMod val="50000"/>
+                  </a:schemeClr>
+                </a:solidFill>
+              </a:rPr>
+              <a:t>for</a:t>
+            </a:r>
+            <a:r>
+              <a:rPr lang="de-DE" sz="2600" dirty="0">
+                <a:solidFill>
+                  <a:schemeClr val="bg1">
+                    <a:lumMod val="50000"/>
+                  </a:schemeClr>
+                </a:solidFill>
+              </a:rPr>
+              <a:t> </a:t>
+            </a:r>
+            <a:r>
+              <a:rPr lang="de-DE" sz="2600" dirty="0" err="1">
+                <a:solidFill>
+                  <a:schemeClr val="bg1">
+                    <a:lumMod val="50000"/>
+                  </a:schemeClr>
+                </a:solidFill>
+              </a:rPr>
+              <a:t>exploraty</a:t>
+            </a:r>
+            <a:r>
+              <a:rPr lang="de-DE" sz="2600" dirty="0">
+                <a:solidFill>
+                  <a:schemeClr val="bg1">
+                    <a:lumMod val="50000"/>
+                  </a:schemeClr>
+                </a:solidFill>
+              </a:rPr>
+              <a:t>/initial </a:t>
+            </a:r>
+            <a:r>
+              <a:rPr lang="de-DE" sz="2600" dirty="0" err="1">
+                <a:solidFill>
+                  <a:schemeClr val="bg1">
+                    <a:lumMod val="50000"/>
+                  </a:schemeClr>
+                </a:solidFill>
+              </a:rPr>
+              <a:t>studies</a:t>
+            </a:r>
+            <a:endParaRPr lang="en-US" sz="2600" dirty="0">
+              <a:solidFill>
+                <a:schemeClr val="bg1">
+                  <a:lumMod val="50000"/>
+                </a:schemeClr>
+              </a:solidFill>
+            </a:endParaRPr>
+          </a:p>
+        </p:txBody>
+      </p:sp>
+    </p:spTree>
+    <p:extLst>
+      <p:ext uri="{BB962C8B-B14F-4D97-AF65-F5344CB8AC3E}">
+        <p14:creationId xmlns:p14="http://schemas.microsoft.com/office/powerpoint/2010/main" val="127722669"/>
+      </p:ext>
+    </p:extLst>
+  </p:cSld>
+  <p:clrMapOvr>
+    <a:masterClrMapping/>
+  </p:clrMapOvr>
+  <p:timing>
+    <p:tnLst>
+      <p:par>
+        <p:cTn id="1" dur="indefinite" restart="never" nodeType="tmRoot">
+          <p:childTnLst>
+            <p:seq concurrent="1" nextAc="seek">
+              <p:cTn id="2" dur="indefinite" nodeType="mainSeq">
+                <p:childTnLst>
+                  <p:par>
+                    <p:cTn id="3" fill="hold">
+                      <p:stCondLst>
+                        <p:cond delay="indefinite"/>
+                      </p:stCondLst>
+                      <p:childTnLst>
+                        <p:par>
+                          <p:cTn id="4" fill="hold">
+                            <p:stCondLst>
+                              <p:cond delay="0"/>
+                            </p:stCondLst>
+                            <p:childTnLst>
+                              <p:par>
+                                <p:cTn id="5" presetID="1" presetClass="entr" presetSubtype="0" fill="hold" grpId="0" nodeType="clickEffect">
+                                  <p:stCondLst>
+                                    <p:cond delay="0"/>
+                                  </p:stCondLst>
+                                  <p:childTnLst>
+                                    <p:set>
+                                      <p:cBhvr>
+                                        <p:cTn id="6" dur="1" fill="hold">
+                                          <p:stCondLst>
+                                            <p:cond delay="0"/>
+                                          </p:stCondLst>
+                                        </p:cTn>
+                                        <p:tgtEl>
+                                          <p:spTgt spid="5"/>
+                                        </p:tgtEl>
+                                        <p:attrNameLst>
+                                          <p:attrName>style.visibility</p:attrName>
+                                        </p:attrNameLst>
+                                      </p:cBhvr>
+                                      <p:to>
+                                        <p:strVal val="visible"/>
+                                      </p:to>
+                                    </p:set>
+                                  </p:childTnLst>
+                                </p:cTn>
+                              </p:par>
+                            </p:childTnLst>
+                          </p:cTn>
+                        </p:par>
+                      </p:childTnLst>
+                    </p:cTn>
+                  </p:par>
+                </p:childTnLst>
+              </p:cTn>
+              <p:prevCondLst>
+                <p:cond evt="onPrev" delay="0">
+                  <p:tgtEl>
+                    <p:sldTgt/>
+                  </p:tgtEl>
+                </p:cond>
+              </p:prevCondLst>
+              <p:nextCondLst>
+                <p:cond evt="onNext" delay="0">
+                  <p:tgtEl>
+                    <p:sldTgt/>
+                  </p:tgtEl>
+                </p:cond>
+              </p:nextCondLst>
+            </p:seq>
+          </p:childTnLst>
+        </p:cTn>
+      </p:par>
+    </p:tnLst>
+    <p:bldLst>
+      <p:bldP spid="5" grpId="0"/>
+    </p:bldLst>
+  </p:timing>
+</p:sld>
+</file>
+
+<file path=ppt/slides/slide42.xml><?xml version="1.0" encoding="utf-8"?>
+<p:sld xmlns:a="http://schemas.openxmlformats.org/drawingml/2006/main" xmlns:r="http://schemas.openxmlformats.org/officeDocument/2006/relationships" xmlns:p="http://schemas.openxmlformats.org/presentationml/2006/main">
+  <p:cSld>
+    <p:spTree>
+      <p:nvGrpSpPr>
+        <p:cNvPr id="1" name=""/>
+        <p:cNvGrpSpPr/>
+        <p:nvPr/>
+      </p:nvGrpSpPr>
+      <p:grpSpPr>
+        <a:xfrm>
+          <a:off x="0" y="0"/>
+          <a:ext cx="0" cy="0"/>
+          <a:chOff x="0" y="0"/>
+          <a:chExt cx="0" cy="0"/>
+        </a:xfrm>
+      </p:grpSpPr>
+      <p:sp>
+        <p:nvSpPr>
+          <p:cNvPr id="2" name="Titel 1"/>
+          <p:cNvSpPr>
+            <a:spLocks noGrp="1"/>
+          </p:cNvSpPr>
+          <p:nvPr>
+            <p:ph type="title"/>
+          </p:nvPr>
+        </p:nvSpPr>
+        <p:spPr/>
+        <p:txBody>
+          <a:bodyPr/>
+          <a:lstStyle/>
+          <a:p>
+            <a:r>
+              <a:rPr lang="de-DE" dirty="0" smtClean="0"/>
+              <a:t>T-Test: </a:t>
+            </a:r>
+            <a:r>
+              <a:rPr lang="de-DE" dirty="0" err="1" smtClean="0"/>
+              <a:t>Conclusion</a:t>
+            </a:r>
+            <a:endParaRPr lang="en-US" dirty="0"/>
+          </a:p>
+        </p:txBody>
+      </p:sp>
+      <p:sp>
+        <p:nvSpPr>
+          <p:cNvPr id="3" name="Inhaltsplatzhalter 2"/>
+          <p:cNvSpPr>
+            <a:spLocks noGrp="1"/>
+          </p:cNvSpPr>
+          <p:nvPr>
+            <p:ph idx="1"/>
+          </p:nvPr>
+        </p:nvSpPr>
+        <p:spPr/>
+        <p:txBody>
+          <a:bodyPr>
+            <a:normAutofit/>
+          </a:bodyPr>
+          <a:lstStyle/>
+          <a:p>
+            <a:r>
+              <a:rPr lang="de-DE" dirty="0" err="1" smtClean="0"/>
+              <a:t>What</a:t>
+            </a:r>
+            <a:r>
+              <a:rPr lang="de-DE" dirty="0" smtClean="0"/>
+              <a:t> </a:t>
+            </a:r>
+            <a:r>
+              <a:rPr lang="de-DE" dirty="0" err="1" smtClean="0"/>
+              <a:t>does</a:t>
+            </a:r>
+            <a:r>
+              <a:rPr lang="de-DE" dirty="0" smtClean="0"/>
+              <a:t> </a:t>
+            </a:r>
+            <a:r>
+              <a:rPr lang="de-DE" dirty="0" err="1" smtClean="0"/>
+              <a:t>significant</a:t>
+            </a:r>
+            <a:r>
+              <a:rPr lang="de-DE" dirty="0" smtClean="0"/>
+              <a:t> </a:t>
+            </a:r>
+            <a:r>
+              <a:rPr lang="de-DE" dirty="0" err="1" smtClean="0"/>
+              <a:t>result</a:t>
+            </a:r>
+            <a:r>
+              <a:rPr lang="de-DE" dirty="0" smtClean="0"/>
+              <a:t> </a:t>
+            </a:r>
+            <a:r>
+              <a:rPr lang="de-DE" dirty="0" err="1" smtClean="0"/>
+              <a:t>mean</a:t>
+            </a:r>
+            <a:r>
+              <a:rPr lang="de-DE" dirty="0" smtClean="0"/>
+              <a:t>?</a:t>
+            </a:r>
+          </a:p>
+          <a:p>
+            <a:r>
+              <a:rPr lang="de-DE" dirty="0" err="1" smtClean="0"/>
+              <a:t>Is</a:t>
+            </a:r>
+            <a:r>
+              <a:rPr lang="de-DE" dirty="0" smtClean="0"/>
+              <a:t> null </a:t>
+            </a:r>
+            <a:r>
+              <a:rPr lang="de-DE" dirty="0" err="1" smtClean="0"/>
+              <a:t>hypothesis</a:t>
+            </a:r>
+            <a:r>
+              <a:rPr lang="de-DE" dirty="0" smtClean="0"/>
+              <a:t> </a:t>
+            </a:r>
+            <a:r>
+              <a:rPr lang="de-DE" dirty="0" err="1" smtClean="0"/>
+              <a:t>incorrect</a:t>
+            </a:r>
+            <a:r>
+              <a:rPr lang="de-DE" dirty="0" smtClean="0"/>
+              <a:t>? -&gt; </a:t>
+            </a:r>
+            <a:r>
+              <a:rPr lang="de-DE" dirty="0" err="1" smtClean="0"/>
+              <a:t>No</a:t>
+            </a:r>
+            <a:endParaRPr lang="de-DE" dirty="0" smtClean="0"/>
+          </a:p>
+          <a:p>
+            <a:r>
+              <a:rPr lang="de-DE" dirty="0" err="1" smtClean="0"/>
+              <a:t>Is</a:t>
+            </a:r>
+            <a:r>
+              <a:rPr lang="de-DE" dirty="0" smtClean="0"/>
+              <a:t> alternative </a:t>
+            </a:r>
+            <a:r>
+              <a:rPr lang="de-DE" dirty="0" err="1" smtClean="0"/>
+              <a:t>hypotheses</a:t>
+            </a:r>
+            <a:r>
+              <a:rPr lang="de-DE" dirty="0" smtClean="0"/>
+              <a:t> </a:t>
+            </a:r>
+            <a:r>
+              <a:rPr lang="de-DE" dirty="0" err="1" smtClean="0"/>
+              <a:t>correct</a:t>
+            </a:r>
+            <a:r>
+              <a:rPr lang="de-DE" dirty="0" smtClean="0"/>
+              <a:t>? -&gt; </a:t>
+            </a:r>
+            <a:r>
+              <a:rPr lang="de-DE" dirty="0" err="1" smtClean="0"/>
+              <a:t>No</a:t>
+            </a:r>
+            <a:endParaRPr lang="de-DE" dirty="0" smtClean="0"/>
+          </a:p>
+          <a:p>
+            <a:endParaRPr lang="de-DE" dirty="0"/>
+          </a:p>
+          <a:p>
+            <a:r>
+              <a:rPr lang="de-DE" dirty="0" err="1" smtClean="0"/>
+              <a:t>There</a:t>
+            </a:r>
+            <a:r>
+              <a:rPr lang="de-DE" dirty="0" smtClean="0"/>
+              <a:t> </a:t>
+            </a:r>
+            <a:r>
+              <a:rPr lang="de-DE" dirty="0" err="1" smtClean="0"/>
+              <a:t>is</a:t>
+            </a:r>
+            <a:r>
+              <a:rPr lang="de-DE" dirty="0" smtClean="0"/>
+              <a:t> </a:t>
+            </a:r>
+            <a:r>
+              <a:rPr lang="de-DE" dirty="0" err="1" smtClean="0"/>
+              <a:t>no</a:t>
+            </a:r>
+            <a:r>
+              <a:rPr lang="de-DE" dirty="0" smtClean="0"/>
+              <a:t> </a:t>
+            </a:r>
+            <a:r>
+              <a:rPr lang="de-DE" dirty="0" err="1" smtClean="0"/>
+              <a:t>evidence</a:t>
+            </a:r>
+            <a:r>
+              <a:rPr lang="de-DE" dirty="0" smtClean="0"/>
+              <a:t> </a:t>
+            </a:r>
+            <a:r>
+              <a:rPr lang="de-DE" dirty="0" err="1" smtClean="0"/>
+              <a:t>that</a:t>
+            </a:r>
+            <a:r>
+              <a:rPr lang="de-DE" dirty="0" smtClean="0"/>
+              <a:t> </a:t>
+            </a:r>
+            <a:r>
+              <a:rPr lang="de-DE" dirty="0" err="1" smtClean="0"/>
+              <a:t>the</a:t>
+            </a:r>
+            <a:r>
+              <a:rPr lang="de-DE" dirty="0" smtClean="0"/>
+              <a:t> null </a:t>
+            </a:r>
+            <a:r>
+              <a:rPr lang="de-DE" dirty="0" err="1" smtClean="0"/>
+              <a:t>hypothesis</a:t>
+            </a:r>
+            <a:r>
+              <a:rPr lang="de-DE" dirty="0" smtClean="0"/>
+              <a:t> </a:t>
+            </a:r>
+            <a:r>
+              <a:rPr lang="de-DE" dirty="0" err="1" smtClean="0"/>
+              <a:t>is</a:t>
+            </a:r>
+            <a:r>
+              <a:rPr lang="de-DE" dirty="0" smtClean="0"/>
+              <a:t> valid  (</a:t>
+            </a:r>
+            <a:r>
+              <a:rPr lang="de-DE" dirty="0" err="1" smtClean="0"/>
+              <a:t>thus</a:t>
+            </a:r>
+            <a:r>
+              <a:rPr lang="de-DE" dirty="0" smtClean="0"/>
+              <a:t>, I </a:t>
+            </a:r>
+            <a:r>
+              <a:rPr lang="de-DE" dirty="0" err="1" smtClean="0"/>
+              <a:t>can</a:t>
+            </a:r>
+            <a:r>
+              <a:rPr lang="de-DE" dirty="0" smtClean="0"/>
+              <a:t> </a:t>
+            </a:r>
+            <a:r>
+              <a:rPr lang="de-DE" dirty="0" err="1" smtClean="0"/>
+              <a:t>only</a:t>
+            </a:r>
+            <a:r>
+              <a:rPr lang="de-DE" dirty="0" smtClean="0"/>
+              <a:t> </a:t>
+            </a:r>
+            <a:r>
+              <a:rPr lang="de-DE" dirty="0" err="1" smtClean="0"/>
+              <a:t>make</a:t>
+            </a:r>
+            <a:r>
+              <a:rPr lang="de-DE" dirty="0" smtClean="0"/>
+              <a:t> </a:t>
+            </a:r>
+            <a:r>
+              <a:rPr lang="de-DE" dirty="0" err="1" smtClean="0"/>
+              <a:t>statements</a:t>
+            </a:r>
+            <a:r>
+              <a:rPr lang="de-DE" dirty="0" smtClean="0"/>
+              <a:t> </a:t>
+            </a:r>
+            <a:r>
+              <a:rPr lang="de-DE" dirty="0" err="1" smtClean="0"/>
+              <a:t>about</a:t>
+            </a:r>
+            <a:r>
+              <a:rPr lang="de-DE" dirty="0" smtClean="0"/>
+              <a:t> </a:t>
+            </a:r>
+            <a:r>
+              <a:rPr lang="de-DE" dirty="0" err="1" smtClean="0"/>
+              <a:t>the</a:t>
+            </a:r>
+            <a:r>
+              <a:rPr lang="de-DE" dirty="0" smtClean="0"/>
+              <a:t> null </a:t>
+            </a:r>
+            <a:r>
+              <a:rPr lang="de-DE" dirty="0" err="1" smtClean="0"/>
+              <a:t>hypothesis</a:t>
+            </a:r>
+            <a:r>
+              <a:rPr lang="de-DE" dirty="0" smtClean="0"/>
+              <a:t>)</a:t>
+            </a:r>
+          </a:p>
+          <a:p>
+            <a:r>
+              <a:rPr lang="de-DE" dirty="0" smtClean="0"/>
+              <a:t>Writing a </a:t>
+            </a:r>
+            <a:r>
+              <a:rPr lang="de-DE" dirty="0" err="1" smtClean="0"/>
+              <a:t>report</a:t>
+            </a:r>
+            <a:r>
+              <a:rPr lang="de-DE" dirty="0" smtClean="0"/>
+              <a:t>:</a:t>
+            </a:r>
+          </a:p>
+          <a:p>
+            <a:pPr lvl="1"/>
+            <a:r>
+              <a:rPr lang="de-DE" dirty="0" err="1" smtClean="0"/>
+              <a:t>Reject</a:t>
+            </a:r>
+            <a:r>
+              <a:rPr lang="de-DE" dirty="0" smtClean="0"/>
+              <a:t>/</a:t>
+            </a:r>
+            <a:r>
+              <a:rPr lang="de-DE" dirty="0" err="1" smtClean="0"/>
+              <a:t>could</a:t>
+            </a:r>
+            <a:r>
+              <a:rPr lang="de-DE" dirty="0" smtClean="0"/>
+              <a:t> not </a:t>
+            </a:r>
+            <a:r>
+              <a:rPr lang="de-DE" dirty="0" err="1" smtClean="0"/>
+              <a:t>reject</a:t>
+            </a:r>
+            <a:r>
+              <a:rPr lang="de-DE" dirty="0" smtClean="0"/>
+              <a:t> null </a:t>
+            </a:r>
+            <a:r>
+              <a:rPr lang="de-DE" dirty="0" err="1" smtClean="0"/>
+              <a:t>hypothesis</a:t>
+            </a:r>
+            <a:endParaRPr lang="de-DE" dirty="0" smtClean="0"/>
+          </a:p>
+          <a:p>
+            <a:pPr lvl="1"/>
+            <a:r>
+              <a:rPr lang="de-DE" dirty="0" smtClean="0"/>
+              <a:t>Never: </a:t>
+            </a:r>
+            <a:r>
+              <a:rPr lang="de-DE" dirty="0" err="1" smtClean="0"/>
+              <a:t>Confirmation</a:t>
+            </a:r>
+            <a:r>
+              <a:rPr lang="de-DE" dirty="0" smtClean="0"/>
+              <a:t> </a:t>
+            </a:r>
+            <a:r>
+              <a:rPr lang="de-DE" dirty="0" err="1" smtClean="0"/>
+              <a:t>of</a:t>
+            </a:r>
+            <a:r>
+              <a:rPr lang="de-DE" dirty="0" smtClean="0"/>
+              <a:t> null </a:t>
+            </a:r>
+            <a:r>
+              <a:rPr lang="de-DE" dirty="0" err="1" smtClean="0"/>
+              <a:t>or</a:t>
+            </a:r>
+            <a:r>
+              <a:rPr lang="de-DE" dirty="0" smtClean="0"/>
+              <a:t> alternative </a:t>
+            </a:r>
+            <a:r>
+              <a:rPr lang="de-DE" dirty="0" err="1" smtClean="0"/>
+              <a:t>hypothesis</a:t>
+            </a:r>
+            <a:endParaRPr lang="en-US" dirty="0"/>
+          </a:p>
+        </p:txBody>
+      </p:sp>
+      <p:sp>
+        <p:nvSpPr>
+          <p:cNvPr id="4" name="Foliennummernplatzhalter 3"/>
+          <p:cNvSpPr>
+            <a:spLocks noGrp="1"/>
+          </p:cNvSpPr>
+          <p:nvPr>
+            <p:ph type="sldNum" sz="quarter" idx="12"/>
+          </p:nvPr>
+        </p:nvSpPr>
+        <p:spPr/>
+        <p:txBody>
+          <a:bodyPr/>
+          <a:lstStyle/>
+          <a:p>
+            <a:fld id="{6C6AE60A-B69C-4790-82F7-3882EDF23186}" type="slidenum">
+              <a:rPr lang="de-DE" smtClean="0"/>
+              <a:pPr/>
+              <a:t>42</a:t>
+            </a:fld>
+            <a:endParaRPr lang="de-DE"/>
+          </a:p>
+        </p:txBody>
+      </p:sp>
+    </p:spTree>
+    <p:extLst>
+      <p:ext uri="{BB962C8B-B14F-4D97-AF65-F5344CB8AC3E}">
+        <p14:creationId xmlns:p14="http://schemas.microsoft.com/office/powerpoint/2010/main" val="1188021921"/>
+      </p:ext>
+    </p:extLst>
+  </p:cSld>
+  <p:clrMapOvr>
+    <a:masterClrMapping/>
+  </p:clrMapOvr>
+  <p:timing>
+    <p:tnLst>
+      <p:par>
+        <p:cTn id="1" dur="indefinite" restart="never" nodeType="tmRoot"/>
+      </p:par>
+    </p:tnLst>
+  </p:timing>
+</p:sld>
+</file>
+
 <file path=ppt/slides/slide43.xml><?xml version="1.0" encoding="utf-8"?>
 <p:sld xmlns:a="http://schemas.openxmlformats.org/drawingml/2006/main" xmlns:r="http://schemas.openxmlformats.org/officeDocument/2006/relationships" xmlns:p="http://schemas.openxmlformats.org/presentationml/2006/main">
   <p:cSld>
@@ -26279,6 +26173,10 @@
               <a:rPr lang="de-DE" dirty="0" err="1" smtClean="0"/>
               <a:t>usable</a:t>
             </a:r>
+            <a:r>
+              <a:rPr lang="de-DE" smtClean="0"/>
+              <a:t>)</a:t>
+            </a:r>
             <a:endParaRPr lang="de-DE" dirty="0" smtClean="0"/>
           </a:p>
           <a:p>
@@ -26472,7 +26370,7 @@
           <a:graphicData uri="http://schemas.openxmlformats.org/presentationml/2006/ole">
             <mc:AlternateContent xmlns:mc="http://schemas.openxmlformats.org/markup-compatibility/2006">
               <mc:Choice xmlns:v="urn:schemas-microsoft-com:vml" Requires="v">
-                <p:oleObj spid="_x0000_s74786" name="Formel" r:id="rId3" imgW="888840" imgH="241200" progId="Equation.3">
+                <p:oleObj spid="_x0000_s74788" name="Formel" r:id="rId3" imgW="888840" imgH="241200" progId="Equation.3">
                   <p:embed/>
                 </p:oleObj>
               </mc:Choice>
@@ -28909,7 +28807,7 @@
           <a:graphicData uri="http://schemas.openxmlformats.org/presentationml/2006/ole">
             <mc:AlternateContent xmlns:mc="http://schemas.openxmlformats.org/markup-compatibility/2006">
               <mc:Choice xmlns:v="urn:schemas-microsoft-com:vml" Requires="v">
-                <p:oleObj spid="_x0000_s75840" name="Formel" r:id="rId3" imgW="1612800" imgH="393480" progId="Equation.3">
+                <p:oleObj spid="_x0000_s75844" name="Formel" r:id="rId3" imgW="1612800" imgH="393480" progId="Equation.3">
                   <p:embed/>
                 </p:oleObj>
               </mc:Choice>
@@ -28973,7 +28871,7 @@
           <a:graphicData uri="http://schemas.openxmlformats.org/presentationml/2006/ole">
             <mc:AlternateContent xmlns:mc="http://schemas.openxmlformats.org/markup-compatibility/2006">
               <mc:Choice xmlns:v="urn:schemas-microsoft-com:vml" Requires="v">
-                <p:oleObj spid="_x0000_s75841" name="Formel" r:id="rId5" imgW="558720" imgH="431640" progId="Equation.3">
+                <p:oleObj spid="_x0000_s75845" name="Formel" r:id="rId5" imgW="558720" imgH="431640" progId="Equation.3">
                   <p:embed/>
                 </p:oleObj>
               </mc:Choice>
